--- a/DevNet Create 2020 - Making a Mesh of the Infrastructure.pptx
+++ b/DevNet Create 2020 - Making a Mesh of the Infrastructure.pptx
@@ -27,7 +27,7 @@
     <p:sldId id="355" r:id="rId15"/>
     <p:sldId id="345" r:id="rId16"/>
     <p:sldId id="331" r:id="rId17"/>
-    <p:sldId id="349" r:id="rId18"/>
+    <p:sldId id="356" r:id="rId18"/>
     <p:sldId id="342" r:id="rId19"/>
     <p:sldId id="329" r:id="rId20"/>
     <p:sldId id="343" r:id="rId21"/>
@@ -250,7 +250,7 @@
           <a:p>
             <a:fld id="{5281E343-34C4-3E47-B423-F0DB520B7DF5}" type="datetimeFigureOut">
               <a:rPr lang="en-US" smtClean="0"/>
-              <a:t>3/7/2020</a:t>
+              <a:t>6/15/2020</a:t>
             </a:fld>
             <a:endParaRPr lang="en-US"/>
           </a:p>
@@ -415,7 +415,7 @@
           <a:p>
             <a:fld id="{4AFEB15A-4DDC-D641-947F-5F403240A7D1}" type="datetimeFigureOut">
               <a:rPr lang="en-US" smtClean="0"/>
-              <a:t>3/7/2020</a:t>
+              <a:t>6/15/2020</a:t>
             </a:fld>
             <a:endParaRPr lang="en-US"/>
           </a:p>
@@ -9612,7 +9612,7 @@
             <a:fld id="{8FE24E97-B007-134C-8D18-DAE05A94524C}" type="datetimeFigureOut">
               <a:rPr lang="en-US" smtClean="0"/>
               <a:pPr/>
-              <a:t>3/7/2020</a:t>
+              <a:t>6/15/2020</a:t>
             </a:fld>
             <a:endParaRPr lang="en-US" dirty="0"/>
           </a:p>
@@ -13119,7 +13119,7 @@
         </p:nvSpPr>
         <p:spPr>
           <a:xfrm>
-            <a:off x="6311391" y="3103612"/>
+            <a:off x="5944660" y="3405364"/>
             <a:ext cx="301752" cy="301752"/>
           </a:xfrm>
           <a:prstGeom prst="ellipse">
@@ -13170,7 +13170,7 @@
         </p:nvSpPr>
         <p:spPr>
           <a:xfrm>
-            <a:off x="6311391" y="2499585"/>
+            <a:off x="5944660" y="2217419"/>
             <a:ext cx="301752" cy="301752"/>
           </a:xfrm>
           <a:prstGeom prst="ellipse">
@@ -13815,14 +13815,15 @@
             </a:extLst>
           </p:cNvPr>
           <p:cNvCxnSpPr>
+            <a:cxnSpLocks/>
             <a:stCxn id="37" idx="2"/>
           </p:cNvCxnSpPr>
           <p:nvPr/>
         </p:nvCxnSpPr>
         <p:spPr>
           <a:xfrm flipH="1">
-            <a:off x="4901036" y="2650461"/>
-            <a:ext cx="1410355" cy="320040"/>
+            <a:off x="4902358" y="2368295"/>
+            <a:ext cx="1042302" cy="469617"/>
           </a:xfrm>
           <a:prstGeom prst="straightConnector1">
             <a:avLst/>
@@ -13856,14 +13857,15 @@
             </a:extLst>
           </p:cNvPr>
           <p:cNvCxnSpPr>
+            <a:cxnSpLocks/>
             <a:stCxn id="36" idx="2"/>
           </p:cNvCxnSpPr>
           <p:nvPr/>
         </p:nvCxnSpPr>
         <p:spPr>
           <a:xfrm flipH="1" flipV="1">
-            <a:off x="4925667" y="3072551"/>
-            <a:ext cx="1385724" cy="181937"/>
+            <a:off x="4927837" y="3126353"/>
+            <a:ext cx="1016823" cy="429887"/>
           </a:xfrm>
           <a:prstGeom prst="straightConnector1">
             <a:avLst/>
@@ -14341,7 +14343,7 @@
         </p:nvSpPr>
         <p:spPr>
           <a:xfrm>
-            <a:off x="5796903" y="2114723"/>
+            <a:off x="6245040" y="2186527"/>
             <a:ext cx="1330728" cy="369332"/>
           </a:xfrm>
           <a:prstGeom prst="rect">
@@ -14376,7 +14378,7 @@
         </p:nvSpPr>
         <p:spPr>
           <a:xfrm>
-            <a:off x="5796903" y="3471584"/>
+            <a:off x="6240871" y="3385430"/>
             <a:ext cx="1330728" cy="369332"/>
           </a:xfrm>
           <a:prstGeom prst="rect">
@@ -14397,6 +14399,135 @@
           </a:p>
         </p:txBody>
       </p:sp>
+      <p:sp>
+        <p:nvSpPr>
+          <p:cNvPr id="47" name="Oval 46">
+            <a:extLst>
+              <a:ext uri="{FF2B5EF4-FFF2-40B4-BE49-F238E27FC236}">
+                <a16:creationId xmlns:a16="http://schemas.microsoft.com/office/drawing/2014/main" id="{A04A5CF2-0DE9-48F9-937E-9950950A6776}"/>
+              </a:ext>
+            </a:extLst>
+          </p:cNvPr>
+          <p:cNvSpPr>
+            <a:spLocks noChangeAspect="1"/>
+          </p:cNvSpPr>
+          <p:nvPr/>
+        </p:nvSpPr>
+        <p:spPr>
+          <a:xfrm>
+            <a:off x="5942666" y="2824601"/>
+            <a:ext cx="301752" cy="301752"/>
+          </a:xfrm>
+          <a:prstGeom prst="ellipse">
+            <a:avLst/>
+          </a:prstGeom>
+          <a:solidFill>
+            <a:schemeClr val="bg1">
+              <a:lumMod val="65000"/>
+            </a:schemeClr>
+          </a:solidFill>
+        </p:spPr>
+        <p:style>
+          <a:lnRef idx="1">
+            <a:schemeClr val="accent1"/>
+          </a:lnRef>
+          <a:fillRef idx="3">
+            <a:schemeClr val="accent1"/>
+          </a:fillRef>
+          <a:effectRef idx="2">
+            <a:schemeClr val="accent1"/>
+          </a:effectRef>
+          <a:fontRef idx="minor">
+            <a:schemeClr val="lt1"/>
+          </a:fontRef>
+        </p:style>
+        <p:txBody>
+          <a:bodyPr rtlCol="0" anchor="ctr"/>
+          <a:lstStyle/>
+          <a:p>
+            <a:pPr algn="ctr"/>
+            <a:endParaRPr lang="en-US" dirty="0"/>
+          </a:p>
+        </p:txBody>
+      </p:sp>
+      <p:sp>
+        <p:nvSpPr>
+          <p:cNvPr id="52" name="TextBox 51">
+            <a:extLst>
+              <a:ext uri="{FF2B5EF4-FFF2-40B4-BE49-F238E27FC236}">
+                <a16:creationId xmlns:a16="http://schemas.microsoft.com/office/drawing/2014/main" id="{A2BD599E-1C2C-4B8C-9B66-E2E3892042A2}"/>
+              </a:ext>
+            </a:extLst>
+          </p:cNvPr>
+          <p:cNvSpPr txBox="1"/>
+          <p:nvPr/>
+        </p:nvSpPr>
+        <p:spPr>
+          <a:xfrm>
+            <a:off x="6250662" y="2785835"/>
+            <a:ext cx="919205" cy="369332"/>
+          </a:xfrm>
+          <a:prstGeom prst="rect">
+            <a:avLst/>
+          </a:prstGeom>
+          <a:noFill/>
+        </p:spPr>
+        <p:txBody>
+          <a:bodyPr wrap="square" rtlCol="0">
+            <a:spAutoFit/>
+          </a:bodyPr>
+          <a:lstStyle/>
+          <a:p>
+            <a:pPr algn="ctr"/>
+            <a:r>
+              <a:rPr lang="en-US" dirty="0"/>
+              <a:t>Ansible</a:t>
+            </a:r>
+          </a:p>
+        </p:txBody>
+      </p:sp>
+      <p:cxnSp>
+        <p:nvCxnSpPr>
+          <p:cNvPr id="53" name="Straight Arrow Connector 52">
+            <a:extLst>
+              <a:ext uri="{FF2B5EF4-FFF2-40B4-BE49-F238E27FC236}">
+                <a16:creationId xmlns:a16="http://schemas.microsoft.com/office/drawing/2014/main" id="{BC3735A5-0E6A-4115-9E5B-7089EFF6A05D}"/>
+              </a:ext>
+            </a:extLst>
+          </p:cNvPr>
+          <p:cNvCxnSpPr>
+            <a:cxnSpLocks/>
+            <a:stCxn id="47" idx="2"/>
+          </p:cNvCxnSpPr>
+          <p:nvPr/>
+        </p:nvCxnSpPr>
+        <p:spPr>
+          <a:xfrm flipH="1">
+            <a:off x="4902358" y="2975477"/>
+            <a:ext cx="1040308" cy="1980"/>
+          </a:xfrm>
+          <a:prstGeom prst="straightConnector1">
+            <a:avLst/>
+          </a:prstGeom>
+          <a:ln>
+            <a:tailEnd type="triangle"/>
+          </a:ln>
+        </p:spPr>
+        <p:style>
+          <a:lnRef idx="2">
+            <a:schemeClr val="accent1"/>
+          </a:lnRef>
+          <a:fillRef idx="0">
+            <a:schemeClr val="accent1"/>
+          </a:fillRef>
+          <a:effectRef idx="1">
+            <a:schemeClr val="accent1"/>
+          </a:effectRef>
+          <a:fontRef idx="minor">
+            <a:schemeClr val="tx1"/>
+          </a:fontRef>
+        </p:style>
+      </p:cxnSp>
     </p:spTree>
     <p:extLst>
       <p:ext uri="{BB962C8B-B14F-4D97-AF65-F5344CB8AC3E}">
@@ -15459,10 +15590,10 @@
       </p:sp>
       <p:sp>
         <p:nvSpPr>
-          <p:cNvPr id="22" name="Cube 21">
+          <p:cNvPr id="57" name="Oval 56">
             <a:extLst>
               <a:ext uri="{FF2B5EF4-FFF2-40B4-BE49-F238E27FC236}">
-                <a16:creationId xmlns:a16="http://schemas.microsoft.com/office/drawing/2014/main" id="{A31C5942-9560-4787-85C5-77443EC837E8}"/>
+                <a16:creationId xmlns:a16="http://schemas.microsoft.com/office/drawing/2014/main" id="{D4636161-E52C-45A8-86AE-FCDF400EF532}"/>
               </a:ext>
             </a:extLst>
           </p:cNvPr>
@@ -15473,27 +15604,17 @@
         </p:nvSpPr>
         <p:spPr>
           <a:xfrm>
-            <a:off x="944381" y="1370527"/>
-            <a:ext cx="801974" cy="797583"/>
-          </a:xfrm>
-          <a:prstGeom prst="cube">
-            <a:avLst/>
-          </a:prstGeom>
-          <a:gradFill>
-            <a:gsLst>
-              <a:gs pos="0">
-                <a:schemeClr val="accent5">
-                  <a:lumMod val="75000"/>
-                </a:schemeClr>
-              </a:gs>
-              <a:gs pos="100000">
-                <a:schemeClr val="accent5">
-                  <a:lumMod val="40000"/>
-                  <a:lumOff val="60000"/>
-                </a:schemeClr>
-              </a:gs>
-            </a:gsLst>
-          </a:gradFill>
+            <a:off x="7668290" y="4192124"/>
+            <a:ext cx="301752" cy="301752"/>
+          </a:xfrm>
+          <a:prstGeom prst="ellipse">
+            <a:avLst/>
+          </a:prstGeom>
+          <a:solidFill>
+            <a:schemeClr val="bg1">
+              <a:lumMod val="65000"/>
+            </a:schemeClr>
+          </a:solidFill>
         </p:spPr>
         <p:style>
           <a:lnRef idx="1">
@@ -15510,23 +15631,55 @@
           </a:fontRef>
         </p:style>
         <p:txBody>
-          <a:bodyPr lIns="45720" rIns="45720" rtlCol="0" anchor="ctr"/>
+          <a:bodyPr rtlCol="0" anchor="ctr"/>
           <a:lstStyle/>
           <a:p>
             <a:pPr algn="ctr"/>
-            <a:r>
-              <a:rPr lang="en-US" sz="1400" dirty="0"/>
-              <a:t>IPAM</a:t>
-            </a:r>
-          </a:p>
-        </p:txBody>
-      </p:sp>
-      <p:sp>
-        <p:nvSpPr>
-          <p:cNvPr id="23" name="Cube 22">
+            <a:endParaRPr lang="en-US"/>
+          </a:p>
+        </p:txBody>
+      </p:sp>
+      <p:sp>
+        <p:nvSpPr>
+          <p:cNvPr id="58" name="TextBox 57">
             <a:extLst>
               <a:ext uri="{FF2B5EF4-FFF2-40B4-BE49-F238E27FC236}">
-                <a16:creationId xmlns:a16="http://schemas.microsoft.com/office/drawing/2014/main" id="{E22A9B9A-76BB-481C-9D78-A11C541B27C0}"/>
+                <a16:creationId xmlns:a16="http://schemas.microsoft.com/office/drawing/2014/main" id="{35B0EC61-589B-407D-8CC6-BE058BBB673B}"/>
+              </a:ext>
+            </a:extLst>
+          </p:cNvPr>
+          <p:cNvSpPr txBox="1"/>
+          <p:nvPr/>
+        </p:nvSpPr>
+        <p:spPr>
+          <a:xfrm>
+            <a:off x="8007162" y="4158334"/>
+            <a:ext cx="1191842" cy="369332"/>
+          </a:xfrm>
+          <a:prstGeom prst="rect">
+            <a:avLst/>
+          </a:prstGeom>
+          <a:noFill/>
+        </p:spPr>
+        <p:txBody>
+          <a:bodyPr wrap="square" rtlCol="0">
+            <a:spAutoFit/>
+          </a:bodyPr>
+          <a:lstStyle/>
+          <a:p>
+            <a:r>
+              <a:rPr lang="en-US" dirty="0"/>
+              <a:t>Consumer</a:t>
+            </a:r>
+          </a:p>
+        </p:txBody>
+      </p:sp>
+      <p:sp>
+        <p:nvSpPr>
+          <p:cNvPr id="59" name="Flowchart: Collate 58">
+            <a:extLst>
+              <a:ext uri="{FF2B5EF4-FFF2-40B4-BE49-F238E27FC236}">
+                <a16:creationId xmlns:a16="http://schemas.microsoft.com/office/drawing/2014/main" id="{07646C47-36CB-4995-9659-E33018EEAF76}"/>
               </a:ext>
             </a:extLst>
           </p:cNvPr>
@@ -15536,28 +15689,16 @@
           <p:nvPr/>
         </p:nvSpPr>
         <p:spPr>
-          <a:xfrm>
-            <a:off x="944381" y="2364875"/>
-            <a:ext cx="801974" cy="797583"/>
-          </a:xfrm>
-          <a:prstGeom prst="cube">
-            <a:avLst/>
-          </a:prstGeom>
-          <a:gradFill>
-            <a:gsLst>
-              <a:gs pos="0">
-                <a:schemeClr val="accent5">
-                  <a:lumMod val="75000"/>
-                </a:schemeClr>
-              </a:gs>
-              <a:gs pos="100000">
-                <a:schemeClr val="accent5">
-                  <a:lumMod val="40000"/>
-                  <a:lumOff val="60000"/>
-                </a:schemeClr>
-              </a:gs>
-            </a:gsLst>
-          </a:gradFill>
+          <a:xfrm rot="5400000">
+            <a:off x="7654977" y="4609013"/>
+            <a:ext cx="328377" cy="301752"/>
+          </a:xfrm>
+          <a:prstGeom prst="flowChartCollate">
+            <a:avLst/>
+          </a:prstGeom>
+          <a:solidFill>
+            <a:srgbClr val="FF0000"/>
+          </a:solidFill>
         </p:spPr>
         <p:style>
           <a:lnRef idx="1">
@@ -15574,23 +15715,188 @@
           </a:fontRef>
         </p:style>
         <p:txBody>
-          <a:bodyPr lIns="45720" rIns="45720" rtlCol="0" anchor="ctr"/>
+          <a:bodyPr rtlCol="0" anchor="ctr"/>
           <a:lstStyle/>
           <a:p>
             <a:pPr algn="ctr"/>
-            <a:r>
-              <a:rPr lang="en-US" sz="1400" dirty="0"/>
-              <a:t>CUCM</a:t>
-            </a:r>
-          </a:p>
-        </p:txBody>
-      </p:sp>
-      <p:sp>
-        <p:nvSpPr>
-          <p:cNvPr id="24" name="Cube 23">
+            <a:endParaRPr lang="en-US">
+              <a:solidFill>
+                <a:schemeClr val="tx1"/>
+              </a:solidFill>
+            </a:endParaRPr>
+          </a:p>
+        </p:txBody>
+      </p:sp>
+      <p:sp>
+        <p:nvSpPr>
+          <p:cNvPr id="60" name="TextBox 59">
             <a:extLst>
               <a:ext uri="{FF2B5EF4-FFF2-40B4-BE49-F238E27FC236}">
-                <a16:creationId xmlns:a16="http://schemas.microsoft.com/office/drawing/2014/main" id="{9B47A778-16BA-41FF-AB59-FBCCE428B8DB}"/>
+                <a16:creationId xmlns:a16="http://schemas.microsoft.com/office/drawing/2014/main" id="{B3538A22-93BF-4EA4-9B74-8FCDDE4D5AF6}"/>
+              </a:ext>
+            </a:extLst>
+          </p:cNvPr>
+          <p:cNvSpPr txBox="1"/>
+          <p:nvPr/>
+        </p:nvSpPr>
+        <p:spPr>
+          <a:xfrm>
+            <a:off x="8015396" y="4590815"/>
+            <a:ext cx="1191842" cy="369332"/>
+          </a:xfrm>
+          <a:prstGeom prst="rect">
+            <a:avLst/>
+          </a:prstGeom>
+          <a:noFill/>
+        </p:spPr>
+        <p:txBody>
+          <a:bodyPr wrap="square" rtlCol="0">
+            <a:spAutoFit/>
+          </a:bodyPr>
+          <a:lstStyle/>
+          <a:p>
+            <a:r>
+              <a:rPr lang="en-US" dirty="0"/>
+              <a:t>Native</a:t>
+            </a:r>
+          </a:p>
+        </p:txBody>
+      </p:sp>
+      <p:cxnSp>
+        <p:nvCxnSpPr>
+          <p:cNvPr id="18" name="Straight Arrow Connector 17">
+            <a:extLst>
+              <a:ext uri="{FF2B5EF4-FFF2-40B4-BE49-F238E27FC236}">
+                <a16:creationId xmlns:a16="http://schemas.microsoft.com/office/drawing/2014/main" id="{F4709C00-1681-4522-B17B-488DC5303E89}"/>
+              </a:ext>
+            </a:extLst>
+          </p:cNvPr>
+          <p:cNvCxnSpPr>
+            <a:cxnSpLocks/>
+            <a:stCxn id="27" idx="2"/>
+            <a:endCxn id="22" idx="0"/>
+          </p:cNvCxnSpPr>
+          <p:nvPr/>
+        </p:nvCxnSpPr>
+        <p:spPr>
+          <a:xfrm flipH="1">
+            <a:off x="2236241" y="2975477"/>
+            <a:ext cx="3706425" cy="0"/>
+          </a:xfrm>
+          <a:prstGeom prst="straightConnector1">
+            <a:avLst/>
+          </a:prstGeom>
+          <a:ln>
+            <a:tailEnd type="triangle"/>
+          </a:ln>
+        </p:spPr>
+        <p:style>
+          <a:lnRef idx="2">
+            <a:schemeClr val="accent1"/>
+          </a:lnRef>
+          <a:fillRef idx="0">
+            <a:schemeClr val="accent1"/>
+          </a:fillRef>
+          <a:effectRef idx="1">
+            <a:schemeClr val="accent1"/>
+          </a:effectRef>
+          <a:fontRef idx="minor">
+            <a:schemeClr val="tx1"/>
+          </a:fontRef>
+        </p:style>
+      </p:cxnSp>
+      <p:cxnSp>
+        <p:nvCxnSpPr>
+          <p:cNvPr id="19" name="Straight Arrow Connector 18">
+            <a:extLst>
+              <a:ext uri="{FF2B5EF4-FFF2-40B4-BE49-F238E27FC236}">
+                <a16:creationId xmlns:a16="http://schemas.microsoft.com/office/drawing/2014/main" id="{B53DFA78-617F-4FBC-9615-5B5278DEDCF1}"/>
+              </a:ext>
+            </a:extLst>
+          </p:cNvPr>
+          <p:cNvCxnSpPr>
+            <a:cxnSpLocks/>
+            <a:stCxn id="27" idx="3"/>
+            <a:endCxn id="23" idx="0"/>
+          </p:cNvCxnSpPr>
+          <p:nvPr/>
+        </p:nvCxnSpPr>
+        <p:spPr>
+          <a:xfrm flipH="1">
+            <a:off x="2237765" y="3082162"/>
+            <a:ext cx="3749092" cy="461001"/>
+          </a:xfrm>
+          <a:prstGeom prst="straightConnector1">
+            <a:avLst/>
+          </a:prstGeom>
+          <a:ln>
+            <a:tailEnd type="triangle"/>
+          </a:ln>
+        </p:spPr>
+        <p:style>
+          <a:lnRef idx="2">
+            <a:schemeClr val="accent1"/>
+          </a:lnRef>
+          <a:fillRef idx="0">
+            <a:schemeClr val="accent1"/>
+          </a:fillRef>
+          <a:effectRef idx="1">
+            <a:schemeClr val="accent1"/>
+          </a:effectRef>
+          <a:fontRef idx="minor">
+            <a:schemeClr val="tx1"/>
+          </a:fontRef>
+        </p:style>
+      </p:cxnSp>
+      <p:cxnSp>
+        <p:nvCxnSpPr>
+          <p:cNvPr id="20" name="Straight Arrow Connector 19">
+            <a:extLst>
+              <a:ext uri="{FF2B5EF4-FFF2-40B4-BE49-F238E27FC236}">
+                <a16:creationId xmlns:a16="http://schemas.microsoft.com/office/drawing/2014/main" id="{8772CD45-F4F7-4EC8-9760-282A58907161}"/>
+              </a:ext>
+            </a:extLst>
+          </p:cNvPr>
+          <p:cNvCxnSpPr>
+            <a:cxnSpLocks/>
+            <a:stCxn id="27" idx="1"/>
+            <a:endCxn id="21" idx="0"/>
+          </p:cNvCxnSpPr>
+          <p:nvPr/>
+        </p:nvCxnSpPr>
+        <p:spPr>
+          <a:xfrm flipH="1" flipV="1">
+            <a:off x="2236242" y="2407791"/>
+            <a:ext cx="3750615" cy="461001"/>
+          </a:xfrm>
+          <a:prstGeom prst="straightConnector1">
+            <a:avLst/>
+          </a:prstGeom>
+          <a:ln>
+            <a:tailEnd type="triangle"/>
+          </a:ln>
+        </p:spPr>
+        <p:style>
+          <a:lnRef idx="2">
+            <a:schemeClr val="accent1"/>
+          </a:lnRef>
+          <a:fillRef idx="0">
+            <a:schemeClr val="accent1"/>
+          </a:fillRef>
+          <a:effectRef idx="1">
+            <a:schemeClr val="accent1"/>
+          </a:effectRef>
+          <a:fontRef idx="minor">
+            <a:schemeClr val="tx1"/>
+          </a:fontRef>
+        </p:style>
+      </p:cxnSp>
+      <p:sp>
+        <p:nvSpPr>
+          <p:cNvPr id="21" name="Flowchart: Collate 20">
+            <a:extLst>
+              <a:ext uri="{FF2B5EF4-FFF2-40B4-BE49-F238E27FC236}">
+                <a16:creationId xmlns:a16="http://schemas.microsoft.com/office/drawing/2014/main" id="{458F631E-9DBD-403F-AE75-446019A5BDC0}"/>
               </a:ext>
             </a:extLst>
           </p:cNvPr>
@@ -15600,28 +15906,16 @@
           <p:nvPr/>
         </p:nvSpPr>
         <p:spPr>
-          <a:xfrm>
-            <a:off x="944381" y="3359223"/>
-            <a:ext cx="801974" cy="797583"/>
-          </a:xfrm>
-          <a:prstGeom prst="cube">
-            <a:avLst/>
-          </a:prstGeom>
-          <a:gradFill>
-            <a:gsLst>
-              <a:gs pos="0">
-                <a:schemeClr val="accent5">
-                  <a:lumMod val="75000"/>
-                </a:schemeClr>
-              </a:gs>
-              <a:gs pos="100000">
-                <a:schemeClr val="accent5">
-                  <a:lumMod val="40000"/>
-                  <a:lumOff val="60000"/>
-                </a:schemeClr>
-              </a:gs>
-            </a:gsLst>
-          </a:gradFill>
+          <a:xfrm rot="5400000">
+            <a:off x="1921177" y="2256914"/>
+            <a:ext cx="328377" cy="301752"/>
+          </a:xfrm>
+          <a:prstGeom prst="flowChartCollate">
+            <a:avLst/>
+          </a:prstGeom>
+          <a:solidFill>
+            <a:srgbClr val="FF0000"/>
+          </a:solidFill>
         </p:spPr>
         <p:style>
           <a:lnRef idx="1">
@@ -15638,23 +15932,24 @@
           </a:fontRef>
         </p:style>
         <p:txBody>
-          <a:bodyPr lIns="45720" rIns="45720" rtlCol="0" anchor="ctr"/>
+          <a:bodyPr rtlCol="0" anchor="ctr"/>
           <a:lstStyle/>
           <a:p>
             <a:pPr algn="ctr"/>
-            <a:r>
-              <a:rPr lang="en-US" sz="1400" dirty="0"/>
-              <a:t>LB</a:t>
-            </a:r>
-          </a:p>
-        </p:txBody>
-      </p:sp>
-      <p:sp>
-        <p:nvSpPr>
-          <p:cNvPr id="25" name="Cube 24">
+            <a:endParaRPr lang="en-US" dirty="0">
+              <a:solidFill>
+                <a:schemeClr val="tx1"/>
+              </a:solidFill>
+            </a:endParaRPr>
+          </a:p>
+        </p:txBody>
+      </p:sp>
+      <p:sp>
+        <p:nvSpPr>
+          <p:cNvPr id="22" name="Flowchart: Collate 21">
             <a:extLst>
               <a:ext uri="{FF2B5EF4-FFF2-40B4-BE49-F238E27FC236}">
-                <a16:creationId xmlns:a16="http://schemas.microsoft.com/office/drawing/2014/main" id="{D6AE05E7-414F-4FD8-B169-91B35512DC37}"/>
+                <a16:creationId xmlns:a16="http://schemas.microsoft.com/office/drawing/2014/main" id="{4BFE5A3F-A811-4FCD-8EDB-2F4FB76D8F64}"/>
               </a:ext>
             </a:extLst>
           </p:cNvPr>
@@ -15664,28 +15959,16 @@
           <p:nvPr/>
         </p:nvSpPr>
         <p:spPr>
-          <a:xfrm>
-            <a:off x="7047876" y="1370527"/>
-            <a:ext cx="801974" cy="797583"/>
-          </a:xfrm>
-          <a:prstGeom prst="cube">
-            <a:avLst/>
-          </a:prstGeom>
-          <a:gradFill>
-            <a:gsLst>
-              <a:gs pos="0">
-                <a:schemeClr val="accent2">
-                  <a:lumMod val="75000"/>
-                </a:schemeClr>
-              </a:gs>
-              <a:gs pos="100000">
-                <a:schemeClr val="accent2">
-                  <a:lumMod val="60000"/>
-                  <a:lumOff val="40000"/>
-                </a:schemeClr>
-              </a:gs>
-            </a:gsLst>
-          </a:gradFill>
+          <a:xfrm rot="5400000">
+            <a:off x="1921176" y="2824600"/>
+            <a:ext cx="328377" cy="301752"/>
+          </a:xfrm>
+          <a:prstGeom prst="flowChartCollate">
+            <a:avLst/>
+          </a:prstGeom>
+          <a:solidFill>
+            <a:srgbClr val="FF0000"/>
+          </a:solidFill>
         </p:spPr>
         <p:style>
           <a:lnRef idx="1">
@@ -15702,23 +15985,24 @@
           </a:fontRef>
         </p:style>
         <p:txBody>
-          <a:bodyPr lIns="45720" rIns="45720" rtlCol="0" anchor="ctr"/>
+          <a:bodyPr rtlCol="0" anchor="ctr"/>
           <a:lstStyle/>
           <a:p>
             <a:pPr algn="ctr"/>
-            <a:r>
-              <a:rPr lang="en-US" sz="1400" dirty="0"/>
-              <a:t>IPAM</a:t>
-            </a:r>
-          </a:p>
-        </p:txBody>
-      </p:sp>
-      <p:sp>
-        <p:nvSpPr>
-          <p:cNvPr id="29" name="Cube 28">
+            <a:endParaRPr lang="en-US" dirty="0">
+              <a:solidFill>
+                <a:schemeClr val="tx1"/>
+              </a:solidFill>
+            </a:endParaRPr>
+          </a:p>
+        </p:txBody>
+      </p:sp>
+      <p:sp>
+        <p:nvSpPr>
+          <p:cNvPr id="23" name="Flowchart: Collate 22">
             <a:extLst>
               <a:ext uri="{FF2B5EF4-FFF2-40B4-BE49-F238E27FC236}">
-                <a16:creationId xmlns:a16="http://schemas.microsoft.com/office/drawing/2014/main" id="{F6ED9C1C-8C55-4B73-94DD-3288F58D8D94}"/>
+                <a16:creationId xmlns:a16="http://schemas.microsoft.com/office/drawing/2014/main" id="{538B33B2-D80E-48EA-BFE1-578D74CB7C50}"/>
               </a:ext>
             </a:extLst>
           </p:cNvPr>
@@ -15728,28 +16012,16 @@
           <p:nvPr/>
         </p:nvSpPr>
         <p:spPr>
-          <a:xfrm>
-            <a:off x="7047876" y="2364875"/>
-            <a:ext cx="801974" cy="797583"/>
-          </a:xfrm>
-          <a:prstGeom prst="cube">
-            <a:avLst/>
-          </a:prstGeom>
-          <a:gradFill>
-            <a:gsLst>
-              <a:gs pos="0">
-                <a:schemeClr val="accent2">
-                  <a:lumMod val="75000"/>
-                </a:schemeClr>
-              </a:gs>
-              <a:gs pos="100000">
-                <a:schemeClr val="accent2">
-                  <a:lumMod val="60000"/>
-                  <a:lumOff val="40000"/>
-                </a:schemeClr>
-              </a:gs>
-            </a:gsLst>
-          </a:gradFill>
+          <a:xfrm rot="5400000">
+            <a:off x="1922700" y="3392286"/>
+            <a:ext cx="328377" cy="301752"/>
+          </a:xfrm>
+          <a:prstGeom prst="flowChartCollate">
+            <a:avLst/>
+          </a:prstGeom>
+          <a:solidFill>
+            <a:srgbClr val="FF0000"/>
+          </a:solidFill>
         </p:spPr>
         <p:style>
           <a:lnRef idx="1">
@@ -15766,23 +16038,130 @@
           </a:fontRef>
         </p:style>
         <p:txBody>
-          <a:bodyPr lIns="45720" rIns="45720" rtlCol="0" anchor="ctr"/>
+          <a:bodyPr rtlCol="0" anchor="ctr"/>
           <a:lstStyle/>
           <a:p>
             <a:pPr algn="ctr"/>
-            <a:r>
-              <a:rPr lang="en-US" sz="1400" dirty="0"/>
-              <a:t>CUCM</a:t>
-            </a:r>
-          </a:p>
-        </p:txBody>
-      </p:sp>
-      <p:sp>
-        <p:nvSpPr>
-          <p:cNvPr id="30" name="Cube 29">
+            <a:endParaRPr lang="en-US" dirty="0">
+              <a:solidFill>
+                <a:schemeClr val="tx1"/>
+              </a:solidFill>
+            </a:endParaRPr>
+          </a:p>
+        </p:txBody>
+      </p:sp>
+      <p:sp>
+        <p:nvSpPr>
+          <p:cNvPr id="24" name="TextBox 23">
             <a:extLst>
               <a:ext uri="{FF2B5EF4-FFF2-40B4-BE49-F238E27FC236}">
-                <a16:creationId xmlns:a16="http://schemas.microsoft.com/office/drawing/2014/main" id="{BF0E45CB-F5A6-4266-A62B-DAC0534710BE}"/>
+                <a16:creationId xmlns:a16="http://schemas.microsoft.com/office/drawing/2014/main" id="{E268C0A6-4D20-406B-9AC9-795AE923F48E}"/>
+              </a:ext>
+            </a:extLst>
+          </p:cNvPr>
+          <p:cNvSpPr txBox="1"/>
+          <p:nvPr/>
+        </p:nvSpPr>
+        <p:spPr>
+          <a:xfrm>
+            <a:off x="804154" y="2218836"/>
+            <a:ext cx="1005017" cy="369332"/>
+          </a:xfrm>
+          <a:prstGeom prst="rect">
+            <a:avLst/>
+          </a:prstGeom>
+          <a:noFill/>
+        </p:spPr>
+        <p:txBody>
+          <a:bodyPr wrap="square" rtlCol="0">
+            <a:spAutoFit/>
+          </a:bodyPr>
+          <a:lstStyle/>
+          <a:p>
+            <a:r>
+              <a:rPr lang="en-US" dirty="0" err="1"/>
+              <a:t>BlueCat</a:t>
+            </a:r>
+            <a:endParaRPr lang="en-US" dirty="0"/>
+          </a:p>
+        </p:txBody>
+      </p:sp>
+      <p:sp>
+        <p:nvSpPr>
+          <p:cNvPr id="25" name="TextBox 24">
+            <a:extLst>
+              <a:ext uri="{FF2B5EF4-FFF2-40B4-BE49-F238E27FC236}">
+                <a16:creationId xmlns:a16="http://schemas.microsoft.com/office/drawing/2014/main" id="{E68F06D9-9314-4E5E-8832-F5FCC5EAEA98}"/>
+              </a:ext>
+            </a:extLst>
+          </p:cNvPr>
+          <p:cNvSpPr txBox="1"/>
+          <p:nvPr/>
+        </p:nvSpPr>
+        <p:spPr>
+          <a:xfrm>
+            <a:off x="804153" y="2770783"/>
+            <a:ext cx="1005017" cy="369332"/>
+          </a:xfrm>
+          <a:prstGeom prst="rect">
+            <a:avLst/>
+          </a:prstGeom>
+          <a:noFill/>
+        </p:spPr>
+        <p:txBody>
+          <a:bodyPr wrap="square" rtlCol="0">
+            <a:spAutoFit/>
+          </a:bodyPr>
+          <a:lstStyle/>
+          <a:p>
+            <a:r>
+              <a:rPr lang="en-US" dirty="0"/>
+              <a:t>CUCM</a:t>
+            </a:r>
+          </a:p>
+        </p:txBody>
+      </p:sp>
+      <p:sp>
+        <p:nvSpPr>
+          <p:cNvPr id="26" name="TextBox 25">
+            <a:extLst>
+              <a:ext uri="{FF2B5EF4-FFF2-40B4-BE49-F238E27FC236}">
+                <a16:creationId xmlns:a16="http://schemas.microsoft.com/office/drawing/2014/main" id="{704EA14A-7F8F-4869-8C0A-679EE2C30AD6}"/>
+              </a:ext>
+            </a:extLst>
+          </p:cNvPr>
+          <p:cNvSpPr txBox="1"/>
+          <p:nvPr/>
+        </p:nvSpPr>
+        <p:spPr>
+          <a:xfrm>
+            <a:off x="804154" y="3352525"/>
+            <a:ext cx="1125908" cy="369332"/>
+          </a:xfrm>
+          <a:prstGeom prst="rect">
+            <a:avLst/>
+          </a:prstGeom>
+          <a:noFill/>
+        </p:spPr>
+        <p:txBody>
+          <a:bodyPr wrap="square" rtlCol="0">
+            <a:spAutoFit/>
+          </a:bodyPr>
+          <a:lstStyle/>
+          <a:p>
+            <a:r>
+              <a:rPr lang="en-US" dirty="0"/>
+              <a:t>NetScaler</a:t>
+            </a:r>
+          </a:p>
+        </p:txBody>
+      </p:sp>
+      <p:sp>
+        <p:nvSpPr>
+          <p:cNvPr id="27" name="Oval 26">
+            <a:extLst>
+              <a:ext uri="{FF2B5EF4-FFF2-40B4-BE49-F238E27FC236}">
+                <a16:creationId xmlns:a16="http://schemas.microsoft.com/office/drawing/2014/main" id="{6F5A5C93-A097-4A5E-95EB-C5063F163428}"/>
               </a:ext>
             </a:extLst>
           </p:cNvPr>
@@ -15793,27 +16172,17 @@
         </p:nvSpPr>
         <p:spPr>
           <a:xfrm>
-            <a:off x="7047876" y="3359223"/>
-            <a:ext cx="801974" cy="797583"/>
-          </a:xfrm>
-          <a:prstGeom prst="cube">
-            <a:avLst/>
-          </a:prstGeom>
-          <a:gradFill>
-            <a:gsLst>
-              <a:gs pos="0">
-                <a:schemeClr val="accent2">
-                  <a:lumMod val="75000"/>
-                </a:schemeClr>
-              </a:gs>
-              <a:gs pos="100000">
-                <a:schemeClr val="accent2">
-                  <a:lumMod val="60000"/>
-                  <a:lumOff val="40000"/>
-                </a:schemeClr>
-              </a:gs>
-            </a:gsLst>
-          </a:gradFill>
+            <a:off x="5942666" y="2824601"/>
+            <a:ext cx="301752" cy="301752"/>
+          </a:xfrm>
+          <a:prstGeom prst="ellipse">
+            <a:avLst/>
+          </a:prstGeom>
+          <a:solidFill>
+            <a:schemeClr val="bg1">
+              <a:lumMod val="65000"/>
+            </a:schemeClr>
+          </a:solidFill>
         </p:spPr>
         <p:style>
           <a:lnRef idx="1">
@@ -15830,370 +16199,54 @@
           </a:fontRef>
         </p:style>
         <p:txBody>
-          <a:bodyPr lIns="45720" rIns="45720" rtlCol="0" anchor="ctr"/>
+          <a:bodyPr rtlCol="0" anchor="ctr"/>
           <a:lstStyle/>
           <a:p>
             <a:pPr algn="ctr"/>
-            <a:r>
-              <a:rPr lang="en-US" sz="1400" dirty="0"/>
-              <a:t>LB</a:t>
-            </a:r>
-          </a:p>
-        </p:txBody>
-      </p:sp>
-      <p:sp>
-        <p:nvSpPr>
-          <p:cNvPr id="31" name="Star: 10 Points 30">
+            <a:endParaRPr lang="en-US" dirty="0"/>
+          </a:p>
+        </p:txBody>
+      </p:sp>
+      <p:sp>
+        <p:nvSpPr>
+          <p:cNvPr id="28" name="TextBox 27">
             <a:extLst>
               <a:ext uri="{FF2B5EF4-FFF2-40B4-BE49-F238E27FC236}">
-                <a16:creationId xmlns:a16="http://schemas.microsoft.com/office/drawing/2014/main" id="{19C3F6E1-FE07-45CA-BD53-3DE1CB589B68}"/>
+                <a16:creationId xmlns:a16="http://schemas.microsoft.com/office/drawing/2014/main" id="{A3F91FEF-E9EE-4621-82CE-E80B39DD0DB5}"/>
               </a:ext>
             </a:extLst>
           </p:cNvPr>
-          <p:cNvSpPr>
-            <a:spLocks noChangeAspect="1"/>
-          </p:cNvSpPr>
+          <p:cNvSpPr txBox="1"/>
           <p:nvPr/>
         </p:nvSpPr>
         <p:spPr>
           <a:xfrm>
-            <a:off x="3852473" y="2164059"/>
-            <a:ext cx="1199214" cy="1199214"/>
-          </a:xfrm>
-          <a:prstGeom prst="star10">
-            <a:avLst/>
-          </a:prstGeom>
-          <a:solidFill>
-            <a:schemeClr val="accent4">
-              <a:lumMod val="60000"/>
-              <a:lumOff val="40000"/>
-            </a:schemeClr>
-          </a:solidFill>
-        </p:spPr>
-        <p:style>
-          <a:lnRef idx="1">
-            <a:schemeClr val="accent1"/>
-          </a:lnRef>
-          <a:fillRef idx="3">
-            <a:schemeClr val="accent1"/>
-          </a:fillRef>
-          <a:effectRef idx="2">
-            <a:schemeClr val="accent1"/>
-          </a:effectRef>
-          <a:fontRef idx="minor">
-            <a:schemeClr val="lt1"/>
-          </a:fontRef>
-        </p:style>
-        <p:txBody>
-          <a:bodyPr lIns="45720" rIns="45720" rtlCol="0" anchor="ctr"/>
+            <a:off x="6250662" y="2785835"/>
+            <a:ext cx="919205" cy="369332"/>
+          </a:xfrm>
+          <a:prstGeom prst="rect">
+            <a:avLst/>
+          </a:prstGeom>
+          <a:noFill/>
+        </p:spPr>
+        <p:txBody>
+          <a:bodyPr wrap="square" rtlCol="0">
+            <a:spAutoFit/>
+          </a:bodyPr>
           <a:lstStyle/>
           <a:p>
             <a:pPr algn="ctr"/>
             <a:r>
               <a:rPr lang="en-US" dirty="0"/>
-              <a:t>Your Script</a:t>
-            </a:r>
-          </a:p>
-        </p:txBody>
-      </p:sp>
-      <p:sp>
-        <p:nvSpPr>
-          <p:cNvPr id="2" name="Arrow: Right 1">
-            <a:extLst>
-              <a:ext uri="{FF2B5EF4-FFF2-40B4-BE49-F238E27FC236}">
-                <a16:creationId xmlns:a16="http://schemas.microsoft.com/office/drawing/2014/main" id="{7A82A033-5F4A-4AD6-93F1-F989C1569FA6}"/>
-              </a:ext>
-            </a:extLst>
-          </p:cNvPr>
-          <p:cNvSpPr/>
-          <p:nvPr/>
-        </p:nvSpPr>
-        <p:spPr>
-          <a:xfrm rot="11874169">
-            <a:off x="2117621" y="2070370"/>
-            <a:ext cx="1446550" cy="187377"/>
-          </a:xfrm>
-          <a:prstGeom prst="rightArrow">
-            <a:avLst/>
-          </a:prstGeom>
-          <a:solidFill>
-            <a:schemeClr val="bg1">
-              <a:lumMod val="85000"/>
-            </a:schemeClr>
-          </a:solidFill>
-        </p:spPr>
-        <p:style>
-          <a:lnRef idx="1">
-            <a:schemeClr val="accent1"/>
-          </a:lnRef>
-          <a:fillRef idx="3">
-            <a:schemeClr val="accent1"/>
-          </a:fillRef>
-          <a:effectRef idx="2">
-            <a:schemeClr val="accent1"/>
-          </a:effectRef>
-          <a:fontRef idx="minor">
-            <a:schemeClr val="lt1"/>
-          </a:fontRef>
-        </p:style>
-        <p:txBody>
-          <a:bodyPr rtlCol="0" anchor="ctr"/>
-          <a:lstStyle/>
-          <a:p>
-            <a:pPr algn="ctr"/>
-            <a:endParaRPr lang="en-US"/>
-          </a:p>
-        </p:txBody>
-      </p:sp>
-      <p:sp>
-        <p:nvSpPr>
-          <p:cNvPr id="40" name="Arrow: Right 39">
-            <a:extLst>
-              <a:ext uri="{FF2B5EF4-FFF2-40B4-BE49-F238E27FC236}">
-                <a16:creationId xmlns:a16="http://schemas.microsoft.com/office/drawing/2014/main" id="{727B7C1E-301A-4B77-8077-8121FFB806D1}"/>
-              </a:ext>
-            </a:extLst>
-          </p:cNvPr>
-          <p:cNvSpPr/>
-          <p:nvPr/>
-        </p:nvSpPr>
-        <p:spPr>
-          <a:xfrm rot="10800000">
-            <a:off x="2062374" y="2676364"/>
-            <a:ext cx="1446550" cy="187377"/>
-          </a:xfrm>
-          <a:prstGeom prst="rightArrow">
-            <a:avLst/>
-          </a:prstGeom>
-          <a:solidFill>
-            <a:schemeClr val="bg1">
-              <a:lumMod val="85000"/>
-            </a:schemeClr>
-          </a:solidFill>
-        </p:spPr>
-        <p:style>
-          <a:lnRef idx="1">
-            <a:schemeClr val="accent1"/>
-          </a:lnRef>
-          <a:fillRef idx="3">
-            <a:schemeClr val="accent1"/>
-          </a:fillRef>
-          <a:effectRef idx="2">
-            <a:schemeClr val="accent1"/>
-          </a:effectRef>
-          <a:fontRef idx="minor">
-            <a:schemeClr val="lt1"/>
-          </a:fontRef>
-        </p:style>
-        <p:txBody>
-          <a:bodyPr rtlCol="0" anchor="ctr"/>
-          <a:lstStyle/>
-          <a:p>
-            <a:pPr algn="ctr"/>
-            <a:endParaRPr lang="en-US"/>
-          </a:p>
-        </p:txBody>
-      </p:sp>
-      <p:sp>
-        <p:nvSpPr>
-          <p:cNvPr id="41" name="Arrow: Right 40">
-            <a:extLst>
-              <a:ext uri="{FF2B5EF4-FFF2-40B4-BE49-F238E27FC236}">
-                <a16:creationId xmlns:a16="http://schemas.microsoft.com/office/drawing/2014/main" id="{1BF96878-8938-49D5-BE29-7C4705B51B03}"/>
-              </a:ext>
-            </a:extLst>
-          </p:cNvPr>
-          <p:cNvSpPr/>
-          <p:nvPr/>
-        </p:nvSpPr>
-        <p:spPr>
-          <a:xfrm rot="10011384">
-            <a:off x="2109043" y="3324471"/>
-            <a:ext cx="1446550" cy="187377"/>
-          </a:xfrm>
-          <a:prstGeom prst="rightArrow">
-            <a:avLst/>
-          </a:prstGeom>
-          <a:solidFill>
-            <a:schemeClr val="bg1">
-              <a:lumMod val="85000"/>
-            </a:schemeClr>
-          </a:solidFill>
-        </p:spPr>
-        <p:style>
-          <a:lnRef idx="1">
-            <a:schemeClr val="accent1"/>
-          </a:lnRef>
-          <a:fillRef idx="3">
-            <a:schemeClr val="accent1"/>
-          </a:fillRef>
-          <a:effectRef idx="2">
-            <a:schemeClr val="accent1"/>
-          </a:effectRef>
-          <a:fontRef idx="minor">
-            <a:schemeClr val="lt1"/>
-          </a:fontRef>
-        </p:style>
-        <p:txBody>
-          <a:bodyPr rtlCol="0" anchor="ctr"/>
-          <a:lstStyle/>
-          <a:p>
-            <a:pPr algn="ctr"/>
-            <a:endParaRPr lang="en-US"/>
-          </a:p>
-        </p:txBody>
-      </p:sp>
-      <p:sp>
-        <p:nvSpPr>
-          <p:cNvPr id="43" name="Arrow: Right 42">
-            <a:extLst>
-              <a:ext uri="{FF2B5EF4-FFF2-40B4-BE49-F238E27FC236}">
-                <a16:creationId xmlns:a16="http://schemas.microsoft.com/office/drawing/2014/main" id="{2C0F724D-FF08-4D58-BF6B-AFE0E5834AA3}"/>
-              </a:ext>
-            </a:extLst>
-          </p:cNvPr>
-          <p:cNvSpPr/>
-          <p:nvPr/>
-        </p:nvSpPr>
-        <p:spPr>
-          <a:xfrm rot="20693093">
-            <a:off x="5266546" y="2050897"/>
-            <a:ext cx="1446550" cy="187377"/>
-          </a:xfrm>
-          <a:prstGeom prst="rightArrow">
-            <a:avLst/>
-          </a:prstGeom>
-          <a:solidFill>
-            <a:schemeClr val="bg1">
-              <a:lumMod val="85000"/>
-            </a:schemeClr>
-          </a:solidFill>
-        </p:spPr>
-        <p:style>
-          <a:lnRef idx="1">
-            <a:schemeClr val="accent1"/>
-          </a:lnRef>
-          <a:fillRef idx="3">
-            <a:schemeClr val="accent1"/>
-          </a:fillRef>
-          <a:effectRef idx="2">
-            <a:schemeClr val="accent1"/>
-          </a:effectRef>
-          <a:fontRef idx="minor">
-            <a:schemeClr val="lt1"/>
-          </a:fontRef>
-        </p:style>
-        <p:txBody>
-          <a:bodyPr rtlCol="0" anchor="ctr"/>
-          <a:lstStyle/>
-          <a:p>
-            <a:pPr algn="ctr"/>
-            <a:endParaRPr lang="en-US"/>
-          </a:p>
-        </p:txBody>
-      </p:sp>
-      <p:sp>
-        <p:nvSpPr>
-          <p:cNvPr id="44" name="Arrow: Right 43">
-            <a:extLst>
-              <a:ext uri="{FF2B5EF4-FFF2-40B4-BE49-F238E27FC236}">
-                <a16:creationId xmlns:a16="http://schemas.microsoft.com/office/drawing/2014/main" id="{3DFED635-CB2A-40C1-BF12-33FBEE2B11D9}"/>
-              </a:ext>
-            </a:extLst>
-          </p:cNvPr>
-          <p:cNvSpPr/>
-          <p:nvPr/>
-        </p:nvSpPr>
-        <p:spPr>
-          <a:xfrm>
-            <a:off x="5315896" y="2669977"/>
-            <a:ext cx="1446550" cy="187377"/>
-          </a:xfrm>
-          <a:prstGeom prst="rightArrow">
-            <a:avLst/>
-          </a:prstGeom>
-          <a:solidFill>
-            <a:schemeClr val="bg1">
-              <a:lumMod val="85000"/>
-            </a:schemeClr>
-          </a:solidFill>
-        </p:spPr>
-        <p:style>
-          <a:lnRef idx="1">
-            <a:schemeClr val="accent1"/>
-          </a:lnRef>
-          <a:fillRef idx="3">
-            <a:schemeClr val="accent1"/>
-          </a:fillRef>
-          <a:effectRef idx="2">
-            <a:schemeClr val="accent1"/>
-          </a:effectRef>
-          <a:fontRef idx="minor">
-            <a:schemeClr val="lt1"/>
-          </a:fontRef>
-        </p:style>
-        <p:txBody>
-          <a:bodyPr rtlCol="0" anchor="ctr"/>
-          <a:lstStyle/>
-          <a:p>
-            <a:pPr algn="ctr"/>
-            <a:endParaRPr lang="en-US"/>
-          </a:p>
-        </p:txBody>
-      </p:sp>
-      <p:sp>
-        <p:nvSpPr>
-          <p:cNvPr id="47" name="Arrow: Right 46">
-            <a:extLst>
-              <a:ext uri="{FF2B5EF4-FFF2-40B4-BE49-F238E27FC236}">
-                <a16:creationId xmlns:a16="http://schemas.microsoft.com/office/drawing/2014/main" id="{13CCC024-D0C4-4D3E-9EBC-30C4A1592BB2}"/>
-              </a:ext>
-            </a:extLst>
-          </p:cNvPr>
-          <p:cNvSpPr/>
-          <p:nvPr/>
-        </p:nvSpPr>
-        <p:spPr>
-          <a:xfrm rot="1148665">
-            <a:off x="5306621" y="3397531"/>
-            <a:ext cx="1446550" cy="187377"/>
-          </a:xfrm>
-          <a:prstGeom prst="rightArrow">
-            <a:avLst/>
-          </a:prstGeom>
-          <a:solidFill>
-            <a:schemeClr val="bg1">
-              <a:lumMod val="85000"/>
-            </a:schemeClr>
-          </a:solidFill>
-        </p:spPr>
-        <p:style>
-          <a:lnRef idx="1">
-            <a:schemeClr val="accent1"/>
-          </a:lnRef>
-          <a:fillRef idx="3">
-            <a:schemeClr val="accent1"/>
-          </a:fillRef>
-          <a:effectRef idx="2">
-            <a:schemeClr val="accent1"/>
-          </a:effectRef>
-          <a:fontRef idx="minor">
-            <a:schemeClr val="lt1"/>
-          </a:fontRef>
-        </p:style>
-        <p:txBody>
-          <a:bodyPr rtlCol="0" anchor="ctr"/>
-          <a:lstStyle/>
-          <a:p>
-            <a:pPr algn="ctr"/>
-            <a:endParaRPr lang="en-US"/>
+              <a:t>Ansible</a:t>
+            </a:r>
           </a:p>
         </p:txBody>
       </p:sp>
     </p:spTree>
     <p:extLst>
       <p:ext uri="{BB962C8B-B14F-4D97-AF65-F5344CB8AC3E}">
-        <p14:creationId xmlns:p14="http://schemas.microsoft.com/office/powerpoint/2010/main" val="154363908"/>
+        <p14:creationId xmlns:p14="http://schemas.microsoft.com/office/powerpoint/2010/main" val="480199241"/>
       </p:ext>
     </p:extLst>
   </p:cSld>
@@ -16263,10 +16316,10 @@
       </p:sp>
       <p:sp>
         <p:nvSpPr>
-          <p:cNvPr id="22" name="Cube 21">
+          <p:cNvPr id="71" name="Star: 5 Points 70">
             <a:extLst>
               <a:ext uri="{FF2B5EF4-FFF2-40B4-BE49-F238E27FC236}">
-                <a16:creationId xmlns:a16="http://schemas.microsoft.com/office/drawing/2014/main" id="{A31C5942-9560-4787-85C5-77443EC837E8}"/>
+                <a16:creationId xmlns:a16="http://schemas.microsoft.com/office/drawing/2014/main" id="{EBDCC365-E60E-4BF4-948C-9D29FE3F8370}"/>
               </a:ext>
             </a:extLst>
           </p:cNvPr>
@@ -16277,27 +16330,15 @@
         </p:nvSpPr>
         <p:spPr>
           <a:xfrm>
-            <a:off x="944381" y="1370527"/>
-            <a:ext cx="801974" cy="797583"/>
-          </a:xfrm>
-          <a:prstGeom prst="cube">
-            <a:avLst/>
-          </a:prstGeom>
-          <a:gradFill>
-            <a:gsLst>
-              <a:gs pos="0">
-                <a:schemeClr val="accent5">
-                  <a:lumMod val="75000"/>
-                </a:schemeClr>
-              </a:gs>
-              <a:gs pos="100000">
-                <a:schemeClr val="accent5">
-                  <a:lumMod val="40000"/>
-                  <a:lumOff val="60000"/>
-                </a:schemeClr>
-              </a:gs>
-            </a:gsLst>
-          </a:gradFill>
+            <a:off x="3721454" y="1443768"/>
+            <a:ext cx="375998" cy="375998"/>
+          </a:xfrm>
+          <a:prstGeom prst="star5">
+            <a:avLst/>
+          </a:prstGeom>
+          <a:solidFill>
+            <a:srgbClr val="FFFF00"/>
+          </a:solidFill>
         </p:spPr>
         <p:style>
           <a:lnRef idx="1">
@@ -16314,23 +16355,20 @@
           </a:fontRef>
         </p:style>
         <p:txBody>
-          <a:bodyPr lIns="45720" rIns="45720" rtlCol="0" anchor="ctr"/>
+          <a:bodyPr rtlCol="0" anchor="ctr"/>
           <a:lstStyle/>
           <a:p>
             <a:pPr algn="ctr"/>
-            <a:r>
-              <a:rPr lang="en-US" sz="1400" dirty="0"/>
-              <a:t>IPAM</a:t>
-            </a:r>
-          </a:p>
-        </p:txBody>
-      </p:sp>
-      <p:sp>
-        <p:nvSpPr>
-          <p:cNvPr id="23" name="Cube 22">
+            <a:endParaRPr lang="en-US"/>
+          </a:p>
+        </p:txBody>
+      </p:sp>
+      <p:sp>
+        <p:nvSpPr>
+          <p:cNvPr id="77" name="Star: 5 Points 76">
             <a:extLst>
               <a:ext uri="{FF2B5EF4-FFF2-40B4-BE49-F238E27FC236}">
-                <a16:creationId xmlns:a16="http://schemas.microsoft.com/office/drawing/2014/main" id="{E22A9B9A-76BB-481C-9D78-A11C541B27C0}"/>
+                <a16:creationId xmlns:a16="http://schemas.microsoft.com/office/drawing/2014/main" id="{96F734E1-0F36-463C-8BB1-B478B19C11DF}"/>
               </a:ext>
             </a:extLst>
           </p:cNvPr>
@@ -16341,27 +16379,15 @@
         </p:nvSpPr>
         <p:spPr>
           <a:xfrm>
-            <a:off x="944381" y="2364875"/>
-            <a:ext cx="801974" cy="797583"/>
-          </a:xfrm>
-          <a:prstGeom prst="cube">
-            <a:avLst/>
-          </a:prstGeom>
-          <a:gradFill>
-            <a:gsLst>
-              <a:gs pos="0">
-                <a:schemeClr val="accent5">
-                  <a:lumMod val="75000"/>
-                </a:schemeClr>
-              </a:gs>
-              <a:gs pos="100000">
-                <a:schemeClr val="accent5">
-                  <a:lumMod val="40000"/>
-                  <a:lumOff val="60000"/>
-                </a:schemeClr>
-              </a:gs>
-            </a:gsLst>
-          </a:gradFill>
+            <a:off x="7631167" y="2870574"/>
+            <a:ext cx="375998" cy="375998"/>
+          </a:xfrm>
+          <a:prstGeom prst="star5">
+            <a:avLst/>
+          </a:prstGeom>
+          <a:solidFill>
+            <a:srgbClr val="FFFF00"/>
+          </a:solidFill>
         </p:spPr>
         <p:style>
           <a:lnRef idx="1">
@@ -16378,23 +16404,55 @@
           </a:fontRef>
         </p:style>
         <p:txBody>
-          <a:bodyPr lIns="45720" rIns="45720" rtlCol="0" anchor="ctr"/>
+          <a:bodyPr wrap="none" rtlCol="0" anchor="ctr" anchorCtr="1"/>
           <a:lstStyle/>
           <a:p>
             <a:pPr algn="ctr"/>
-            <a:r>
-              <a:rPr lang="en-US" sz="1400" dirty="0"/>
-              <a:t>CUCM</a:t>
-            </a:r>
-          </a:p>
-        </p:txBody>
-      </p:sp>
-      <p:sp>
-        <p:nvSpPr>
-          <p:cNvPr id="24" name="Cube 23">
+            <a:endParaRPr lang="en-US" dirty="0"/>
+          </a:p>
+        </p:txBody>
+      </p:sp>
+      <p:sp>
+        <p:nvSpPr>
+          <p:cNvPr id="78" name="TextBox 77">
             <a:extLst>
               <a:ext uri="{FF2B5EF4-FFF2-40B4-BE49-F238E27FC236}">
-                <a16:creationId xmlns:a16="http://schemas.microsoft.com/office/drawing/2014/main" id="{9B47A778-16BA-41FF-AB59-FBCCE428B8DB}"/>
+                <a16:creationId xmlns:a16="http://schemas.microsoft.com/office/drawing/2014/main" id="{C7B6A6C1-82AC-46D7-B938-4660FC8977A3}"/>
+              </a:ext>
+            </a:extLst>
+          </p:cNvPr>
+          <p:cNvSpPr txBox="1"/>
+          <p:nvPr/>
+        </p:nvSpPr>
+        <p:spPr>
+          <a:xfrm>
+            <a:off x="8007165" y="2870574"/>
+            <a:ext cx="1005017" cy="369332"/>
+          </a:xfrm>
+          <a:prstGeom prst="rect">
+            <a:avLst/>
+          </a:prstGeom>
+          <a:noFill/>
+        </p:spPr>
+        <p:txBody>
+          <a:bodyPr wrap="square" rtlCol="0">
+            <a:spAutoFit/>
+          </a:bodyPr>
+          <a:lstStyle/>
+          <a:p>
+            <a:r>
+              <a:rPr lang="en-US" dirty="0"/>
+              <a:t>Registry</a:t>
+            </a:r>
+          </a:p>
+        </p:txBody>
+      </p:sp>
+      <p:sp>
+        <p:nvSpPr>
+          <p:cNvPr id="79" name="Isosceles Triangle 78">
+            <a:extLst>
+              <a:ext uri="{FF2B5EF4-FFF2-40B4-BE49-F238E27FC236}">
+                <a16:creationId xmlns:a16="http://schemas.microsoft.com/office/drawing/2014/main" id="{CE6BE1BF-0D80-4B12-9159-22040D495741}"/>
               </a:ext>
             </a:extLst>
           </p:cNvPr>
@@ -16405,27 +16463,15 @@
         </p:nvSpPr>
         <p:spPr>
           <a:xfrm>
-            <a:off x="944381" y="3359223"/>
-            <a:ext cx="801974" cy="797583"/>
-          </a:xfrm>
-          <a:prstGeom prst="cube">
-            <a:avLst/>
-          </a:prstGeom>
-          <a:gradFill>
-            <a:gsLst>
-              <a:gs pos="0">
-                <a:schemeClr val="accent5">
-                  <a:lumMod val="75000"/>
-                </a:schemeClr>
-              </a:gs>
-              <a:gs pos="100000">
-                <a:schemeClr val="accent5">
-                  <a:lumMod val="40000"/>
-                  <a:lumOff val="60000"/>
-                </a:schemeClr>
-              </a:gs>
-            </a:gsLst>
-          </a:gradFill>
+            <a:off x="7622936" y="3348396"/>
+            <a:ext cx="392460" cy="338328"/>
+          </a:xfrm>
+          <a:prstGeom prst="triangle">
+            <a:avLst/>
+          </a:prstGeom>
+          <a:solidFill>
+            <a:srgbClr val="00B050"/>
+          </a:solidFill>
         </p:spPr>
         <p:style>
           <a:lnRef idx="1">
@@ -16442,23 +16488,55 @@
           </a:fontRef>
         </p:style>
         <p:txBody>
-          <a:bodyPr lIns="45720" rIns="45720" rtlCol="0" anchor="ctr"/>
+          <a:bodyPr rtlCol="0" anchor="ctr"/>
           <a:lstStyle/>
           <a:p>
             <a:pPr algn="ctr"/>
-            <a:r>
-              <a:rPr lang="en-US" sz="1400" dirty="0"/>
-              <a:t>LB</a:t>
-            </a:r>
-          </a:p>
-        </p:txBody>
-      </p:sp>
-      <p:sp>
-        <p:nvSpPr>
-          <p:cNvPr id="25" name="Cube 24">
+            <a:endParaRPr lang="en-US"/>
+          </a:p>
+        </p:txBody>
+      </p:sp>
+      <p:sp>
+        <p:nvSpPr>
+          <p:cNvPr id="80" name="TextBox 79">
             <a:extLst>
               <a:ext uri="{FF2B5EF4-FFF2-40B4-BE49-F238E27FC236}">
-                <a16:creationId xmlns:a16="http://schemas.microsoft.com/office/drawing/2014/main" id="{D6AE05E7-414F-4FD8-B169-91B35512DC37}"/>
+                <a16:creationId xmlns:a16="http://schemas.microsoft.com/office/drawing/2014/main" id="{9B0104E0-447C-4E4E-8FC3-ABE299B19CEC}"/>
+              </a:ext>
+            </a:extLst>
+          </p:cNvPr>
+          <p:cNvSpPr txBox="1"/>
+          <p:nvPr/>
+        </p:nvSpPr>
+        <p:spPr>
+          <a:xfrm>
+            <a:off x="8007164" y="3332894"/>
+            <a:ext cx="1005017" cy="369332"/>
+          </a:xfrm>
+          <a:prstGeom prst="rect">
+            <a:avLst/>
+          </a:prstGeom>
+          <a:noFill/>
+        </p:spPr>
+        <p:txBody>
+          <a:bodyPr wrap="square" rtlCol="0">
+            <a:spAutoFit/>
+          </a:bodyPr>
+          <a:lstStyle/>
+          <a:p>
+            <a:r>
+              <a:rPr lang="en-US" dirty="0"/>
+              <a:t>Provider</a:t>
+            </a:r>
+          </a:p>
+        </p:txBody>
+      </p:sp>
+      <p:sp>
+        <p:nvSpPr>
+          <p:cNvPr id="81" name="Rectangle 80">
+            <a:extLst>
+              <a:ext uri="{FF2B5EF4-FFF2-40B4-BE49-F238E27FC236}">
+                <a16:creationId xmlns:a16="http://schemas.microsoft.com/office/drawing/2014/main" id="{CBAD2175-1F37-4CCE-BB85-81040044B4AA}"/>
               </a:ext>
             </a:extLst>
           </p:cNvPr>
@@ -16469,27 +16547,15 @@
         </p:nvSpPr>
         <p:spPr>
           <a:xfrm>
-            <a:off x="7047876" y="1370527"/>
-            <a:ext cx="801974" cy="797583"/>
-          </a:xfrm>
-          <a:prstGeom prst="cube">
-            <a:avLst/>
-          </a:prstGeom>
-          <a:gradFill>
-            <a:gsLst>
-              <a:gs pos="0">
-                <a:schemeClr val="accent2">
-                  <a:lumMod val="75000"/>
-                </a:schemeClr>
-              </a:gs>
-              <a:gs pos="100000">
-                <a:schemeClr val="accent2">
-                  <a:lumMod val="60000"/>
-                  <a:lumOff val="40000"/>
-                </a:schemeClr>
-              </a:gs>
-            </a:gsLst>
-          </a:gradFill>
+            <a:off x="7668290" y="3788548"/>
+            <a:ext cx="301752" cy="301752"/>
+          </a:xfrm>
+          <a:prstGeom prst="rect">
+            <a:avLst/>
+          </a:prstGeom>
+          <a:solidFill>
+            <a:srgbClr val="0070C0"/>
+          </a:solidFill>
         </p:spPr>
         <p:style>
           <a:lnRef idx="1">
@@ -16506,23 +16572,55 @@
           </a:fontRef>
         </p:style>
         <p:txBody>
-          <a:bodyPr lIns="45720" rIns="45720" rtlCol="0" anchor="ctr"/>
+          <a:bodyPr rtlCol="0" anchor="ctr"/>
           <a:lstStyle/>
           <a:p>
             <a:pPr algn="ctr"/>
-            <a:r>
-              <a:rPr lang="en-US" sz="1400" dirty="0"/>
-              <a:t>IPAM</a:t>
-            </a:r>
-          </a:p>
-        </p:txBody>
-      </p:sp>
-      <p:sp>
-        <p:nvSpPr>
-          <p:cNvPr id="29" name="Cube 28">
+            <a:endParaRPr lang="en-US"/>
+          </a:p>
+        </p:txBody>
+      </p:sp>
+      <p:sp>
+        <p:nvSpPr>
+          <p:cNvPr id="82" name="TextBox 81">
             <a:extLst>
               <a:ext uri="{FF2B5EF4-FFF2-40B4-BE49-F238E27FC236}">
-                <a16:creationId xmlns:a16="http://schemas.microsoft.com/office/drawing/2014/main" id="{F6ED9C1C-8C55-4B73-94DD-3288F58D8D94}"/>
+                <a16:creationId xmlns:a16="http://schemas.microsoft.com/office/drawing/2014/main" id="{781C29F7-4BA6-47E7-B05C-82A17587515F}"/>
+              </a:ext>
+            </a:extLst>
+          </p:cNvPr>
+          <p:cNvSpPr txBox="1"/>
+          <p:nvPr/>
+        </p:nvSpPr>
+        <p:spPr>
+          <a:xfrm>
+            <a:off x="8007163" y="3754758"/>
+            <a:ext cx="1005017" cy="369332"/>
+          </a:xfrm>
+          <a:prstGeom prst="rect">
+            <a:avLst/>
+          </a:prstGeom>
+          <a:noFill/>
+        </p:spPr>
+        <p:txBody>
+          <a:bodyPr wrap="square" rtlCol="0">
+            <a:spAutoFit/>
+          </a:bodyPr>
+          <a:lstStyle/>
+          <a:p>
+            <a:r>
+              <a:rPr lang="en-US" dirty="0"/>
+              <a:t>Broker</a:t>
+            </a:r>
+          </a:p>
+        </p:txBody>
+      </p:sp>
+      <p:sp>
+        <p:nvSpPr>
+          <p:cNvPr id="83" name="Oval 82">
+            <a:extLst>
+              <a:ext uri="{FF2B5EF4-FFF2-40B4-BE49-F238E27FC236}">
+                <a16:creationId xmlns:a16="http://schemas.microsoft.com/office/drawing/2014/main" id="{E7A86E56-51FD-4B60-876A-BD7E0F9F7AAE}"/>
               </a:ext>
             </a:extLst>
           </p:cNvPr>
@@ -16533,27 +16631,17 @@
         </p:nvSpPr>
         <p:spPr>
           <a:xfrm>
-            <a:off x="7047876" y="2364875"/>
-            <a:ext cx="801974" cy="797583"/>
-          </a:xfrm>
-          <a:prstGeom prst="cube">
-            <a:avLst/>
-          </a:prstGeom>
-          <a:gradFill>
-            <a:gsLst>
-              <a:gs pos="0">
-                <a:schemeClr val="accent2">
-                  <a:lumMod val="75000"/>
-                </a:schemeClr>
-              </a:gs>
-              <a:gs pos="100000">
-                <a:schemeClr val="accent2">
-                  <a:lumMod val="60000"/>
-                  <a:lumOff val="40000"/>
-                </a:schemeClr>
-              </a:gs>
-            </a:gsLst>
-          </a:gradFill>
+            <a:off x="7668290" y="4192124"/>
+            <a:ext cx="301752" cy="301752"/>
+          </a:xfrm>
+          <a:prstGeom prst="ellipse">
+            <a:avLst/>
+          </a:prstGeom>
+          <a:solidFill>
+            <a:schemeClr val="bg1">
+              <a:lumMod val="65000"/>
+            </a:schemeClr>
+          </a:solidFill>
         </p:spPr>
         <p:style>
           <a:lnRef idx="1">
@@ -16570,23 +16658,55 @@
           </a:fontRef>
         </p:style>
         <p:txBody>
-          <a:bodyPr lIns="45720" rIns="45720" rtlCol="0" anchor="ctr"/>
+          <a:bodyPr rtlCol="0" anchor="ctr"/>
           <a:lstStyle/>
           <a:p>
             <a:pPr algn="ctr"/>
-            <a:r>
-              <a:rPr lang="en-US" sz="1400" dirty="0"/>
-              <a:t>CUCM</a:t>
-            </a:r>
-          </a:p>
-        </p:txBody>
-      </p:sp>
-      <p:sp>
-        <p:nvSpPr>
-          <p:cNvPr id="30" name="Cube 29">
+            <a:endParaRPr lang="en-US"/>
+          </a:p>
+        </p:txBody>
+      </p:sp>
+      <p:sp>
+        <p:nvSpPr>
+          <p:cNvPr id="84" name="TextBox 83">
             <a:extLst>
               <a:ext uri="{FF2B5EF4-FFF2-40B4-BE49-F238E27FC236}">
-                <a16:creationId xmlns:a16="http://schemas.microsoft.com/office/drawing/2014/main" id="{BF0E45CB-F5A6-4266-A62B-DAC0534710BE}"/>
+                <a16:creationId xmlns:a16="http://schemas.microsoft.com/office/drawing/2014/main" id="{68D76BE7-5699-4F84-BBAA-AA1759298D37}"/>
+              </a:ext>
+            </a:extLst>
+          </p:cNvPr>
+          <p:cNvSpPr txBox="1"/>
+          <p:nvPr/>
+        </p:nvSpPr>
+        <p:spPr>
+          <a:xfrm>
+            <a:off x="8007162" y="4158334"/>
+            <a:ext cx="1191842" cy="369332"/>
+          </a:xfrm>
+          <a:prstGeom prst="rect">
+            <a:avLst/>
+          </a:prstGeom>
+          <a:noFill/>
+        </p:spPr>
+        <p:txBody>
+          <a:bodyPr wrap="square" rtlCol="0">
+            <a:spAutoFit/>
+          </a:bodyPr>
+          <a:lstStyle/>
+          <a:p>
+            <a:r>
+              <a:rPr lang="en-US" dirty="0"/>
+              <a:t>Consumer</a:t>
+            </a:r>
+          </a:p>
+        </p:txBody>
+      </p:sp>
+      <p:sp>
+        <p:nvSpPr>
+          <p:cNvPr id="85" name="Flowchart: Collate 84">
+            <a:extLst>
+              <a:ext uri="{FF2B5EF4-FFF2-40B4-BE49-F238E27FC236}">
+                <a16:creationId xmlns:a16="http://schemas.microsoft.com/office/drawing/2014/main" id="{E4F2D956-B72C-4B58-AE1C-1D0084315DA5}"/>
               </a:ext>
             </a:extLst>
           </p:cNvPr>
@@ -16596,28 +16716,16 @@
           <p:nvPr/>
         </p:nvSpPr>
         <p:spPr>
-          <a:xfrm>
-            <a:off x="7047876" y="3359223"/>
-            <a:ext cx="801974" cy="797583"/>
-          </a:xfrm>
-          <a:prstGeom prst="cube">
-            <a:avLst/>
-          </a:prstGeom>
-          <a:gradFill>
-            <a:gsLst>
-              <a:gs pos="0">
-                <a:schemeClr val="accent2">
-                  <a:lumMod val="75000"/>
-                </a:schemeClr>
-              </a:gs>
-              <a:gs pos="100000">
-                <a:schemeClr val="accent2">
-                  <a:lumMod val="60000"/>
-                  <a:lumOff val="40000"/>
-                </a:schemeClr>
-              </a:gs>
-            </a:gsLst>
-          </a:gradFill>
+          <a:xfrm rot="5400000">
+            <a:off x="7654977" y="4609013"/>
+            <a:ext cx="328377" cy="301752"/>
+          </a:xfrm>
+          <a:prstGeom prst="flowChartCollate">
+            <a:avLst/>
+          </a:prstGeom>
+          <a:solidFill>
+            <a:srgbClr val="FF0000"/>
+          </a:solidFill>
         </p:spPr>
         <p:style>
           <a:lnRef idx="1">
@@ -16634,23 +16742,59 @@
           </a:fontRef>
         </p:style>
         <p:txBody>
-          <a:bodyPr lIns="45720" rIns="45720" rtlCol="0" anchor="ctr"/>
+          <a:bodyPr rtlCol="0" anchor="ctr"/>
           <a:lstStyle/>
           <a:p>
             <a:pPr algn="ctr"/>
-            <a:r>
-              <a:rPr lang="en-US" sz="1400" dirty="0"/>
-              <a:t>LB</a:t>
-            </a:r>
-          </a:p>
-        </p:txBody>
-      </p:sp>
-      <p:sp>
-        <p:nvSpPr>
-          <p:cNvPr id="31" name="Star: 10 Points 30">
+            <a:endParaRPr lang="en-US">
+              <a:solidFill>
+                <a:schemeClr val="tx1"/>
+              </a:solidFill>
+            </a:endParaRPr>
+          </a:p>
+        </p:txBody>
+      </p:sp>
+      <p:sp>
+        <p:nvSpPr>
+          <p:cNvPr id="86" name="TextBox 85">
             <a:extLst>
               <a:ext uri="{FF2B5EF4-FFF2-40B4-BE49-F238E27FC236}">
-                <a16:creationId xmlns:a16="http://schemas.microsoft.com/office/drawing/2014/main" id="{19C3F6E1-FE07-45CA-BD53-3DE1CB589B68}"/>
+                <a16:creationId xmlns:a16="http://schemas.microsoft.com/office/drawing/2014/main" id="{D14D6E62-B8E5-4B52-B469-447CABA582A1}"/>
+              </a:ext>
+            </a:extLst>
+          </p:cNvPr>
+          <p:cNvSpPr txBox="1"/>
+          <p:nvPr/>
+        </p:nvSpPr>
+        <p:spPr>
+          <a:xfrm>
+            <a:off x="8015396" y="4590815"/>
+            <a:ext cx="1191842" cy="369332"/>
+          </a:xfrm>
+          <a:prstGeom prst="rect">
+            <a:avLst/>
+          </a:prstGeom>
+          <a:noFill/>
+        </p:spPr>
+        <p:txBody>
+          <a:bodyPr wrap="square" rtlCol="0">
+            <a:spAutoFit/>
+          </a:bodyPr>
+          <a:lstStyle/>
+          <a:p>
+            <a:r>
+              <a:rPr lang="en-US" dirty="0"/>
+              <a:t>Native</a:t>
+            </a:r>
+          </a:p>
+        </p:txBody>
+      </p:sp>
+      <p:sp>
+        <p:nvSpPr>
+          <p:cNvPr id="87" name="Flowchart: Collate 86">
+            <a:extLst>
+              <a:ext uri="{FF2B5EF4-FFF2-40B4-BE49-F238E27FC236}">
+                <a16:creationId xmlns:a16="http://schemas.microsoft.com/office/drawing/2014/main" id="{E86AA486-1546-4CA0-8D90-1F26E1DBE94F}"/>
               </a:ext>
             </a:extLst>
           </p:cNvPr>
@@ -16660,18 +16804,15 @@
           <p:nvPr/>
         </p:nvSpPr>
         <p:spPr>
-          <a:xfrm>
-            <a:off x="3852473" y="3812975"/>
-            <a:ext cx="1199214" cy="1199214"/>
-          </a:xfrm>
-          <a:prstGeom prst="star10">
+          <a:xfrm rot="5400000">
+            <a:off x="1921177" y="2256914"/>
+            <a:ext cx="328377" cy="301752"/>
+          </a:xfrm>
+          <a:prstGeom prst="flowChartCollate">
             <a:avLst/>
           </a:prstGeom>
           <a:solidFill>
-            <a:schemeClr val="accent4">
-              <a:lumMod val="60000"/>
-              <a:lumOff val="40000"/>
-            </a:schemeClr>
+            <a:srgbClr val="FF0000"/>
           </a:solidFill>
         </p:spPr>
         <p:style>
@@ -16689,317 +16830,24 @@
           </a:fontRef>
         </p:style>
         <p:txBody>
-          <a:bodyPr lIns="45720" rIns="45720" rtlCol="0" anchor="ctr"/>
+          <a:bodyPr rtlCol="0" anchor="ctr"/>
           <a:lstStyle/>
           <a:p>
             <a:pPr algn="ctr"/>
-            <a:r>
-              <a:rPr lang="en-US" dirty="0"/>
-              <a:t>Your Script</a:t>
-            </a:r>
-          </a:p>
-        </p:txBody>
-      </p:sp>
-      <p:sp>
-        <p:nvSpPr>
-          <p:cNvPr id="2" name="Arrow: Right 1">
+            <a:endParaRPr lang="en-US" dirty="0">
+              <a:solidFill>
+                <a:schemeClr val="tx1"/>
+              </a:solidFill>
+            </a:endParaRPr>
+          </a:p>
+        </p:txBody>
+      </p:sp>
+      <p:sp>
+        <p:nvSpPr>
+          <p:cNvPr id="88" name="Oval 87">
             <a:extLst>
               <a:ext uri="{FF2B5EF4-FFF2-40B4-BE49-F238E27FC236}">
-                <a16:creationId xmlns:a16="http://schemas.microsoft.com/office/drawing/2014/main" id="{7A82A033-5F4A-4AD6-93F1-F989C1569FA6}"/>
-              </a:ext>
-            </a:extLst>
-          </p:cNvPr>
-          <p:cNvSpPr/>
-          <p:nvPr/>
-        </p:nvSpPr>
-        <p:spPr>
-          <a:xfrm rot="907475">
-            <a:off x="2117621" y="2070370"/>
-            <a:ext cx="1446550" cy="187377"/>
-          </a:xfrm>
-          <a:prstGeom prst="rightArrow">
-            <a:avLst/>
-          </a:prstGeom>
-          <a:solidFill>
-            <a:schemeClr val="bg1">
-              <a:lumMod val="85000"/>
-            </a:schemeClr>
-          </a:solidFill>
-        </p:spPr>
-        <p:style>
-          <a:lnRef idx="1">
-            <a:schemeClr val="accent1"/>
-          </a:lnRef>
-          <a:fillRef idx="3">
-            <a:schemeClr val="accent1"/>
-          </a:fillRef>
-          <a:effectRef idx="2">
-            <a:schemeClr val="accent1"/>
-          </a:effectRef>
-          <a:fontRef idx="minor">
-            <a:schemeClr val="lt1"/>
-          </a:fontRef>
-        </p:style>
-        <p:txBody>
-          <a:bodyPr rtlCol="0" anchor="ctr"/>
-          <a:lstStyle/>
-          <a:p>
-            <a:pPr algn="ctr"/>
-            <a:endParaRPr lang="en-US"/>
-          </a:p>
-        </p:txBody>
-      </p:sp>
-      <p:sp>
-        <p:nvSpPr>
-          <p:cNvPr id="40" name="Arrow: Right 39">
-            <a:extLst>
-              <a:ext uri="{FF2B5EF4-FFF2-40B4-BE49-F238E27FC236}">
-                <a16:creationId xmlns:a16="http://schemas.microsoft.com/office/drawing/2014/main" id="{727B7C1E-301A-4B77-8077-8121FFB806D1}"/>
-              </a:ext>
-            </a:extLst>
-          </p:cNvPr>
-          <p:cNvSpPr/>
-          <p:nvPr/>
-        </p:nvSpPr>
-        <p:spPr>
-          <a:xfrm>
-            <a:off x="2062374" y="2676364"/>
-            <a:ext cx="1446550" cy="187377"/>
-          </a:xfrm>
-          <a:prstGeom prst="rightArrow">
-            <a:avLst/>
-          </a:prstGeom>
-          <a:solidFill>
-            <a:schemeClr val="bg1">
-              <a:lumMod val="85000"/>
-            </a:schemeClr>
-          </a:solidFill>
-        </p:spPr>
-        <p:style>
-          <a:lnRef idx="1">
-            <a:schemeClr val="accent1"/>
-          </a:lnRef>
-          <a:fillRef idx="3">
-            <a:schemeClr val="accent1"/>
-          </a:fillRef>
-          <a:effectRef idx="2">
-            <a:schemeClr val="accent1"/>
-          </a:effectRef>
-          <a:fontRef idx="minor">
-            <a:schemeClr val="lt1"/>
-          </a:fontRef>
-        </p:style>
-        <p:txBody>
-          <a:bodyPr rtlCol="0" anchor="ctr"/>
-          <a:lstStyle/>
-          <a:p>
-            <a:pPr algn="ctr"/>
-            <a:endParaRPr lang="en-US"/>
-          </a:p>
-        </p:txBody>
-      </p:sp>
-      <p:sp>
-        <p:nvSpPr>
-          <p:cNvPr id="41" name="Arrow: Right 40">
-            <a:extLst>
-              <a:ext uri="{FF2B5EF4-FFF2-40B4-BE49-F238E27FC236}">
-                <a16:creationId xmlns:a16="http://schemas.microsoft.com/office/drawing/2014/main" id="{1BF96878-8938-49D5-BE29-7C4705B51B03}"/>
-              </a:ext>
-            </a:extLst>
-          </p:cNvPr>
-          <p:cNvSpPr/>
-          <p:nvPr/>
-        </p:nvSpPr>
-        <p:spPr>
-          <a:xfrm rot="20398295">
-            <a:off x="2109043" y="3324471"/>
-            <a:ext cx="1446550" cy="187377"/>
-          </a:xfrm>
-          <a:prstGeom prst="rightArrow">
-            <a:avLst/>
-          </a:prstGeom>
-          <a:solidFill>
-            <a:schemeClr val="bg1">
-              <a:lumMod val="85000"/>
-            </a:schemeClr>
-          </a:solidFill>
-        </p:spPr>
-        <p:style>
-          <a:lnRef idx="1">
-            <a:schemeClr val="accent1"/>
-          </a:lnRef>
-          <a:fillRef idx="3">
-            <a:schemeClr val="accent1"/>
-          </a:fillRef>
-          <a:effectRef idx="2">
-            <a:schemeClr val="accent1"/>
-          </a:effectRef>
-          <a:fontRef idx="minor">
-            <a:schemeClr val="lt1"/>
-          </a:fontRef>
-        </p:style>
-        <p:txBody>
-          <a:bodyPr rtlCol="0" anchor="ctr"/>
-          <a:lstStyle/>
-          <a:p>
-            <a:pPr algn="ctr"/>
-            <a:endParaRPr lang="en-US"/>
-          </a:p>
-        </p:txBody>
-      </p:sp>
-      <p:sp>
-        <p:nvSpPr>
-          <p:cNvPr id="43" name="Arrow: Right 42">
-            <a:extLst>
-              <a:ext uri="{FF2B5EF4-FFF2-40B4-BE49-F238E27FC236}">
-                <a16:creationId xmlns:a16="http://schemas.microsoft.com/office/drawing/2014/main" id="{2C0F724D-FF08-4D58-BF6B-AFE0E5834AA3}"/>
-              </a:ext>
-            </a:extLst>
-          </p:cNvPr>
-          <p:cNvSpPr/>
-          <p:nvPr/>
-        </p:nvSpPr>
-        <p:spPr>
-          <a:xfrm rot="9866038">
-            <a:off x="5266546" y="2050897"/>
-            <a:ext cx="1446550" cy="187377"/>
-          </a:xfrm>
-          <a:prstGeom prst="rightArrow">
-            <a:avLst/>
-          </a:prstGeom>
-          <a:solidFill>
-            <a:schemeClr val="bg1">
-              <a:lumMod val="85000"/>
-            </a:schemeClr>
-          </a:solidFill>
-        </p:spPr>
-        <p:style>
-          <a:lnRef idx="1">
-            <a:schemeClr val="accent1"/>
-          </a:lnRef>
-          <a:fillRef idx="3">
-            <a:schemeClr val="accent1"/>
-          </a:fillRef>
-          <a:effectRef idx="2">
-            <a:schemeClr val="accent1"/>
-          </a:effectRef>
-          <a:fontRef idx="minor">
-            <a:schemeClr val="lt1"/>
-          </a:fontRef>
-        </p:style>
-        <p:txBody>
-          <a:bodyPr rtlCol="0" anchor="ctr"/>
-          <a:lstStyle/>
-          <a:p>
-            <a:pPr algn="ctr"/>
-            <a:endParaRPr lang="en-US"/>
-          </a:p>
-        </p:txBody>
-      </p:sp>
-      <p:sp>
-        <p:nvSpPr>
-          <p:cNvPr id="44" name="Arrow: Right 43">
-            <a:extLst>
-              <a:ext uri="{FF2B5EF4-FFF2-40B4-BE49-F238E27FC236}">
-                <a16:creationId xmlns:a16="http://schemas.microsoft.com/office/drawing/2014/main" id="{3DFED635-CB2A-40C1-BF12-33FBEE2B11D9}"/>
-              </a:ext>
-            </a:extLst>
-          </p:cNvPr>
-          <p:cNvSpPr/>
-          <p:nvPr/>
-        </p:nvSpPr>
-        <p:spPr>
-          <a:xfrm rot="10800000">
-            <a:off x="5315896" y="2669977"/>
-            <a:ext cx="1446550" cy="187377"/>
-          </a:xfrm>
-          <a:prstGeom prst="rightArrow">
-            <a:avLst/>
-          </a:prstGeom>
-          <a:solidFill>
-            <a:schemeClr val="bg1">
-              <a:lumMod val="85000"/>
-            </a:schemeClr>
-          </a:solidFill>
-        </p:spPr>
-        <p:style>
-          <a:lnRef idx="1">
-            <a:schemeClr val="accent1"/>
-          </a:lnRef>
-          <a:fillRef idx="3">
-            <a:schemeClr val="accent1"/>
-          </a:fillRef>
-          <a:effectRef idx="2">
-            <a:schemeClr val="accent1"/>
-          </a:effectRef>
-          <a:fontRef idx="minor">
-            <a:schemeClr val="lt1"/>
-          </a:fontRef>
-        </p:style>
-        <p:txBody>
-          <a:bodyPr rtlCol="0" anchor="ctr"/>
-          <a:lstStyle/>
-          <a:p>
-            <a:pPr algn="ctr"/>
-            <a:endParaRPr lang="en-US"/>
-          </a:p>
-        </p:txBody>
-      </p:sp>
-      <p:sp>
-        <p:nvSpPr>
-          <p:cNvPr id="47" name="Arrow: Right 46">
-            <a:extLst>
-              <a:ext uri="{FF2B5EF4-FFF2-40B4-BE49-F238E27FC236}">
-                <a16:creationId xmlns:a16="http://schemas.microsoft.com/office/drawing/2014/main" id="{13CCC024-D0C4-4D3E-9EBC-30C4A1592BB2}"/>
-              </a:ext>
-            </a:extLst>
-          </p:cNvPr>
-          <p:cNvSpPr/>
-          <p:nvPr/>
-        </p:nvSpPr>
-        <p:spPr>
-          <a:xfrm rot="12252828">
-            <a:off x="5306621" y="3397531"/>
-            <a:ext cx="1446550" cy="187377"/>
-          </a:xfrm>
-          <a:prstGeom prst="rightArrow">
-            <a:avLst/>
-          </a:prstGeom>
-          <a:solidFill>
-            <a:schemeClr val="bg1">
-              <a:lumMod val="85000"/>
-            </a:schemeClr>
-          </a:solidFill>
-        </p:spPr>
-        <p:style>
-          <a:lnRef idx="1">
-            <a:schemeClr val="accent1"/>
-          </a:lnRef>
-          <a:fillRef idx="3">
-            <a:schemeClr val="accent1"/>
-          </a:fillRef>
-          <a:effectRef idx="2">
-            <a:schemeClr val="accent1"/>
-          </a:effectRef>
-          <a:fontRef idx="minor">
-            <a:schemeClr val="lt1"/>
-          </a:fontRef>
-        </p:style>
-        <p:txBody>
-          <a:bodyPr rtlCol="0" anchor="ctr"/>
-          <a:lstStyle/>
-          <a:p>
-            <a:pPr algn="ctr"/>
-            <a:endParaRPr lang="en-US"/>
-          </a:p>
-        </p:txBody>
-      </p:sp>
-      <p:sp>
-        <p:nvSpPr>
-          <p:cNvPr id="16" name="Cube 15">
-            <a:extLst>
-              <a:ext uri="{FF2B5EF4-FFF2-40B4-BE49-F238E27FC236}">
-                <a16:creationId xmlns:a16="http://schemas.microsoft.com/office/drawing/2014/main" id="{4D2B8112-3B51-4F92-8D58-9FC2950AA6B9}"/>
+                <a16:creationId xmlns:a16="http://schemas.microsoft.com/office/drawing/2014/main" id="{8EBDBA3C-3CA2-49B7-B03E-FFF053C3E4EF}"/>
               </a:ext>
             </a:extLst>
           </p:cNvPr>
@@ -17010,27 +16858,17 @@
         </p:nvSpPr>
         <p:spPr>
           <a:xfrm>
-            <a:off x="4036896" y="2284842"/>
-            <a:ext cx="801974" cy="797583"/>
-          </a:xfrm>
-          <a:prstGeom prst="cube">
-            <a:avLst/>
-          </a:prstGeom>
-          <a:gradFill>
-            <a:gsLst>
-              <a:gs pos="0">
-                <a:schemeClr val="accent2">
-                  <a:lumMod val="75000"/>
-                </a:schemeClr>
-              </a:gs>
-              <a:gs pos="100000">
-                <a:schemeClr val="accent2">
-                  <a:lumMod val="60000"/>
-                  <a:lumOff val="40000"/>
-                </a:schemeClr>
-              </a:gs>
-            </a:gsLst>
-          </a:gradFill>
+            <a:off x="5944660" y="3405364"/>
+            <a:ext cx="301752" cy="301752"/>
+          </a:xfrm>
+          <a:prstGeom prst="ellipse">
+            <a:avLst/>
+          </a:prstGeom>
+          <a:solidFill>
+            <a:schemeClr val="bg1">
+              <a:lumMod val="65000"/>
+            </a:schemeClr>
+          </a:solidFill>
         </p:spPr>
         <p:style>
           <a:lnRef idx="1">
@@ -17047,47 +16885,39 @@
           </a:fontRef>
         </p:style>
         <p:txBody>
-          <a:bodyPr lIns="45720" rIns="45720" rtlCol="0" anchor="ctr"/>
+          <a:bodyPr rtlCol="0" anchor="ctr"/>
           <a:lstStyle/>
           <a:p>
             <a:pPr algn="ctr"/>
-            <a:r>
-              <a:rPr lang="en-US" sz="1400" dirty="0"/>
-              <a:t>Mesh</a:t>
-            </a:r>
-            <a:br>
-              <a:rPr lang="en-US" sz="1400" dirty="0"/>
-            </a:br>
-            <a:r>
-              <a:rPr lang="en-US" sz="1400" dirty="0"/>
-              <a:t>Broker</a:t>
-            </a:r>
-          </a:p>
-        </p:txBody>
-      </p:sp>
-      <p:sp>
-        <p:nvSpPr>
-          <p:cNvPr id="17" name="Arrow: Right 16">
+            <a:endParaRPr lang="en-US"/>
+          </a:p>
+        </p:txBody>
+      </p:sp>
+      <p:sp>
+        <p:nvSpPr>
+          <p:cNvPr id="89" name="Oval 88">
             <a:extLst>
               <a:ext uri="{FF2B5EF4-FFF2-40B4-BE49-F238E27FC236}">
-                <a16:creationId xmlns:a16="http://schemas.microsoft.com/office/drawing/2014/main" id="{EB0E55E3-3E49-4CC6-A3FC-C1386890C81C}"/>
+                <a16:creationId xmlns:a16="http://schemas.microsoft.com/office/drawing/2014/main" id="{68209401-ADE5-4B60-BE88-F8D561792625}"/>
               </a:ext>
             </a:extLst>
           </p:cNvPr>
-          <p:cNvSpPr/>
+          <p:cNvSpPr>
+            <a:spLocks noChangeAspect="1"/>
+          </p:cNvSpPr>
           <p:nvPr/>
         </p:nvSpPr>
         <p:spPr>
-          <a:xfrm rot="16200000">
-            <a:off x="4144415" y="3380053"/>
-            <a:ext cx="586938" cy="187377"/>
-          </a:xfrm>
-          <a:prstGeom prst="rightArrow">
+          <a:xfrm>
+            <a:off x="5944660" y="2217419"/>
+            <a:ext cx="301752" cy="301752"/>
+          </a:xfrm>
+          <a:prstGeom prst="ellipse">
             <a:avLst/>
           </a:prstGeom>
           <a:solidFill>
             <a:schemeClr val="bg1">
-              <a:lumMod val="85000"/>
+              <a:lumMod val="65000"/>
             </a:schemeClr>
           </a:solidFill>
         </p:spPr>
@@ -17114,6 +16944,1329 @@
           </a:p>
         </p:txBody>
       </p:sp>
+      <p:sp>
+        <p:nvSpPr>
+          <p:cNvPr id="90" name="Flowchart: Collate 89">
+            <a:extLst>
+              <a:ext uri="{FF2B5EF4-FFF2-40B4-BE49-F238E27FC236}">
+                <a16:creationId xmlns:a16="http://schemas.microsoft.com/office/drawing/2014/main" id="{48167774-A3A2-4E60-8B02-D97418266D0B}"/>
+              </a:ext>
+            </a:extLst>
+          </p:cNvPr>
+          <p:cNvSpPr>
+            <a:spLocks noChangeAspect="1"/>
+          </p:cNvSpPr>
+          <p:nvPr/>
+        </p:nvSpPr>
+        <p:spPr>
+          <a:xfrm rot="5400000">
+            <a:off x="1921176" y="2824600"/>
+            <a:ext cx="328377" cy="301752"/>
+          </a:xfrm>
+          <a:prstGeom prst="flowChartCollate">
+            <a:avLst/>
+          </a:prstGeom>
+          <a:solidFill>
+            <a:srgbClr val="FF0000"/>
+          </a:solidFill>
+        </p:spPr>
+        <p:style>
+          <a:lnRef idx="1">
+            <a:schemeClr val="accent1"/>
+          </a:lnRef>
+          <a:fillRef idx="3">
+            <a:schemeClr val="accent1"/>
+          </a:fillRef>
+          <a:effectRef idx="2">
+            <a:schemeClr val="accent1"/>
+          </a:effectRef>
+          <a:fontRef idx="minor">
+            <a:schemeClr val="lt1"/>
+          </a:fontRef>
+        </p:style>
+        <p:txBody>
+          <a:bodyPr rtlCol="0" anchor="ctr"/>
+          <a:lstStyle/>
+          <a:p>
+            <a:pPr algn="ctr"/>
+            <a:endParaRPr lang="en-US" dirty="0">
+              <a:solidFill>
+                <a:schemeClr val="tx1"/>
+              </a:solidFill>
+            </a:endParaRPr>
+          </a:p>
+        </p:txBody>
+      </p:sp>
+      <p:sp>
+        <p:nvSpPr>
+          <p:cNvPr id="91" name="Flowchart: Collate 90">
+            <a:extLst>
+              <a:ext uri="{FF2B5EF4-FFF2-40B4-BE49-F238E27FC236}">
+                <a16:creationId xmlns:a16="http://schemas.microsoft.com/office/drawing/2014/main" id="{3D156A50-CBBC-4C54-AA77-71EDB90EB80F}"/>
+              </a:ext>
+            </a:extLst>
+          </p:cNvPr>
+          <p:cNvSpPr>
+            <a:spLocks noChangeAspect="1"/>
+          </p:cNvSpPr>
+          <p:nvPr/>
+        </p:nvSpPr>
+        <p:spPr>
+          <a:xfrm rot="5400000">
+            <a:off x="1922700" y="3392286"/>
+            <a:ext cx="328377" cy="301752"/>
+          </a:xfrm>
+          <a:prstGeom prst="flowChartCollate">
+            <a:avLst/>
+          </a:prstGeom>
+          <a:solidFill>
+            <a:srgbClr val="FF0000"/>
+          </a:solidFill>
+        </p:spPr>
+        <p:style>
+          <a:lnRef idx="1">
+            <a:schemeClr val="accent1"/>
+          </a:lnRef>
+          <a:fillRef idx="3">
+            <a:schemeClr val="accent1"/>
+          </a:fillRef>
+          <a:effectRef idx="2">
+            <a:schemeClr val="accent1"/>
+          </a:effectRef>
+          <a:fontRef idx="minor">
+            <a:schemeClr val="lt1"/>
+          </a:fontRef>
+        </p:style>
+        <p:txBody>
+          <a:bodyPr rtlCol="0" anchor="ctr"/>
+          <a:lstStyle/>
+          <a:p>
+            <a:pPr algn="ctr"/>
+            <a:endParaRPr lang="en-US" dirty="0">
+              <a:solidFill>
+                <a:schemeClr val="tx1"/>
+              </a:solidFill>
+            </a:endParaRPr>
+          </a:p>
+        </p:txBody>
+      </p:sp>
+      <p:sp>
+        <p:nvSpPr>
+          <p:cNvPr id="92" name="Isosceles Triangle 91">
+            <a:extLst>
+              <a:ext uri="{FF2B5EF4-FFF2-40B4-BE49-F238E27FC236}">
+                <a16:creationId xmlns:a16="http://schemas.microsoft.com/office/drawing/2014/main" id="{ED8FA720-56A6-4CA5-8026-604A3FAD2650}"/>
+              </a:ext>
+            </a:extLst>
+          </p:cNvPr>
+          <p:cNvSpPr>
+            <a:spLocks noChangeAspect="1"/>
+          </p:cNvSpPr>
+          <p:nvPr/>
+        </p:nvSpPr>
+        <p:spPr>
+          <a:xfrm>
+            <a:off x="2744812" y="2234338"/>
+            <a:ext cx="392460" cy="338328"/>
+          </a:xfrm>
+          <a:prstGeom prst="triangle">
+            <a:avLst/>
+          </a:prstGeom>
+          <a:solidFill>
+            <a:srgbClr val="00B050"/>
+          </a:solidFill>
+        </p:spPr>
+        <p:style>
+          <a:lnRef idx="1">
+            <a:schemeClr val="accent1"/>
+          </a:lnRef>
+          <a:fillRef idx="3">
+            <a:schemeClr val="accent1"/>
+          </a:fillRef>
+          <a:effectRef idx="2">
+            <a:schemeClr val="accent1"/>
+          </a:effectRef>
+          <a:fontRef idx="minor">
+            <a:schemeClr val="lt1"/>
+          </a:fontRef>
+        </p:style>
+        <p:txBody>
+          <a:bodyPr rtlCol="0" anchor="ctr"/>
+          <a:lstStyle/>
+          <a:p>
+            <a:pPr algn="ctr"/>
+            <a:endParaRPr lang="en-US"/>
+          </a:p>
+        </p:txBody>
+      </p:sp>
+      <p:sp>
+        <p:nvSpPr>
+          <p:cNvPr id="93" name="Isosceles Triangle 92">
+            <a:extLst>
+              <a:ext uri="{FF2B5EF4-FFF2-40B4-BE49-F238E27FC236}">
+                <a16:creationId xmlns:a16="http://schemas.microsoft.com/office/drawing/2014/main" id="{876873EF-8505-44CA-800F-88D59B033425}"/>
+              </a:ext>
+            </a:extLst>
+          </p:cNvPr>
+          <p:cNvSpPr>
+            <a:spLocks noChangeAspect="1"/>
+          </p:cNvSpPr>
+          <p:nvPr/>
+        </p:nvSpPr>
+        <p:spPr>
+          <a:xfrm>
+            <a:off x="2744812" y="2801337"/>
+            <a:ext cx="392460" cy="338328"/>
+          </a:xfrm>
+          <a:prstGeom prst="triangle">
+            <a:avLst/>
+          </a:prstGeom>
+          <a:solidFill>
+            <a:srgbClr val="00B050"/>
+          </a:solidFill>
+        </p:spPr>
+        <p:style>
+          <a:lnRef idx="1">
+            <a:schemeClr val="accent1"/>
+          </a:lnRef>
+          <a:fillRef idx="3">
+            <a:schemeClr val="accent1"/>
+          </a:fillRef>
+          <a:effectRef idx="2">
+            <a:schemeClr val="accent1"/>
+          </a:effectRef>
+          <a:fontRef idx="minor">
+            <a:schemeClr val="lt1"/>
+          </a:fontRef>
+        </p:style>
+        <p:txBody>
+          <a:bodyPr rtlCol="0" anchor="ctr"/>
+          <a:lstStyle/>
+          <a:p>
+            <a:pPr algn="ctr"/>
+            <a:endParaRPr lang="en-US"/>
+          </a:p>
+        </p:txBody>
+      </p:sp>
+      <p:sp>
+        <p:nvSpPr>
+          <p:cNvPr id="94" name="Isosceles Triangle 93">
+            <a:extLst>
+              <a:ext uri="{FF2B5EF4-FFF2-40B4-BE49-F238E27FC236}">
+                <a16:creationId xmlns:a16="http://schemas.microsoft.com/office/drawing/2014/main" id="{CDF16415-2D6C-4540-BE18-4F5FFCA4BA09}"/>
+              </a:ext>
+            </a:extLst>
+          </p:cNvPr>
+          <p:cNvSpPr>
+            <a:spLocks noChangeAspect="1"/>
+          </p:cNvSpPr>
+          <p:nvPr/>
+        </p:nvSpPr>
+        <p:spPr>
+          <a:xfrm>
+            <a:off x="2744812" y="3368027"/>
+            <a:ext cx="392460" cy="338328"/>
+          </a:xfrm>
+          <a:prstGeom prst="triangle">
+            <a:avLst/>
+          </a:prstGeom>
+          <a:solidFill>
+            <a:srgbClr val="00B050"/>
+          </a:solidFill>
+        </p:spPr>
+        <p:style>
+          <a:lnRef idx="1">
+            <a:schemeClr val="accent1"/>
+          </a:lnRef>
+          <a:fillRef idx="3">
+            <a:schemeClr val="accent1"/>
+          </a:fillRef>
+          <a:effectRef idx="2">
+            <a:schemeClr val="accent1"/>
+          </a:effectRef>
+          <a:fontRef idx="minor">
+            <a:schemeClr val="lt1"/>
+          </a:fontRef>
+        </p:style>
+        <p:txBody>
+          <a:bodyPr rtlCol="0" anchor="ctr"/>
+          <a:lstStyle/>
+          <a:p>
+            <a:pPr algn="ctr"/>
+            <a:endParaRPr lang="en-US"/>
+          </a:p>
+        </p:txBody>
+      </p:sp>
+      <p:sp>
+        <p:nvSpPr>
+          <p:cNvPr id="95" name="Rectangle 94">
+            <a:extLst>
+              <a:ext uri="{FF2B5EF4-FFF2-40B4-BE49-F238E27FC236}">
+                <a16:creationId xmlns:a16="http://schemas.microsoft.com/office/drawing/2014/main" id="{A253770D-BCCE-429C-9DC0-743B12D5B645}"/>
+              </a:ext>
+            </a:extLst>
+          </p:cNvPr>
+          <p:cNvSpPr>
+            <a:spLocks noChangeAspect="1"/>
+          </p:cNvSpPr>
+          <p:nvPr/>
+        </p:nvSpPr>
+        <p:spPr>
+          <a:xfrm>
+            <a:off x="4562161" y="2837913"/>
+            <a:ext cx="301752" cy="301752"/>
+          </a:xfrm>
+          <a:prstGeom prst="rect">
+            <a:avLst/>
+          </a:prstGeom>
+          <a:solidFill>
+            <a:srgbClr val="0070C0"/>
+          </a:solidFill>
+        </p:spPr>
+        <p:style>
+          <a:lnRef idx="1">
+            <a:schemeClr val="accent1"/>
+          </a:lnRef>
+          <a:fillRef idx="3">
+            <a:schemeClr val="accent1"/>
+          </a:fillRef>
+          <a:effectRef idx="2">
+            <a:schemeClr val="accent1"/>
+          </a:effectRef>
+          <a:fontRef idx="minor">
+            <a:schemeClr val="lt1"/>
+          </a:fontRef>
+        </p:style>
+        <p:txBody>
+          <a:bodyPr rtlCol="0" anchor="ctr"/>
+          <a:lstStyle/>
+          <a:p>
+            <a:pPr algn="ctr"/>
+            <a:endParaRPr lang="en-US"/>
+          </a:p>
+        </p:txBody>
+      </p:sp>
+      <p:cxnSp>
+        <p:nvCxnSpPr>
+          <p:cNvPr id="96" name="Straight Arrow Connector 95">
+            <a:extLst>
+              <a:ext uri="{FF2B5EF4-FFF2-40B4-BE49-F238E27FC236}">
+                <a16:creationId xmlns:a16="http://schemas.microsoft.com/office/drawing/2014/main" id="{E9F4D164-D8AE-4CDF-AFCA-7E57557B2AAA}"/>
+              </a:ext>
+            </a:extLst>
+          </p:cNvPr>
+          <p:cNvCxnSpPr>
+            <a:cxnSpLocks/>
+            <a:stCxn id="92" idx="5"/>
+            <a:endCxn id="71" idx="1"/>
+          </p:cNvCxnSpPr>
+          <p:nvPr/>
+        </p:nvCxnSpPr>
+        <p:spPr>
+          <a:xfrm flipV="1">
+            <a:off x="3039157" y="1587386"/>
+            <a:ext cx="682297" cy="816116"/>
+          </a:xfrm>
+          <a:prstGeom prst="straightConnector1">
+            <a:avLst/>
+          </a:prstGeom>
+          <a:ln>
+            <a:tailEnd type="triangle"/>
+          </a:ln>
+        </p:spPr>
+        <p:style>
+          <a:lnRef idx="2">
+            <a:schemeClr val="accent1"/>
+          </a:lnRef>
+          <a:fillRef idx="0">
+            <a:schemeClr val="accent1"/>
+          </a:fillRef>
+          <a:effectRef idx="1">
+            <a:schemeClr val="accent1"/>
+          </a:effectRef>
+          <a:fontRef idx="minor">
+            <a:schemeClr val="tx1"/>
+          </a:fontRef>
+        </p:style>
+      </p:cxnSp>
+      <p:cxnSp>
+        <p:nvCxnSpPr>
+          <p:cNvPr id="97" name="Straight Arrow Connector 96">
+            <a:extLst>
+              <a:ext uri="{FF2B5EF4-FFF2-40B4-BE49-F238E27FC236}">
+                <a16:creationId xmlns:a16="http://schemas.microsoft.com/office/drawing/2014/main" id="{562A94F1-22FE-4B80-84A0-08619ADC1C3B}"/>
+              </a:ext>
+            </a:extLst>
+          </p:cNvPr>
+          <p:cNvCxnSpPr>
+            <a:cxnSpLocks/>
+            <a:stCxn id="93" idx="5"/>
+          </p:cNvCxnSpPr>
+          <p:nvPr/>
+        </p:nvCxnSpPr>
+        <p:spPr>
+          <a:xfrm flipV="1">
+            <a:off x="3039157" y="1714475"/>
+            <a:ext cx="716941" cy="1256026"/>
+          </a:xfrm>
+          <a:prstGeom prst="straightConnector1">
+            <a:avLst/>
+          </a:prstGeom>
+          <a:ln>
+            <a:tailEnd type="triangle"/>
+          </a:ln>
+        </p:spPr>
+        <p:style>
+          <a:lnRef idx="2">
+            <a:schemeClr val="accent1"/>
+          </a:lnRef>
+          <a:fillRef idx="0">
+            <a:schemeClr val="accent1"/>
+          </a:fillRef>
+          <a:effectRef idx="1">
+            <a:schemeClr val="accent1"/>
+          </a:effectRef>
+          <a:fontRef idx="minor">
+            <a:schemeClr val="tx1"/>
+          </a:fontRef>
+        </p:style>
+      </p:cxnSp>
+      <p:cxnSp>
+        <p:nvCxnSpPr>
+          <p:cNvPr id="98" name="Straight Arrow Connector 97">
+            <a:extLst>
+              <a:ext uri="{FF2B5EF4-FFF2-40B4-BE49-F238E27FC236}">
+                <a16:creationId xmlns:a16="http://schemas.microsoft.com/office/drawing/2014/main" id="{F1AB6D7F-5782-4F52-9FDF-5DCE7CA5183E}"/>
+              </a:ext>
+            </a:extLst>
+          </p:cNvPr>
+          <p:cNvCxnSpPr>
+            <a:cxnSpLocks/>
+            <a:stCxn id="94" idx="5"/>
+            <a:endCxn id="71" idx="2"/>
+          </p:cNvCxnSpPr>
+          <p:nvPr/>
+        </p:nvCxnSpPr>
+        <p:spPr>
+          <a:xfrm flipV="1">
+            <a:off x="3039157" y="1819765"/>
+            <a:ext cx="754106" cy="1717426"/>
+          </a:xfrm>
+          <a:prstGeom prst="straightConnector1">
+            <a:avLst/>
+          </a:prstGeom>
+          <a:ln>
+            <a:tailEnd type="triangle"/>
+          </a:ln>
+        </p:spPr>
+        <p:style>
+          <a:lnRef idx="2">
+            <a:schemeClr val="accent1"/>
+          </a:lnRef>
+          <a:fillRef idx="0">
+            <a:schemeClr val="accent1"/>
+          </a:fillRef>
+          <a:effectRef idx="1">
+            <a:schemeClr val="accent1"/>
+          </a:effectRef>
+          <a:fontRef idx="minor">
+            <a:schemeClr val="tx1"/>
+          </a:fontRef>
+        </p:style>
+      </p:cxnSp>
+      <p:cxnSp>
+        <p:nvCxnSpPr>
+          <p:cNvPr id="99" name="Straight Arrow Connector 98">
+            <a:extLst>
+              <a:ext uri="{FF2B5EF4-FFF2-40B4-BE49-F238E27FC236}">
+                <a16:creationId xmlns:a16="http://schemas.microsoft.com/office/drawing/2014/main" id="{F8F6DC03-3DEF-4613-A105-5352088D00D5}"/>
+              </a:ext>
+            </a:extLst>
+          </p:cNvPr>
+          <p:cNvCxnSpPr>
+            <a:cxnSpLocks/>
+            <a:stCxn id="92" idx="1"/>
+            <a:endCxn id="87" idx="0"/>
+          </p:cNvCxnSpPr>
+          <p:nvPr/>
+        </p:nvCxnSpPr>
+        <p:spPr>
+          <a:xfrm flipH="1">
+            <a:off x="2236242" y="2403502"/>
+            <a:ext cx="606685" cy="4289"/>
+          </a:xfrm>
+          <a:prstGeom prst="straightConnector1">
+            <a:avLst/>
+          </a:prstGeom>
+          <a:ln>
+            <a:tailEnd type="triangle"/>
+          </a:ln>
+        </p:spPr>
+        <p:style>
+          <a:lnRef idx="2">
+            <a:schemeClr val="accent1"/>
+          </a:lnRef>
+          <a:fillRef idx="0">
+            <a:schemeClr val="accent1"/>
+          </a:fillRef>
+          <a:effectRef idx="1">
+            <a:schemeClr val="accent1"/>
+          </a:effectRef>
+          <a:fontRef idx="minor">
+            <a:schemeClr val="tx1"/>
+          </a:fontRef>
+        </p:style>
+      </p:cxnSp>
+      <p:cxnSp>
+        <p:nvCxnSpPr>
+          <p:cNvPr id="100" name="Straight Arrow Connector 99">
+            <a:extLst>
+              <a:ext uri="{FF2B5EF4-FFF2-40B4-BE49-F238E27FC236}">
+                <a16:creationId xmlns:a16="http://schemas.microsoft.com/office/drawing/2014/main" id="{639251DC-19C9-4F09-AA5E-42270ED0E1FA}"/>
+              </a:ext>
+            </a:extLst>
+          </p:cNvPr>
+          <p:cNvCxnSpPr>
+            <a:stCxn id="93" idx="1"/>
+            <a:endCxn id="90" idx="0"/>
+          </p:cNvCxnSpPr>
+          <p:nvPr/>
+        </p:nvCxnSpPr>
+        <p:spPr>
+          <a:xfrm flipH="1">
+            <a:off x="2236241" y="2970501"/>
+            <a:ext cx="606686" cy="4976"/>
+          </a:xfrm>
+          <a:prstGeom prst="straightConnector1">
+            <a:avLst/>
+          </a:prstGeom>
+          <a:ln>
+            <a:tailEnd type="triangle"/>
+          </a:ln>
+        </p:spPr>
+        <p:style>
+          <a:lnRef idx="2">
+            <a:schemeClr val="accent1"/>
+          </a:lnRef>
+          <a:fillRef idx="0">
+            <a:schemeClr val="accent1"/>
+          </a:fillRef>
+          <a:effectRef idx="1">
+            <a:schemeClr val="accent1"/>
+          </a:effectRef>
+          <a:fontRef idx="minor">
+            <a:schemeClr val="tx1"/>
+          </a:fontRef>
+        </p:style>
+      </p:cxnSp>
+      <p:cxnSp>
+        <p:nvCxnSpPr>
+          <p:cNvPr id="101" name="Straight Arrow Connector 100">
+            <a:extLst>
+              <a:ext uri="{FF2B5EF4-FFF2-40B4-BE49-F238E27FC236}">
+                <a16:creationId xmlns:a16="http://schemas.microsoft.com/office/drawing/2014/main" id="{752D946C-2A54-4506-9DC9-BA826259848C}"/>
+              </a:ext>
+            </a:extLst>
+          </p:cNvPr>
+          <p:cNvCxnSpPr>
+            <a:stCxn id="94" idx="1"/>
+            <a:endCxn id="91" idx="0"/>
+          </p:cNvCxnSpPr>
+          <p:nvPr/>
+        </p:nvCxnSpPr>
+        <p:spPr>
+          <a:xfrm flipH="1">
+            <a:off x="2237765" y="3537191"/>
+            <a:ext cx="605162" cy="5972"/>
+          </a:xfrm>
+          <a:prstGeom prst="straightConnector1">
+            <a:avLst/>
+          </a:prstGeom>
+          <a:ln>
+            <a:tailEnd type="triangle"/>
+          </a:ln>
+        </p:spPr>
+        <p:style>
+          <a:lnRef idx="2">
+            <a:schemeClr val="accent1"/>
+          </a:lnRef>
+          <a:fillRef idx="0">
+            <a:schemeClr val="accent1"/>
+          </a:fillRef>
+          <a:effectRef idx="1">
+            <a:schemeClr val="accent1"/>
+          </a:effectRef>
+          <a:fontRef idx="minor">
+            <a:schemeClr val="tx1"/>
+          </a:fontRef>
+        </p:style>
+      </p:cxnSp>
+      <p:cxnSp>
+        <p:nvCxnSpPr>
+          <p:cNvPr id="102" name="Straight Arrow Connector 101">
+            <a:extLst>
+              <a:ext uri="{FF2B5EF4-FFF2-40B4-BE49-F238E27FC236}">
+                <a16:creationId xmlns:a16="http://schemas.microsoft.com/office/drawing/2014/main" id="{3D1EEE08-C3DF-41D8-88EF-B9211DBB58BA}"/>
+              </a:ext>
+            </a:extLst>
+          </p:cNvPr>
+          <p:cNvCxnSpPr>
+            <a:cxnSpLocks/>
+            <a:stCxn id="95" idx="0"/>
+            <a:endCxn id="71" idx="3"/>
+          </p:cNvCxnSpPr>
+          <p:nvPr/>
+        </p:nvCxnSpPr>
+        <p:spPr>
+          <a:xfrm flipH="1" flipV="1">
+            <a:off x="4025643" y="1819765"/>
+            <a:ext cx="687394" cy="1018148"/>
+          </a:xfrm>
+          <a:prstGeom prst="straightConnector1">
+            <a:avLst/>
+          </a:prstGeom>
+          <a:ln>
+            <a:tailEnd type="triangle"/>
+          </a:ln>
+        </p:spPr>
+        <p:style>
+          <a:lnRef idx="2">
+            <a:schemeClr val="accent1"/>
+          </a:lnRef>
+          <a:fillRef idx="0">
+            <a:schemeClr val="accent1"/>
+          </a:fillRef>
+          <a:effectRef idx="1">
+            <a:schemeClr val="accent1"/>
+          </a:effectRef>
+          <a:fontRef idx="minor">
+            <a:schemeClr val="tx1"/>
+          </a:fontRef>
+        </p:style>
+      </p:cxnSp>
+      <p:cxnSp>
+        <p:nvCxnSpPr>
+          <p:cNvPr id="103" name="Straight Arrow Connector 102">
+            <a:extLst>
+              <a:ext uri="{FF2B5EF4-FFF2-40B4-BE49-F238E27FC236}">
+                <a16:creationId xmlns:a16="http://schemas.microsoft.com/office/drawing/2014/main" id="{24E8FEBF-3EEF-4038-96F1-065367AE2F7B}"/>
+              </a:ext>
+            </a:extLst>
+          </p:cNvPr>
+          <p:cNvCxnSpPr>
+            <a:cxnSpLocks/>
+            <a:stCxn id="89" idx="2"/>
+          </p:cNvCxnSpPr>
+          <p:nvPr/>
+        </p:nvCxnSpPr>
+        <p:spPr>
+          <a:xfrm flipH="1">
+            <a:off x="4902358" y="2368295"/>
+            <a:ext cx="1042302" cy="469617"/>
+          </a:xfrm>
+          <a:prstGeom prst="straightConnector1">
+            <a:avLst/>
+          </a:prstGeom>
+          <a:ln>
+            <a:tailEnd type="triangle"/>
+          </a:ln>
+        </p:spPr>
+        <p:style>
+          <a:lnRef idx="2">
+            <a:schemeClr val="accent1"/>
+          </a:lnRef>
+          <a:fillRef idx="0">
+            <a:schemeClr val="accent1"/>
+          </a:fillRef>
+          <a:effectRef idx="1">
+            <a:schemeClr val="accent1"/>
+          </a:effectRef>
+          <a:fontRef idx="minor">
+            <a:schemeClr val="tx1"/>
+          </a:fontRef>
+        </p:style>
+      </p:cxnSp>
+      <p:cxnSp>
+        <p:nvCxnSpPr>
+          <p:cNvPr id="104" name="Straight Arrow Connector 103">
+            <a:extLst>
+              <a:ext uri="{FF2B5EF4-FFF2-40B4-BE49-F238E27FC236}">
+                <a16:creationId xmlns:a16="http://schemas.microsoft.com/office/drawing/2014/main" id="{7F97EA7A-54C8-4FA2-B92B-AC29B3364677}"/>
+              </a:ext>
+            </a:extLst>
+          </p:cNvPr>
+          <p:cNvCxnSpPr>
+            <a:cxnSpLocks/>
+            <a:stCxn id="88" idx="2"/>
+          </p:cNvCxnSpPr>
+          <p:nvPr/>
+        </p:nvCxnSpPr>
+        <p:spPr>
+          <a:xfrm flipH="1" flipV="1">
+            <a:off x="4927837" y="3126353"/>
+            <a:ext cx="1016823" cy="429887"/>
+          </a:xfrm>
+          <a:prstGeom prst="straightConnector1">
+            <a:avLst/>
+          </a:prstGeom>
+          <a:ln>
+            <a:tailEnd type="triangle"/>
+          </a:ln>
+        </p:spPr>
+        <p:style>
+          <a:lnRef idx="2">
+            <a:schemeClr val="accent1"/>
+          </a:lnRef>
+          <a:fillRef idx="0">
+            <a:schemeClr val="accent1"/>
+          </a:fillRef>
+          <a:effectRef idx="1">
+            <a:schemeClr val="accent1"/>
+          </a:effectRef>
+          <a:fontRef idx="minor">
+            <a:schemeClr val="tx1"/>
+          </a:fontRef>
+        </p:style>
+      </p:cxnSp>
+      <p:cxnSp>
+        <p:nvCxnSpPr>
+          <p:cNvPr id="105" name="Straight Arrow Connector 104">
+            <a:extLst>
+              <a:ext uri="{FF2B5EF4-FFF2-40B4-BE49-F238E27FC236}">
+                <a16:creationId xmlns:a16="http://schemas.microsoft.com/office/drawing/2014/main" id="{954675BE-93BA-46F7-A882-6DB3C9084D19}"/>
+              </a:ext>
+            </a:extLst>
+          </p:cNvPr>
+          <p:cNvCxnSpPr>
+            <a:cxnSpLocks/>
+            <a:stCxn id="94" idx="5"/>
+          </p:cNvCxnSpPr>
+          <p:nvPr/>
+        </p:nvCxnSpPr>
+        <p:spPr>
+          <a:xfrm flipV="1">
+            <a:off x="3039157" y="3139665"/>
+            <a:ext cx="1461250" cy="397526"/>
+          </a:xfrm>
+          <a:prstGeom prst="straightConnector1">
+            <a:avLst/>
+          </a:prstGeom>
+          <a:ln>
+            <a:tailEnd type="triangle"/>
+          </a:ln>
+        </p:spPr>
+        <p:style>
+          <a:lnRef idx="2">
+            <a:schemeClr val="accent1"/>
+          </a:lnRef>
+          <a:fillRef idx="0">
+            <a:schemeClr val="accent1"/>
+          </a:fillRef>
+          <a:effectRef idx="1">
+            <a:schemeClr val="accent1"/>
+          </a:effectRef>
+          <a:fontRef idx="minor">
+            <a:schemeClr val="tx1"/>
+          </a:fontRef>
+        </p:style>
+      </p:cxnSp>
+      <p:cxnSp>
+        <p:nvCxnSpPr>
+          <p:cNvPr id="106" name="Straight Arrow Connector 105">
+            <a:extLst>
+              <a:ext uri="{FF2B5EF4-FFF2-40B4-BE49-F238E27FC236}">
+                <a16:creationId xmlns:a16="http://schemas.microsoft.com/office/drawing/2014/main" id="{9EC9EA44-F8AE-4EE6-999F-709E5F0C8F43}"/>
+              </a:ext>
+            </a:extLst>
+          </p:cNvPr>
+          <p:cNvCxnSpPr>
+            <a:cxnSpLocks/>
+            <a:stCxn id="93" idx="5"/>
+          </p:cNvCxnSpPr>
+          <p:nvPr/>
+        </p:nvCxnSpPr>
+        <p:spPr>
+          <a:xfrm>
+            <a:off x="3039157" y="2970501"/>
+            <a:ext cx="1461250" cy="18288"/>
+          </a:xfrm>
+          <a:prstGeom prst="straightConnector1">
+            <a:avLst/>
+          </a:prstGeom>
+          <a:ln>
+            <a:tailEnd type="triangle"/>
+          </a:ln>
+        </p:spPr>
+        <p:style>
+          <a:lnRef idx="2">
+            <a:schemeClr val="accent1"/>
+          </a:lnRef>
+          <a:fillRef idx="0">
+            <a:schemeClr val="accent1"/>
+          </a:fillRef>
+          <a:effectRef idx="1">
+            <a:schemeClr val="accent1"/>
+          </a:effectRef>
+          <a:fontRef idx="minor">
+            <a:schemeClr val="tx1"/>
+          </a:fontRef>
+        </p:style>
+      </p:cxnSp>
+      <p:cxnSp>
+        <p:nvCxnSpPr>
+          <p:cNvPr id="107" name="Straight Arrow Connector 106">
+            <a:extLst>
+              <a:ext uri="{FF2B5EF4-FFF2-40B4-BE49-F238E27FC236}">
+                <a16:creationId xmlns:a16="http://schemas.microsoft.com/office/drawing/2014/main" id="{8CEC7E73-B95B-4D28-9161-11FA0F810526}"/>
+              </a:ext>
+            </a:extLst>
+          </p:cNvPr>
+          <p:cNvCxnSpPr>
+            <a:cxnSpLocks/>
+            <a:stCxn id="92" idx="5"/>
+          </p:cNvCxnSpPr>
+          <p:nvPr/>
+        </p:nvCxnSpPr>
+        <p:spPr>
+          <a:xfrm>
+            <a:off x="3039157" y="2403502"/>
+            <a:ext cx="1461250" cy="470308"/>
+          </a:xfrm>
+          <a:prstGeom prst="straightConnector1">
+            <a:avLst/>
+          </a:prstGeom>
+          <a:ln>
+            <a:tailEnd type="triangle"/>
+          </a:ln>
+        </p:spPr>
+        <p:style>
+          <a:lnRef idx="2">
+            <a:schemeClr val="accent1"/>
+          </a:lnRef>
+          <a:fillRef idx="0">
+            <a:schemeClr val="accent1"/>
+          </a:fillRef>
+          <a:effectRef idx="1">
+            <a:schemeClr val="accent1"/>
+          </a:effectRef>
+          <a:fontRef idx="minor">
+            <a:schemeClr val="tx1"/>
+          </a:fontRef>
+        </p:style>
+      </p:cxnSp>
+      <p:sp>
+        <p:nvSpPr>
+          <p:cNvPr id="108" name="Isosceles Triangle 107">
+            <a:extLst>
+              <a:ext uri="{FF2B5EF4-FFF2-40B4-BE49-F238E27FC236}">
+                <a16:creationId xmlns:a16="http://schemas.microsoft.com/office/drawing/2014/main" id="{5CFABC3C-571B-478D-8674-CE1B3777E679}"/>
+              </a:ext>
+            </a:extLst>
+          </p:cNvPr>
+          <p:cNvSpPr>
+            <a:spLocks noChangeAspect="1"/>
+          </p:cNvSpPr>
+          <p:nvPr/>
+        </p:nvSpPr>
+        <p:spPr>
+          <a:xfrm>
+            <a:off x="3389637" y="3940457"/>
+            <a:ext cx="392460" cy="338328"/>
+          </a:xfrm>
+          <a:prstGeom prst="triangle">
+            <a:avLst/>
+          </a:prstGeom>
+          <a:solidFill>
+            <a:srgbClr val="00B050"/>
+          </a:solidFill>
+        </p:spPr>
+        <p:style>
+          <a:lnRef idx="1">
+            <a:schemeClr val="accent1"/>
+          </a:lnRef>
+          <a:fillRef idx="3">
+            <a:schemeClr val="accent1"/>
+          </a:fillRef>
+          <a:effectRef idx="2">
+            <a:schemeClr val="accent1"/>
+          </a:effectRef>
+          <a:fontRef idx="minor">
+            <a:schemeClr val="lt1"/>
+          </a:fontRef>
+        </p:style>
+        <p:txBody>
+          <a:bodyPr rtlCol="0" anchor="ctr"/>
+          <a:lstStyle/>
+          <a:p>
+            <a:pPr algn="ctr"/>
+            <a:endParaRPr lang="en-US"/>
+          </a:p>
+        </p:txBody>
+      </p:sp>
+      <p:cxnSp>
+        <p:nvCxnSpPr>
+          <p:cNvPr id="109" name="Straight Arrow Connector 108">
+            <a:extLst>
+              <a:ext uri="{FF2B5EF4-FFF2-40B4-BE49-F238E27FC236}">
+                <a16:creationId xmlns:a16="http://schemas.microsoft.com/office/drawing/2014/main" id="{627D65B8-EE56-4E13-BD36-AE1CA359AA1E}"/>
+              </a:ext>
+            </a:extLst>
+          </p:cNvPr>
+          <p:cNvCxnSpPr>
+            <a:stCxn id="108" idx="5"/>
+          </p:cNvCxnSpPr>
+          <p:nvPr/>
+        </p:nvCxnSpPr>
+        <p:spPr>
+          <a:xfrm flipV="1">
+            <a:off x="3683982" y="3202880"/>
+            <a:ext cx="912865" cy="906741"/>
+          </a:xfrm>
+          <a:prstGeom prst="straightConnector1">
+            <a:avLst/>
+          </a:prstGeom>
+          <a:ln>
+            <a:tailEnd type="triangle"/>
+          </a:ln>
+        </p:spPr>
+        <p:style>
+          <a:lnRef idx="2">
+            <a:schemeClr val="accent1"/>
+          </a:lnRef>
+          <a:fillRef idx="0">
+            <a:schemeClr val="accent1"/>
+          </a:fillRef>
+          <a:effectRef idx="1">
+            <a:schemeClr val="accent1"/>
+          </a:effectRef>
+          <a:fontRef idx="minor">
+            <a:schemeClr val="tx1"/>
+          </a:fontRef>
+        </p:style>
+      </p:cxnSp>
+      <p:cxnSp>
+        <p:nvCxnSpPr>
+          <p:cNvPr id="110" name="Straight Arrow Connector 109">
+            <a:extLst>
+              <a:ext uri="{FF2B5EF4-FFF2-40B4-BE49-F238E27FC236}">
+                <a16:creationId xmlns:a16="http://schemas.microsoft.com/office/drawing/2014/main" id="{C5D46C6A-CBEF-4EA0-ADB3-FEE14F75D09F}"/>
+              </a:ext>
+            </a:extLst>
+          </p:cNvPr>
+          <p:cNvCxnSpPr>
+            <a:cxnSpLocks/>
+            <a:stCxn id="108" idx="0"/>
+          </p:cNvCxnSpPr>
+          <p:nvPr/>
+        </p:nvCxnSpPr>
+        <p:spPr>
+          <a:xfrm flipV="1">
+            <a:off x="3585867" y="1819766"/>
+            <a:ext cx="334783" cy="2120691"/>
+          </a:xfrm>
+          <a:prstGeom prst="straightConnector1">
+            <a:avLst/>
+          </a:prstGeom>
+          <a:ln>
+            <a:tailEnd type="triangle"/>
+          </a:ln>
+        </p:spPr>
+        <p:style>
+          <a:lnRef idx="2">
+            <a:schemeClr val="accent1"/>
+          </a:lnRef>
+          <a:fillRef idx="0">
+            <a:schemeClr val="accent1"/>
+          </a:fillRef>
+          <a:effectRef idx="1">
+            <a:schemeClr val="accent1"/>
+          </a:effectRef>
+          <a:fontRef idx="minor">
+            <a:schemeClr val="tx1"/>
+          </a:fontRef>
+        </p:style>
+      </p:cxnSp>
+      <p:cxnSp>
+        <p:nvCxnSpPr>
+          <p:cNvPr id="111" name="Straight Arrow Connector 110">
+            <a:extLst>
+              <a:ext uri="{FF2B5EF4-FFF2-40B4-BE49-F238E27FC236}">
+                <a16:creationId xmlns:a16="http://schemas.microsoft.com/office/drawing/2014/main" id="{C1E22DDB-303C-43AE-9932-3F0CE757CDC7}"/>
+              </a:ext>
+            </a:extLst>
+          </p:cNvPr>
+          <p:cNvCxnSpPr>
+            <a:stCxn id="108" idx="1"/>
+          </p:cNvCxnSpPr>
+          <p:nvPr/>
+        </p:nvCxnSpPr>
+        <p:spPr>
+          <a:xfrm flipH="1" flipV="1">
+            <a:off x="3137272" y="3772115"/>
+            <a:ext cx="350480" cy="337506"/>
+          </a:xfrm>
+          <a:prstGeom prst="straightConnector1">
+            <a:avLst/>
+          </a:prstGeom>
+          <a:ln>
+            <a:tailEnd type="triangle"/>
+          </a:ln>
+        </p:spPr>
+        <p:style>
+          <a:lnRef idx="2">
+            <a:schemeClr val="accent1"/>
+          </a:lnRef>
+          <a:fillRef idx="0">
+            <a:schemeClr val="accent1"/>
+          </a:fillRef>
+          <a:effectRef idx="1">
+            <a:schemeClr val="accent1"/>
+          </a:effectRef>
+          <a:fontRef idx="minor">
+            <a:schemeClr val="tx1"/>
+          </a:fontRef>
+        </p:style>
+      </p:cxnSp>
+      <p:sp>
+        <p:nvSpPr>
+          <p:cNvPr id="112" name="TextBox 111">
+            <a:extLst>
+              <a:ext uri="{FF2B5EF4-FFF2-40B4-BE49-F238E27FC236}">
+                <a16:creationId xmlns:a16="http://schemas.microsoft.com/office/drawing/2014/main" id="{FEA917A8-C900-40AE-86A8-5A77B2056774}"/>
+              </a:ext>
+            </a:extLst>
+          </p:cNvPr>
+          <p:cNvSpPr txBox="1"/>
+          <p:nvPr/>
+        </p:nvSpPr>
+        <p:spPr>
+          <a:xfrm>
+            <a:off x="804154" y="2218836"/>
+            <a:ext cx="1005017" cy="369332"/>
+          </a:xfrm>
+          <a:prstGeom prst="rect">
+            <a:avLst/>
+          </a:prstGeom>
+          <a:noFill/>
+        </p:spPr>
+        <p:txBody>
+          <a:bodyPr wrap="square" rtlCol="0">
+            <a:spAutoFit/>
+          </a:bodyPr>
+          <a:lstStyle/>
+          <a:p>
+            <a:r>
+              <a:rPr lang="en-US" dirty="0" err="1"/>
+              <a:t>BlueCat</a:t>
+            </a:r>
+            <a:endParaRPr lang="en-US" dirty="0"/>
+          </a:p>
+        </p:txBody>
+      </p:sp>
+      <p:sp>
+        <p:nvSpPr>
+          <p:cNvPr id="113" name="TextBox 112">
+            <a:extLst>
+              <a:ext uri="{FF2B5EF4-FFF2-40B4-BE49-F238E27FC236}">
+                <a16:creationId xmlns:a16="http://schemas.microsoft.com/office/drawing/2014/main" id="{42FD4747-5FD4-4C4B-AF5A-E9930DC2976C}"/>
+              </a:ext>
+            </a:extLst>
+          </p:cNvPr>
+          <p:cNvSpPr txBox="1"/>
+          <p:nvPr/>
+        </p:nvSpPr>
+        <p:spPr>
+          <a:xfrm>
+            <a:off x="804153" y="2770783"/>
+            <a:ext cx="1005017" cy="369332"/>
+          </a:xfrm>
+          <a:prstGeom prst="rect">
+            <a:avLst/>
+          </a:prstGeom>
+          <a:noFill/>
+        </p:spPr>
+        <p:txBody>
+          <a:bodyPr wrap="square" rtlCol="0">
+            <a:spAutoFit/>
+          </a:bodyPr>
+          <a:lstStyle/>
+          <a:p>
+            <a:r>
+              <a:rPr lang="en-US" dirty="0"/>
+              <a:t>CUCM</a:t>
+            </a:r>
+          </a:p>
+        </p:txBody>
+      </p:sp>
+      <p:sp>
+        <p:nvSpPr>
+          <p:cNvPr id="114" name="TextBox 113">
+            <a:extLst>
+              <a:ext uri="{FF2B5EF4-FFF2-40B4-BE49-F238E27FC236}">
+                <a16:creationId xmlns:a16="http://schemas.microsoft.com/office/drawing/2014/main" id="{888B21C7-A9C3-4623-874A-0933A0A5CADD}"/>
+              </a:ext>
+            </a:extLst>
+          </p:cNvPr>
+          <p:cNvSpPr txBox="1"/>
+          <p:nvPr/>
+        </p:nvSpPr>
+        <p:spPr>
+          <a:xfrm>
+            <a:off x="804154" y="3352525"/>
+            <a:ext cx="1125908" cy="369332"/>
+          </a:xfrm>
+          <a:prstGeom prst="rect">
+            <a:avLst/>
+          </a:prstGeom>
+          <a:noFill/>
+        </p:spPr>
+        <p:txBody>
+          <a:bodyPr wrap="square" rtlCol="0">
+            <a:spAutoFit/>
+          </a:bodyPr>
+          <a:lstStyle/>
+          <a:p>
+            <a:r>
+              <a:rPr lang="en-US" dirty="0"/>
+              <a:t>NetScaler</a:t>
+            </a:r>
+          </a:p>
+        </p:txBody>
+      </p:sp>
+      <p:sp>
+        <p:nvSpPr>
+          <p:cNvPr id="115" name="TextBox 114">
+            <a:extLst>
+              <a:ext uri="{FF2B5EF4-FFF2-40B4-BE49-F238E27FC236}">
+                <a16:creationId xmlns:a16="http://schemas.microsoft.com/office/drawing/2014/main" id="{0F34EE19-3AB8-4E6D-BC71-E61FBFED1F4F}"/>
+              </a:ext>
+            </a:extLst>
+          </p:cNvPr>
+          <p:cNvSpPr txBox="1"/>
+          <p:nvPr/>
+        </p:nvSpPr>
+        <p:spPr>
+          <a:xfrm>
+            <a:off x="3181473" y="4328221"/>
+            <a:ext cx="1005017" cy="369332"/>
+          </a:xfrm>
+          <a:prstGeom prst="rect">
+            <a:avLst/>
+          </a:prstGeom>
+          <a:noFill/>
+        </p:spPr>
+        <p:txBody>
+          <a:bodyPr wrap="square" rtlCol="0">
+            <a:spAutoFit/>
+          </a:bodyPr>
+          <a:lstStyle/>
+          <a:p>
+            <a:r>
+              <a:rPr lang="en-US" dirty="0"/>
+              <a:t>Logger</a:t>
+            </a:r>
+          </a:p>
+        </p:txBody>
+      </p:sp>
+      <p:sp>
+        <p:nvSpPr>
+          <p:cNvPr id="116" name="TextBox 115">
+            <a:extLst>
+              <a:ext uri="{FF2B5EF4-FFF2-40B4-BE49-F238E27FC236}">
+                <a16:creationId xmlns:a16="http://schemas.microsoft.com/office/drawing/2014/main" id="{57D7AC2B-434B-4AB4-BAD3-610CE34013CD}"/>
+              </a:ext>
+            </a:extLst>
+          </p:cNvPr>
+          <p:cNvSpPr txBox="1"/>
+          <p:nvPr/>
+        </p:nvSpPr>
+        <p:spPr>
+          <a:xfrm>
+            <a:off x="6245040" y="2186527"/>
+            <a:ext cx="1330728" cy="369332"/>
+          </a:xfrm>
+          <a:prstGeom prst="rect">
+            <a:avLst/>
+          </a:prstGeom>
+          <a:noFill/>
+        </p:spPr>
+        <p:txBody>
+          <a:bodyPr wrap="square" rtlCol="0">
+            <a:spAutoFit/>
+          </a:bodyPr>
+          <a:lstStyle/>
+          <a:p>
+            <a:r>
+              <a:rPr lang="en-US" dirty="0"/>
+              <a:t>Web Client</a:t>
+            </a:r>
+          </a:p>
+        </p:txBody>
+      </p:sp>
+      <p:sp>
+        <p:nvSpPr>
+          <p:cNvPr id="117" name="TextBox 116">
+            <a:extLst>
+              <a:ext uri="{FF2B5EF4-FFF2-40B4-BE49-F238E27FC236}">
+                <a16:creationId xmlns:a16="http://schemas.microsoft.com/office/drawing/2014/main" id="{2A61EAC2-3E60-4E17-9FFF-FF81A8D6E1FD}"/>
+              </a:ext>
+            </a:extLst>
+          </p:cNvPr>
+          <p:cNvSpPr txBox="1"/>
+          <p:nvPr/>
+        </p:nvSpPr>
+        <p:spPr>
+          <a:xfrm>
+            <a:off x="6240871" y="3385430"/>
+            <a:ext cx="1330728" cy="369332"/>
+          </a:xfrm>
+          <a:prstGeom prst="rect">
+            <a:avLst/>
+          </a:prstGeom>
+          <a:noFill/>
+        </p:spPr>
+        <p:txBody>
+          <a:bodyPr wrap="square" rtlCol="0">
+            <a:spAutoFit/>
+          </a:bodyPr>
+          <a:lstStyle/>
+          <a:p>
+            <a:r>
+              <a:rPr lang="en-US" dirty="0"/>
+              <a:t>PowerShell</a:t>
+            </a:r>
+          </a:p>
+        </p:txBody>
+      </p:sp>
+      <p:sp>
+        <p:nvSpPr>
+          <p:cNvPr id="118" name="Oval 117">
+            <a:extLst>
+              <a:ext uri="{FF2B5EF4-FFF2-40B4-BE49-F238E27FC236}">
+                <a16:creationId xmlns:a16="http://schemas.microsoft.com/office/drawing/2014/main" id="{97BE3EE7-7B70-48D1-B7D8-B5550D45ADE9}"/>
+              </a:ext>
+            </a:extLst>
+          </p:cNvPr>
+          <p:cNvSpPr>
+            <a:spLocks noChangeAspect="1"/>
+          </p:cNvSpPr>
+          <p:nvPr/>
+        </p:nvSpPr>
+        <p:spPr>
+          <a:xfrm>
+            <a:off x="5942666" y="2824601"/>
+            <a:ext cx="301752" cy="301752"/>
+          </a:xfrm>
+          <a:prstGeom prst="ellipse">
+            <a:avLst/>
+          </a:prstGeom>
+          <a:solidFill>
+            <a:schemeClr val="bg1">
+              <a:lumMod val="65000"/>
+            </a:schemeClr>
+          </a:solidFill>
+        </p:spPr>
+        <p:style>
+          <a:lnRef idx="1">
+            <a:schemeClr val="accent1"/>
+          </a:lnRef>
+          <a:fillRef idx="3">
+            <a:schemeClr val="accent1"/>
+          </a:fillRef>
+          <a:effectRef idx="2">
+            <a:schemeClr val="accent1"/>
+          </a:effectRef>
+          <a:fontRef idx="minor">
+            <a:schemeClr val="lt1"/>
+          </a:fontRef>
+        </p:style>
+        <p:txBody>
+          <a:bodyPr rtlCol="0" anchor="ctr"/>
+          <a:lstStyle/>
+          <a:p>
+            <a:pPr algn="ctr"/>
+            <a:endParaRPr lang="en-US" dirty="0"/>
+          </a:p>
+        </p:txBody>
+      </p:sp>
+      <p:sp>
+        <p:nvSpPr>
+          <p:cNvPr id="119" name="TextBox 118">
+            <a:extLst>
+              <a:ext uri="{FF2B5EF4-FFF2-40B4-BE49-F238E27FC236}">
+                <a16:creationId xmlns:a16="http://schemas.microsoft.com/office/drawing/2014/main" id="{985FB824-1354-4CB5-AC45-F0F2837ADC62}"/>
+              </a:ext>
+            </a:extLst>
+          </p:cNvPr>
+          <p:cNvSpPr txBox="1"/>
+          <p:nvPr/>
+        </p:nvSpPr>
+        <p:spPr>
+          <a:xfrm>
+            <a:off x="6250662" y="2785835"/>
+            <a:ext cx="919205" cy="369332"/>
+          </a:xfrm>
+          <a:prstGeom prst="rect">
+            <a:avLst/>
+          </a:prstGeom>
+          <a:noFill/>
+        </p:spPr>
+        <p:txBody>
+          <a:bodyPr wrap="square" rtlCol="0">
+            <a:spAutoFit/>
+          </a:bodyPr>
+          <a:lstStyle/>
+          <a:p>
+            <a:pPr algn="ctr"/>
+            <a:r>
+              <a:rPr lang="en-US" dirty="0"/>
+              <a:t>Ansible</a:t>
+            </a:r>
+          </a:p>
+        </p:txBody>
+      </p:sp>
+      <p:cxnSp>
+        <p:nvCxnSpPr>
+          <p:cNvPr id="120" name="Straight Arrow Connector 119">
+            <a:extLst>
+              <a:ext uri="{FF2B5EF4-FFF2-40B4-BE49-F238E27FC236}">
+                <a16:creationId xmlns:a16="http://schemas.microsoft.com/office/drawing/2014/main" id="{626E73D7-E5BE-4243-A93C-BEEA27DC745B}"/>
+              </a:ext>
+            </a:extLst>
+          </p:cNvPr>
+          <p:cNvCxnSpPr>
+            <a:cxnSpLocks/>
+            <a:stCxn id="118" idx="2"/>
+          </p:cNvCxnSpPr>
+          <p:nvPr/>
+        </p:nvCxnSpPr>
+        <p:spPr>
+          <a:xfrm flipH="1">
+            <a:off x="4902358" y="2975477"/>
+            <a:ext cx="1040308" cy="1980"/>
+          </a:xfrm>
+          <a:prstGeom prst="straightConnector1">
+            <a:avLst/>
+          </a:prstGeom>
+          <a:ln>
+            <a:tailEnd type="triangle"/>
+          </a:ln>
+        </p:spPr>
+        <p:style>
+          <a:lnRef idx="2">
+            <a:schemeClr val="accent1"/>
+          </a:lnRef>
+          <a:fillRef idx="0">
+            <a:schemeClr val="accent1"/>
+          </a:fillRef>
+          <a:effectRef idx="1">
+            <a:schemeClr val="accent1"/>
+          </a:effectRef>
+          <a:fontRef idx="minor">
+            <a:schemeClr val="tx1"/>
+          </a:fontRef>
+        </p:style>
+      </p:cxnSp>
     </p:spTree>
     <p:extLst>
       <p:ext uri="{BB962C8B-B14F-4D97-AF65-F5344CB8AC3E}">
@@ -19166,108 +20319,6 @@
       </p:sp>
       <p:sp>
         <p:nvSpPr>
-          <p:cNvPr id="36" name="Oval 35">
-            <a:extLst>
-              <a:ext uri="{FF2B5EF4-FFF2-40B4-BE49-F238E27FC236}">
-                <a16:creationId xmlns:a16="http://schemas.microsoft.com/office/drawing/2014/main" id="{790EDA5C-C5CD-4B99-A052-25BF07D35D6E}"/>
-              </a:ext>
-            </a:extLst>
-          </p:cNvPr>
-          <p:cNvSpPr>
-            <a:spLocks noChangeAspect="1"/>
-          </p:cNvSpPr>
-          <p:nvPr/>
-        </p:nvSpPr>
-        <p:spPr>
-          <a:xfrm>
-            <a:off x="6311391" y="3103612"/>
-            <a:ext cx="301752" cy="301752"/>
-          </a:xfrm>
-          <a:prstGeom prst="ellipse">
-            <a:avLst/>
-          </a:prstGeom>
-          <a:solidFill>
-            <a:schemeClr val="bg1">
-              <a:lumMod val="65000"/>
-            </a:schemeClr>
-          </a:solidFill>
-        </p:spPr>
-        <p:style>
-          <a:lnRef idx="1">
-            <a:schemeClr val="accent1"/>
-          </a:lnRef>
-          <a:fillRef idx="3">
-            <a:schemeClr val="accent1"/>
-          </a:fillRef>
-          <a:effectRef idx="2">
-            <a:schemeClr val="accent1"/>
-          </a:effectRef>
-          <a:fontRef idx="minor">
-            <a:schemeClr val="lt1"/>
-          </a:fontRef>
-        </p:style>
-        <p:txBody>
-          <a:bodyPr rtlCol="0" anchor="ctr"/>
-          <a:lstStyle/>
-          <a:p>
-            <a:pPr algn="ctr"/>
-            <a:endParaRPr lang="en-US"/>
-          </a:p>
-        </p:txBody>
-      </p:sp>
-      <p:sp>
-        <p:nvSpPr>
-          <p:cNvPr id="37" name="Oval 36">
-            <a:extLst>
-              <a:ext uri="{FF2B5EF4-FFF2-40B4-BE49-F238E27FC236}">
-                <a16:creationId xmlns:a16="http://schemas.microsoft.com/office/drawing/2014/main" id="{04B01A8E-DDC8-4BEA-ADE1-FAF83B997679}"/>
-              </a:ext>
-            </a:extLst>
-          </p:cNvPr>
-          <p:cNvSpPr>
-            <a:spLocks noChangeAspect="1"/>
-          </p:cNvSpPr>
-          <p:nvPr/>
-        </p:nvSpPr>
-        <p:spPr>
-          <a:xfrm>
-            <a:off x="6311391" y="2499585"/>
-            <a:ext cx="301752" cy="301752"/>
-          </a:xfrm>
-          <a:prstGeom prst="ellipse">
-            <a:avLst/>
-          </a:prstGeom>
-          <a:solidFill>
-            <a:schemeClr val="bg1">
-              <a:lumMod val="65000"/>
-            </a:schemeClr>
-          </a:solidFill>
-        </p:spPr>
-        <p:style>
-          <a:lnRef idx="1">
-            <a:schemeClr val="accent1"/>
-          </a:lnRef>
-          <a:fillRef idx="3">
-            <a:schemeClr val="accent1"/>
-          </a:fillRef>
-          <a:effectRef idx="2">
-            <a:schemeClr val="accent1"/>
-          </a:effectRef>
-          <a:fontRef idx="minor">
-            <a:schemeClr val="lt1"/>
-          </a:fontRef>
-        </p:style>
-        <p:txBody>
-          <a:bodyPr rtlCol="0" anchor="ctr"/>
-          <a:lstStyle/>
-          <a:p>
-            <a:pPr algn="ctr"/>
-            <a:endParaRPr lang="en-US"/>
-          </a:p>
-        </p:txBody>
-      </p:sp>
-      <p:sp>
-        <p:nvSpPr>
           <p:cNvPr id="45" name="Flowchart: Collate 44">
             <a:extLst>
               <a:ext uri="{FF2B5EF4-FFF2-40B4-BE49-F238E27FC236}">
@@ -19868,88 +20919,6 @@
       </p:cxnSp>
       <p:cxnSp>
         <p:nvCxnSpPr>
-          <p:cNvPr id="68" name="Straight Arrow Connector 67">
-            <a:extLst>
-              <a:ext uri="{FF2B5EF4-FFF2-40B4-BE49-F238E27FC236}">
-                <a16:creationId xmlns:a16="http://schemas.microsoft.com/office/drawing/2014/main" id="{D1D817C1-EC51-46D3-A02D-3120C513DD99}"/>
-              </a:ext>
-            </a:extLst>
-          </p:cNvPr>
-          <p:cNvCxnSpPr>
-            <a:stCxn id="37" idx="2"/>
-          </p:cNvCxnSpPr>
-          <p:nvPr/>
-        </p:nvCxnSpPr>
-        <p:spPr>
-          <a:xfrm flipH="1">
-            <a:off x="4901036" y="2650461"/>
-            <a:ext cx="1410355" cy="320040"/>
-          </a:xfrm>
-          <a:prstGeom prst="straightConnector1">
-            <a:avLst/>
-          </a:prstGeom>
-          <a:ln>
-            <a:tailEnd type="triangle"/>
-          </a:ln>
-        </p:spPr>
-        <p:style>
-          <a:lnRef idx="2">
-            <a:schemeClr val="accent1"/>
-          </a:lnRef>
-          <a:fillRef idx="0">
-            <a:schemeClr val="accent1"/>
-          </a:fillRef>
-          <a:effectRef idx="1">
-            <a:schemeClr val="accent1"/>
-          </a:effectRef>
-          <a:fontRef idx="minor">
-            <a:schemeClr val="tx1"/>
-          </a:fontRef>
-        </p:style>
-      </p:cxnSp>
-      <p:cxnSp>
-        <p:nvCxnSpPr>
-          <p:cNvPr id="70" name="Straight Arrow Connector 69">
-            <a:extLst>
-              <a:ext uri="{FF2B5EF4-FFF2-40B4-BE49-F238E27FC236}">
-                <a16:creationId xmlns:a16="http://schemas.microsoft.com/office/drawing/2014/main" id="{8A8A205E-CE51-4921-B178-452F557B1997}"/>
-              </a:ext>
-            </a:extLst>
-          </p:cNvPr>
-          <p:cNvCxnSpPr>
-            <a:stCxn id="36" idx="2"/>
-          </p:cNvCxnSpPr>
-          <p:nvPr/>
-        </p:nvCxnSpPr>
-        <p:spPr>
-          <a:xfrm flipH="1" flipV="1">
-            <a:off x="4925667" y="3072551"/>
-            <a:ext cx="1385724" cy="181937"/>
-          </a:xfrm>
-          <a:prstGeom prst="straightConnector1">
-            <a:avLst/>
-          </a:prstGeom>
-          <a:ln>
-            <a:tailEnd type="triangle"/>
-          </a:ln>
-        </p:spPr>
-        <p:style>
-          <a:lnRef idx="2">
-            <a:schemeClr val="accent1"/>
-          </a:lnRef>
-          <a:fillRef idx="0">
-            <a:schemeClr val="accent1"/>
-          </a:fillRef>
-          <a:effectRef idx="1">
-            <a:schemeClr val="accent1"/>
-          </a:effectRef>
-          <a:fontRef idx="minor">
-            <a:schemeClr val="tx1"/>
-          </a:fontRef>
-        </p:style>
-      </p:cxnSp>
-      <p:cxnSp>
-        <p:nvCxnSpPr>
           <p:cNvPr id="74" name="Straight Arrow Connector 73">
             <a:extLst>
               <a:ext uri="{FF2B5EF4-FFF2-40B4-BE49-F238E27FC236}">
@@ -20390,10 +21359,196 @@
       </p:sp>
       <p:sp>
         <p:nvSpPr>
-          <p:cNvPr id="43" name="TextBox 42">
+          <p:cNvPr id="55" name="Oval 54">
             <a:extLst>
               <a:ext uri="{FF2B5EF4-FFF2-40B4-BE49-F238E27FC236}">
-                <a16:creationId xmlns:a16="http://schemas.microsoft.com/office/drawing/2014/main" id="{48F4FE4B-352F-4038-B376-987915DC041E}"/>
+                <a16:creationId xmlns:a16="http://schemas.microsoft.com/office/drawing/2014/main" id="{16A9C43B-488A-48D7-B45C-FD9214D65949}"/>
+              </a:ext>
+            </a:extLst>
+          </p:cNvPr>
+          <p:cNvSpPr>
+            <a:spLocks noChangeAspect="1"/>
+          </p:cNvSpPr>
+          <p:nvPr/>
+        </p:nvSpPr>
+        <p:spPr>
+          <a:xfrm>
+            <a:off x="5944660" y="3405364"/>
+            <a:ext cx="301752" cy="301752"/>
+          </a:xfrm>
+          <a:prstGeom prst="ellipse">
+            <a:avLst/>
+          </a:prstGeom>
+          <a:solidFill>
+            <a:schemeClr val="bg1">
+              <a:lumMod val="65000"/>
+            </a:schemeClr>
+          </a:solidFill>
+        </p:spPr>
+        <p:style>
+          <a:lnRef idx="1">
+            <a:schemeClr val="accent1"/>
+          </a:lnRef>
+          <a:fillRef idx="3">
+            <a:schemeClr val="accent1"/>
+          </a:fillRef>
+          <a:effectRef idx="2">
+            <a:schemeClr val="accent1"/>
+          </a:effectRef>
+          <a:fontRef idx="minor">
+            <a:schemeClr val="lt1"/>
+          </a:fontRef>
+        </p:style>
+        <p:txBody>
+          <a:bodyPr rtlCol="0" anchor="ctr"/>
+          <a:lstStyle/>
+          <a:p>
+            <a:pPr algn="ctr"/>
+            <a:endParaRPr lang="en-US"/>
+          </a:p>
+        </p:txBody>
+      </p:sp>
+      <p:sp>
+        <p:nvSpPr>
+          <p:cNvPr id="57" name="Oval 56">
+            <a:extLst>
+              <a:ext uri="{FF2B5EF4-FFF2-40B4-BE49-F238E27FC236}">
+                <a16:creationId xmlns:a16="http://schemas.microsoft.com/office/drawing/2014/main" id="{375F0C27-BC97-40E0-B675-6CEBB9BC1F49}"/>
+              </a:ext>
+            </a:extLst>
+          </p:cNvPr>
+          <p:cNvSpPr>
+            <a:spLocks noChangeAspect="1"/>
+          </p:cNvSpPr>
+          <p:nvPr/>
+        </p:nvSpPr>
+        <p:spPr>
+          <a:xfrm>
+            <a:off x="5944660" y="2217419"/>
+            <a:ext cx="301752" cy="301752"/>
+          </a:xfrm>
+          <a:prstGeom prst="ellipse">
+            <a:avLst/>
+          </a:prstGeom>
+          <a:solidFill>
+            <a:schemeClr val="bg1">
+              <a:lumMod val="65000"/>
+            </a:schemeClr>
+          </a:solidFill>
+        </p:spPr>
+        <p:style>
+          <a:lnRef idx="1">
+            <a:schemeClr val="accent1"/>
+          </a:lnRef>
+          <a:fillRef idx="3">
+            <a:schemeClr val="accent1"/>
+          </a:fillRef>
+          <a:effectRef idx="2">
+            <a:schemeClr val="accent1"/>
+          </a:effectRef>
+          <a:fontRef idx="minor">
+            <a:schemeClr val="lt1"/>
+          </a:fontRef>
+        </p:style>
+        <p:txBody>
+          <a:bodyPr rtlCol="0" anchor="ctr"/>
+          <a:lstStyle/>
+          <a:p>
+            <a:pPr algn="ctr"/>
+            <a:endParaRPr lang="en-US"/>
+          </a:p>
+        </p:txBody>
+      </p:sp>
+      <p:cxnSp>
+        <p:nvCxnSpPr>
+          <p:cNvPr id="59" name="Straight Arrow Connector 58">
+            <a:extLst>
+              <a:ext uri="{FF2B5EF4-FFF2-40B4-BE49-F238E27FC236}">
+                <a16:creationId xmlns:a16="http://schemas.microsoft.com/office/drawing/2014/main" id="{0F49800D-5BAF-4899-8FCA-4702F31B3568}"/>
+              </a:ext>
+            </a:extLst>
+          </p:cNvPr>
+          <p:cNvCxnSpPr>
+            <a:cxnSpLocks/>
+            <a:stCxn id="57" idx="2"/>
+          </p:cNvCxnSpPr>
+          <p:nvPr/>
+        </p:nvCxnSpPr>
+        <p:spPr>
+          <a:xfrm flipH="1">
+            <a:off x="4902358" y="2368295"/>
+            <a:ext cx="1042302" cy="469617"/>
+          </a:xfrm>
+          <a:prstGeom prst="straightConnector1">
+            <a:avLst/>
+          </a:prstGeom>
+          <a:ln>
+            <a:tailEnd type="triangle"/>
+          </a:ln>
+        </p:spPr>
+        <p:style>
+          <a:lnRef idx="2">
+            <a:schemeClr val="accent1"/>
+          </a:lnRef>
+          <a:fillRef idx="0">
+            <a:schemeClr val="accent1"/>
+          </a:fillRef>
+          <a:effectRef idx="1">
+            <a:schemeClr val="accent1"/>
+          </a:effectRef>
+          <a:fontRef idx="minor">
+            <a:schemeClr val="tx1"/>
+          </a:fontRef>
+        </p:style>
+      </p:cxnSp>
+      <p:cxnSp>
+        <p:nvCxnSpPr>
+          <p:cNvPr id="60" name="Straight Arrow Connector 59">
+            <a:extLst>
+              <a:ext uri="{FF2B5EF4-FFF2-40B4-BE49-F238E27FC236}">
+                <a16:creationId xmlns:a16="http://schemas.microsoft.com/office/drawing/2014/main" id="{F4E4BC24-49D5-4102-8D7A-3D8629319EA2}"/>
+              </a:ext>
+            </a:extLst>
+          </p:cNvPr>
+          <p:cNvCxnSpPr>
+            <a:cxnSpLocks/>
+            <a:stCxn id="55" idx="2"/>
+          </p:cNvCxnSpPr>
+          <p:nvPr/>
+        </p:nvCxnSpPr>
+        <p:spPr>
+          <a:xfrm flipH="1" flipV="1">
+            <a:off x="4927837" y="3126353"/>
+            <a:ext cx="1016823" cy="429887"/>
+          </a:xfrm>
+          <a:prstGeom prst="straightConnector1">
+            <a:avLst/>
+          </a:prstGeom>
+          <a:ln>
+            <a:tailEnd type="triangle"/>
+          </a:ln>
+        </p:spPr>
+        <p:style>
+          <a:lnRef idx="2">
+            <a:schemeClr val="accent1"/>
+          </a:lnRef>
+          <a:fillRef idx="0">
+            <a:schemeClr val="accent1"/>
+          </a:fillRef>
+          <a:effectRef idx="1">
+            <a:schemeClr val="accent1"/>
+          </a:effectRef>
+          <a:fontRef idx="minor">
+            <a:schemeClr val="tx1"/>
+          </a:fontRef>
+        </p:style>
+      </p:cxnSp>
+      <p:sp>
+        <p:nvSpPr>
+          <p:cNvPr id="61" name="TextBox 60">
+            <a:extLst>
+              <a:ext uri="{FF2B5EF4-FFF2-40B4-BE49-F238E27FC236}">
+                <a16:creationId xmlns:a16="http://schemas.microsoft.com/office/drawing/2014/main" id="{D4674935-0955-4DB9-A775-6F663BD1A511}"/>
               </a:ext>
             </a:extLst>
           </p:cNvPr>
@@ -20402,7 +21557,7 @@
         </p:nvSpPr>
         <p:spPr>
           <a:xfrm>
-            <a:off x="5796903" y="2114723"/>
+            <a:off x="6245040" y="2186527"/>
             <a:ext cx="1330728" cy="369332"/>
           </a:xfrm>
           <a:prstGeom prst="rect">
@@ -20425,10 +21580,10 @@
       </p:sp>
       <p:sp>
         <p:nvSpPr>
-          <p:cNvPr id="44" name="TextBox 43">
+          <p:cNvPr id="62" name="TextBox 61">
             <a:extLst>
               <a:ext uri="{FF2B5EF4-FFF2-40B4-BE49-F238E27FC236}">
-                <a16:creationId xmlns:a16="http://schemas.microsoft.com/office/drawing/2014/main" id="{04B4A27B-0C34-4AB2-86C5-4A125F75EBF6}"/>
+                <a16:creationId xmlns:a16="http://schemas.microsoft.com/office/drawing/2014/main" id="{B0CE0577-2A02-495A-93C8-5EB5594AC2C8}"/>
               </a:ext>
             </a:extLst>
           </p:cNvPr>
@@ -20437,7 +21592,7 @@
         </p:nvSpPr>
         <p:spPr>
           <a:xfrm>
-            <a:off x="5796903" y="3471584"/>
+            <a:off x="6240871" y="3385430"/>
             <a:ext cx="1330728" cy="369332"/>
           </a:xfrm>
           <a:prstGeom prst="rect">
@@ -20458,6 +21613,135 @@
           </a:p>
         </p:txBody>
       </p:sp>
+      <p:sp>
+        <p:nvSpPr>
+          <p:cNvPr id="64" name="Oval 63">
+            <a:extLst>
+              <a:ext uri="{FF2B5EF4-FFF2-40B4-BE49-F238E27FC236}">
+                <a16:creationId xmlns:a16="http://schemas.microsoft.com/office/drawing/2014/main" id="{01964168-4C5D-4136-8466-679168952D3D}"/>
+              </a:ext>
+            </a:extLst>
+          </p:cNvPr>
+          <p:cNvSpPr>
+            <a:spLocks noChangeAspect="1"/>
+          </p:cNvSpPr>
+          <p:nvPr/>
+        </p:nvSpPr>
+        <p:spPr>
+          <a:xfrm>
+            <a:off x="5942666" y="2824601"/>
+            <a:ext cx="301752" cy="301752"/>
+          </a:xfrm>
+          <a:prstGeom prst="ellipse">
+            <a:avLst/>
+          </a:prstGeom>
+          <a:solidFill>
+            <a:schemeClr val="bg1">
+              <a:lumMod val="65000"/>
+            </a:schemeClr>
+          </a:solidFill>
+        </p:spPr>
+        <p:style>
+          <a:lnRef idx="1">
+            <a:schemeClr val="accent1"/>
+          </a:lnRef>
+          <a:fillRef idx="3">
+            <a:schemeClr val="accent1"/>
+          </a:fillRef>
+          <a:effectRef idx="2">
+            <a:schemeClr val="accent1"/>
+          </a:effectRef>
+          <a:fontRef idx="minor">
+            <a:schemeClr val="lt1"/>
+          </a:fontRef>
+        </p:style>
+        <p:txBody>
+          <a:bodyPr rtlCol="0" anchor="ctr"/>
+          <a:lstStyle/>
+          <a:p>
+            <a:pPr algn="ctr"/>
+            <a:endParaRPr lang="en-US" dirty="0"/>
+          </a:p>
+        </p:txBody>
+      </p:sp>
+      <p:sp>
+        <p:nvSpPr>
+          <p:cNvPr id="65" name="TextBox 64">
+            <a:extLst>
+              <a:ext uri="{FF2B5EF4-FFF2-40B4-BE49-F238E27FC236}">
+                <a16:creationId xmlns:a16="http://schemas.microsoft.com/office/drawing/2014/main" id="{AF1E8522-2CA0-414F-B93C-70C3335D5177}"/>
+              </a:ext>
+            </a:extLst>
+          </p:cNvPr>
+          <p:cNvSpPr txBox="1"/>
+          <p:nvPr/>
+        </p:nvSpPr>
+        <p:spPr>
+          <a:xfrm>
+            <a:off x="6250662" y="2785835"/>
+            <a:ext cx="919205" cy="369332"/>
+          </a:xfrm>
+          <a:prstGeom prst="rect">
+            <a:avLst/>
+          </a:prstGeom>
+          <a:noFill/>
+        </p:spPr>
+        <p:txBody>
+          <a:bodyPr wrap="square" rtlCol="0">
+            <a:spAutoFit/>
+          </a:bodyPr>
+          <a:lstStyle/>
+          <a:p>
+            <a:pPr algn="ctr"/>
+            <a:r>
+              <a:rPr lang="en-US" dirty="0"/>
+              <a:t>Ansible</a:t>
+            </a:r>
+          </a:p>
+        </p:txBody>
+      </p:sp>
+      <p:cxnSp>
+        <p:nvCxnSpPr>
+          <p:cNvPr id="66" name="Straight Arrow Connector 65">
+            <a:extLst>
+              <a:ext uri="{FF2B5EF4-FFF2-40B4-BE49-F238E27FC236}">
+                <a16:creationId xmlns:a16="http://schemas.microsoft.com/office/drawing/2014/main" id="{55BC4652-41E9-47BB-8833-AD2A2DE8CE0F}"/>
+              </a:ext>
+            </a:extLst>
+          </p:cNvPr>
+          <p:cNvCxnSpPr>
+            <a:cxnSpLocks/>
+            <a:stCxn id="64" idx="2"/>
+          </p:cNvCxnSpPr>
+          <p:nvPr/>
+        </p:nvCxnSpPr>
+        <p:spPr>
+          <a:xfrm flipH="1">
+            <a:off x="4902358" y="2975477"/>
+            <a:ext cx="1040308" cy="1980"/>
+          </a:xfrm>
+          <a:prstGeom prst="straightConnector1">
+            <a:avLst/>
+          </a:prstGeom>
+          <a:ln>
+            <a:tailEnd type="triangle"/>
+          </a:ln>
+        </p:spPr>
+        <p:style>
+          <a:lnRef idx="2">
+            <a:schemeClr val="accent1"/>
+          </a:lnRef>
+          <a:fillRef idx="0">
+            <a:schemeClr val="accent1"/>
+          </a:fillRef>
+          <a:effectRef idx="1">
+            <a:schemeClr val="accent1"/>
+          </a:effectRef>
+          <a:fontRef idx="minor">
+            <a:schemeClr val="tx1"/>
+          </a:fontRef>
+        </p:style>
+      </p:cxnSp>
     </p:spTree>
     <p:extLst>
       <p:ext uri="{BB962C8B-B14F-4D97-AF65-F5344CB8AC3E}">
@@ -21006,108 +22290,6 @@
       </p:sp>
       <p:sp>
         <p:nvSpPr>
-          <p:cNvPr id="36" name="Oval 35">
-            <a:extLst>
-              <a:ext uri="{FF2B5EF4-FFF2-40B4-BE49-F238E27FC236}">
-                <a16:creationId xmlns:a16="http://schemas.microsoft.com/office/drawing/2014/main" id="{790EDA5C-C5CD-4B99-A052-25BF07D35D6E}"/>
-              </a:ext>
-            </a:extLst>
-          </p:cNvPr>
-          <p:cNvSpPr>
-            <a:spLocks noChangeAspect="1"/>
-          </p:cNvSpPr>
-          <p:nvPr/>
-        </p:nvSpPr>
-        <p:spPr>
-          <a:xfrm>
-            <a:off x="6311391" y="3103612"/>
-            <a:ext cx="301752" cy="301752"/>
-          </a:xfrm>
-          <a:prstGeom prst="ellipse">
-            <a:avLst/>
-          </a:prstGeom>
-          <a:solidFill>
-            <a:schemeClr val="bg1">
-              <a:lumMod val="65000"/>
-            </a:schemeClr>
-          </a:solidFill>
-        </p:spPr>
-        <p:style>
-          <a:lnRef idx="1">
-            <a:schemeClr val="accent1"/>
-          </a:lnRef>
-          <a:fillRef idx="3">
-            <a:schemeClr val="accent1"/>
-          </a:fillRef>
-          <a:effectRef idx="2">
-            <a:schemeClr val="accent1"/>
-          </a:effectRef>
-          <a:fontRef idx="minor">
-            <a:schemeClr val="lt1"/>
-          </a:fontRef>
-        </p:style>
-        <p:txBody>
-          <a:bodyPr rtlCol="0" anchor="ctr"/>
-          <a:lstStyle/>
-          <a:p>
-            <a:pPr algn="ctr"/>
-            <a:endParaRPr lang="en-US"/>
-          </a:p>
-        </p:txBody>
-      </p:sp>
-      <p:sp>
-        <p:nvSpPr>
-          <p:cNvPr id="37" name="Oval 36">
-            <a:extLst>
-              <a:ext uri="{FF2B5EF4-FFF2-40B4-BE49-F238E27FC236}">
-                <a16:creationId xmlns:a16="http://schemas.microsoft.com/office/drawing/2014/main" id="{04B01A8E-DDC8-4BEA-ADE1-FAF83B997679}"/>
-              </a:ext>
-            </a:extLst>
-          </p:cNvPr>
-          <p:cNvSpPr>
-            <a:spLocks noChangeAspect="1"/>
-          </p:cNvSpPr>
-          <p:nvPr/>
-        </p:nvSpPr>
-        <p:spPr>
-          <a:xfrm>
-            <a:off x="6311391" y="2499585"/>
-            <a:ext cx="301752" cy="301752"/>
-          </a:xfrm>
-          <a:prstGeom prst="ellipse">
-            <a:avLst/>
-          </a:prstGeom>
-          <a:solidFill>
-            <a:schemeClr val="bg1">
-              <a:lumMod val="65000"/>
-            </a:schemeClr>
-          </a:solidFill>
-        </p:spPr>
-        <p:style>
-          <a:lnRef idx="1">
-            <a:schemeClr val="accent1"/>
-          </a:lnRef>
-          <a:fillRef idx="3">
-            <a:schemeClr val="accent1"/>
-          </a:fillRef>
-          <a:effectRef idx="2">
-            <a:schemeClr val="accent1"/>
-          </a:effectRef>
-          <a:fontRef idx="minor">
-            <a:schemeClr val="lt1"/>
-          </a:fontRef>
-        </p:style>
-        <p:txBody>
-          <a:bodyPr rtlCol="0" anchor="ctr"/>
-          <a:lstStyle/>
-          <a:p>
-            <a:pPr algn="ctr"/>
-            <a:endParaRPr lang="en-US"/>
-          </a:p>
-        </p:txBody>
-      </p:sp>
-      <p:sp>
-        <p:nvSpPr>
           <p:cNvPr id="48" name="Isosceles Triangle 47">
             <a:extLst>
               <a:ext uri="{FF2B5EF4-FFF2-40B4-BE49-F238E27FC236}">
@@ -21475,88 +22657,6 @@
       </p:cxnSp>
       <p:cxnSp>
         <p:nvCxnSpPr>
-          <p:cNvPr id="68" name="Straight Arrow Connector 67">
-            <a:extLst>
-              <a:ext uri="{FF2B5EF4-FFF2-40B4-BE49-F238E27FC236}">
-                <a16:creationId xmlns:a16="http://schemas.microsoft.com/office/drawing/2014/main" id="{D1D817C1-EC51-46D3-A02D-3120C513DD99}"/>
-              </a:ext>
-            </a:extLst>
-          </p:cNvPr>
-          <p:cNvCxnSpPr>
-            <a:stCxn id="37" idx="2"/>
-          </p:cNvCxnSpPr>
-          <p:nvPr/>
-        </p:nvCxnSpPr>
-        <p:spPr>
-          <a:xfrm flipH="1">
-            <a:off x="4901036" y="2650461"/>
-            <a:ext cx="1410355" cy="320040"/>
-          </a:xfrm>
-          <a:prstGeom prst="straightConnector1">
-            <a:avLst/>
-          </a:prstGeom>
-          <a:ln>
-            <a:tailEnd type="triangle"/>
-          </a:ln>
-        </p:spPr>
-        <p:style>
-          <a:lnRef idx="2">
-            <a:schemeClr val="accent1"/>
-          </a:lnRef>
-          <a:fillRef idx="0">
-            <a:schemeClr val="accent1"/>
-          </a:fillRef>
-          <a:effectRef idx="1">
-            <a:schemeClr val="accent1"/>
-          </a:effectRef>
-          <a:fontRef idx="minor">
-            <a:schemeClr val="tx1"/>
-          </a:fontRef>
-        </p:style>
-      </p:cxnSp>
-      <p:cxnSp>
-        <p:nvCxnSpPr>
-          <p:cNvPr id="70" name="Straight Arrow Connector 69">
-            <a:extLst>
-              <a:ext uri="{FF2B5EF4-FFF2-40B4-BE49-F238E27FC236}">
-                <a16:creationId xmlns:a16="http://schemas.microsoft.com/office/drawing/2014/main" id="{8A8A205E-CE51-4921-B178-452F557B1997}"/>
-              </a:ext>
-            </a:extLst>
-          </p:cNvPr>
-          <p:cNvCxnSpPr>
-            <a:stCxn id="36" idx="2"/>
-          </p:cNvCxnSpPr>
-          <p:nvPr/>
-        </p:nvCxnSpPr>
-        <p:spPr>
-          <a:xfrm flipH="1" flipV="1">
-            <a:off x="4925667" y="3072551"/>
-            <a:ext cx="1385724" cy="181937"/>
-          </a:xfrm>
-          <a:prstGeom prst="straightConnector1">
-            <a:avLst/>
-          </a:prstGeom>
-          <a:ln>
-            <a:tailEnd type="triangle"/>
-          </a:ln>
-        </p:spPr>
-        <p:style>
-          <a:lnRef idx="2">
-            <a:schemeClr val="accent1"/>
-          </a:lnRef>
-          <a:fillRef idx="0">
-            <a:schemeClr val="accent1"/>
-          </a:fillRef>
-          <a:effectRef idx="1">
-            <a:schemeClr val="accent1"/>
-          </a:effectRef>
-          <a:fontRef idx="minor">
-            <a:schemeClr val="tx1"/>
-          </a:fontRef>
-        </p:style>
-      </p:cxnSp>
-      <p:cxnSp>
-        <p:nvCxnSpPr>
           <p:cNvPr id="74" name="Straight Arrow Connector 73">
             <a:extLst>
               <a:ext uri="{FF2B5EF4-FFF2-40B4-BE49-F238E27FC236}">
@@ -21997,76 +23097,6 @@
       </p:sp>
       <p:sp>
         <p:nvSpPr>
-          <p:cNvPr id="43" name="TextBox 42">
-            <a:extLst>
-              <a:ext uri="{FF2B5EF4-FFF2-40B4-BE49-F238E27FC236}">
-                <a16:creationId xmlns:a16="http://schemas.microsoft.com/office/drawing/2014/main" id="{C590AE28-C21A-44F6-BA7A-5E0A24B8DA6F}"/>
-              </a:ext>
-            </a:extLst>
-          </p:cNvPr>
-          <p:cNvSpPr txBox="1"/>
-          <p:nvPr/>
-        </p:nvSpPr>
-        <p:spPr>
-          <a:xfrm>
-            <a:off x="5796903" y="2114723"/>
-            <a:ext cx="1330728" cy="369332"/>
-          </a:xfrm>
-          <a:prstGeom prst="rect">
-            <a:avLst/>
-          </a:prstGeom>
-          <a:noFill/>
-        </p:spPr>
-        <p:txBody>
-          <a:bodyPr wrap="square" rtlCol="0">
-            <a:spAutoFit/>
-          </a:bodyPr>
-          <a:lstStyle/>
-          <a:p>
-            <a:r>
-              <a:rPr lang="en-US" dirty="0"/>
-              <a:t>Web Client</a:t>
-            </a:r>
-          </a:p>
-        </p:txBody>
-      </p:sp>
-      <p:sp>
-        <p:nvSpPr>
-          <p:cNvPr id="44" name="TextBox 43">
-            <a:extLst>
-              <a:ext uri="{FF2B5EF4-FFF2-40B4-BE49-F238E27FC236}">
-                <a16:creationId xmlns:a16="http://schemas.microsoft.com/office/drawing/2014/main" id="{1C61EE1C-4CB6-4550-97F8-89BA1400A2E4}"/>
-              </a:ext>
-            </a:extLst>
-          </p:cNvPr>
-          <p:cNvSpPr txBox="1"/>
-          <p:nvPr/>
-        </p:nvSpPr>
-        <p:spPr>
-          <a:xfrm>
-            <a:off x="5796903" y="3471584"/>
-            <a:ext cx="1330728" cy="369332"/>
-          </a:xfrm>
-          <a:prstGeom prst="rect">
-            <a:avLst/>
-          </a:prstGeom>
-          <a:noFill/>
-        </p:spPr>
-        <p:txBody>
-          <a:bodyPr wrap="square" rtlCol="0">
-            <a:spAutoFit/>
-          </a:bodyPr>
-          <a:lstStyle/>
-          <a:p>
-            <a:r>
-              <a:rPr lang="en-US" dirty="0"/>
-              <a:t>PowerShell</a:t>
-            </a:r>
-          </a:p>
-        </p:txBody>
-      </p:sp>
-      <p:sp>
-        <p:nvSpPr>
           <p:cNvPr id="2" name="Callout: Line 1">
             <a:extLst>
               <a:ext uri="{FF2B5EF4-FFF2-40B4-BE49-F238E27FC236}">
@@ -22127,6 +23157,391 @@
           </a:p>
         </p:txBody>
       </p:sp>
+      <p:sp>
+        <p:nvSpPr>
+          <p:cNvPr id="46" name="Oval 45">
+            <a:extLst>
+              <a:ext uri="{FF2B5EF4-FFF2-40B4-BE49-F238E27FC236}">
+                <a16:creationId xmlns:a16="http://schemas.microsoft.com/office/drawing/2014/main" id="{13F6DFEC-BDE5-4EB4-8D70-4282F0AF3D0C}"/>
+              </a:ext>
+            </a:extLst>
+          </p:cNvPr>
+          <p:cNvSpPr>
+            <a:spLocks noChangeAspect="1"/>
+          </p:cNvSpPr>
+          <p:nvPr/>
+        </p:nvSpPr>
+        <p:spPr>
+          <a:xfrm>
+            <a:off x="5944660" y="3405364"/>
+            <a:ext cx="301752" cy="301752"/>
+          </a:xfrm>
+          <a:prstGeom prst="ellipse">
+            <a:avLst/>
+          </a:prstGeom>
+          <a:solidFill>
+            <a:schemeClr val="bg1">
+              <a:lumMod val="65000"/>
+            </a:schemeClr>
+          </a:solidFill>
+        </p:spPr>
+        <p:style>
+          <a:lnRef idx="1">
+            <a:schemeClr val="accent1"/>
+          </a:lnRef>
+          <a:fillRef idx="3">
+            <a:schemeClr val="accent1"/>
+          </a:fillRef>
+          <a:effectRef idx="2">
+            <a:schemeClr val="accent1"/>
+          </a:effectRef>
+          <a:fontRef idx="minor">
+            <a:schemeClr val="lt1"/>
+          </a:fontRef>
+        </p:style>
+        <p:txBody>
+          <a:bodyPr rtlCol="0" anchor="ctr"/>
+          <a:lstStyle/>
+          <a:p>
+            <a:pPr algn="ctr"/>
+            <a:endParaRPr lang="en-US"/>
+          </a:p>
+        </p:txBody>
+      </p:sp>
+      <p:sp>
+        <p:nvSpPr>
+          <p:cNvPr id="47" name="Oval 46">
+            <a:extLst>
+              <a:ext uri="{FF2B5EF4-FFF2-40B4-BE49-F238E27FC236}">
+                <a16:creationId xmlns:a16="http://schemas.microsoft.com/office/drawing/2014/main" id="{092BE474-BB91-4BFD-A156-9952D1A8AE08}"/>
+              </a:ext>
+            </a:extLst>
+          </p:cNvPr>
+          <p:cNvSpPr>
+            <a:spLocks noChangeAspect="1"/>
+          </p:cNvSpPr>
+          <p:nvPr/>
+        </p:nvSpPr>
+        <p:spPr>
+          <a:xfrm>
+            <a:off x="5944660" y="2217419"/>
+            <a:ext cx="301752" cy="301752"/>
+          </a:xfrm>
+          <a:prstGeom prst="ellipse">
+            <a:avLst/>
+          </a:prstGeom>
+          <a:solidFill>
+            <a:schemeClr val="bg1">
+              <a:lumMod val="65000"/>
+            </a:schemeClr>
+          </a:solidFill>
+        </p:spPr>
+        <p:style>
+          <a:lnRef idx="1">
+            <a:schemeClr val="accent1"/>
+          </a:lnRef>
+          <a:fillRef idx="3">
+            <a:schemeClr val="accent1"/>
+          </a:fillRef>
+          <a:effectRef idx="2">
+            <a:schemeClr val="accent1"/>
+          </a:effectRef>
+          <a:fontRef idx="minor">
+            <a:schemeClr val="lt1"/>
+          </a:fontRef>
+        </p:style>
+        <p:txBody>
+          <a:bodyPr rtlCol="0" anchor="ctr"/>
+          <a:lstStyle/>
+          <a:p>
+            <a:pPr algn="ctr"/>
+            <a:endParaRPr lang="en-US"/>
+          </a:p>
+        </p:txBody>
+      </p:sp>
+      <p:cxnSp>
+        <p:nvCxnSpPr>
+          <p:cNvPr id="52" name="Straight Arrow Connector 51">
+            <a:extLst>
+              <a:ext uri="{FF2B5EF4-FFF2-40B4-BE49-F238E27FC236}">
+                <a16:creationId xmlns:a16="http://schemas.microsoft.com/office/drawing/2014/main" id="{F8216D5A-9CA8-4C25-9800-9A17BFD4580A}"/>
+              </a:ext>
+            </a:extLst>
+          </p:cNvPr>
+          <p:cNvCxnSpPr>
+            <a:cxnSpLocks/>
+            <a:stCxn id="47" idx="2"/>
+          </p:cNvCxnSpPr>
+          <p:nvPr/>
+        </p:nvCxnSpPr>
+        <p:spPr>
+          <a:xfrm flipH="1">
+            <a:off x="4902358" y="2368295"/>
+            <a:ext cx="1042302" cy="469617"/>
+          </a:xfrm>
+          <a:prstGeom prst="straightConnector1">
+            <a:avLst/>
+          </a:prstGeom>
+          <a:ln>
+            <a:tailEnd type="triangle"/>
+          </a:ln>
+        </p:spPr>
+        <p:style>
+          <a:lnRef idx="2">
+            <a:schemeClr val="accent1"/>
+          </a:lnRef>
+          <a:fillRef idx="0">
+            <a:schemeClr val="accent1"/>
+          </a:fillRef>
+          <a:effectRef idx="1">
+            <a:schemeClr val="accent1"/>
+          </a:effectRef>
+          <a:fontRef idx="minor">
+            <a:schemeClr val="tx1"/>
+          </a:fontRef>
+        </p:style>
+      </p:cxnSp>
+      <p:cxnSp>
+        <p:nvCxnSpPr>
+          <p:cNvPr id="53" name="Straight Arrow Connector 52">
+            <a:extLst>
+              <a:ext uri="{FF2B5EF4-FFF2-40B4-BE49-F238E27FC236}">
+                <a16:creationId xmlns:a16="http://schemas.microsoft.com/office/drawing/2014/main" id="{BDA796F1-0021-4477-B62E-3F2935CA9FAF}"/>
+              </a:ext>
+            </a:extLst>
+          </p:cNvPr>
+          <p:cNvCxnSpPr>
+            <a:cxnSpLocks/>
+            <a:stCxn id="46" idx="2"/>
+          </p:cNvCxnSpPr>
+          <p:nvPr/>
+        </p:nvCxnSpPr>
+        <p:spPr>
+          <a:xfrm flipH="1" flipV="1">
+            <a:off x="4927837" y="3126353"/>
+            <a:ext cx="1016823" cy="429887"/>
+          </a:xfrm>
+          <a:prstGeom prst="straightConnector1">
+            <a:avLst/>
+          </a:prstGeom>
+          <a:ln>
+            <a:tailEnd type="triangle"/>
+          </a:ln>
+        </p:spPr>
+        <p:style>
+          <a:lnRef idx="2">
+            <a:schemeClr val="accent1"/>
+          </a:lnRef>
+          <a:fillRef idx="0">
+            <a:schemeClr val="accent1"/>
+          </a:fillRef>
+          <a:effectRef idx="1">
+            <a:schemeClr val="accent1"/>
+          </a:effectRef>
+          <a:fontRef idx="minor">
+            <a:schemeClr val="tx1"/>
+          </a:fontRef>
+        </p:style>
+      </p:cxnSp>
+      <p:sp>
+        <p:nvSpPr>
+          <p:cNvPr id="54" name="TextBox 53">
+            <a:extLst>
+              <a:ext uri="{FF2B5EF4-FFF2-40B4-BE49-F238E27FC236}">
+                <a16:creationId xmlns:a16="http://schemas.microsoft.com/office/drawing/2014/main" id="{F08B6CD3-8959-47B5-9962-C22BA03FCBD9}"/>
+              </a:ext>
+            </a:extLst>
+          </p:cNvPr>
+          <p:cNvSpPr txBox="1"/>
+          <p:nvPr/>
+        </p:nvSpPr>
+        <p:spPr>
+          <a:xfrm>
+            <a:off x="6245040" y="2186527"/>
+            <a:ext cx="1330728" cy="369332"/>
+          </a:xfrm>
+          <a:prstGeom prst="rect">
+            <a:avLst/>
+          </a:prstGeom>
+          <a:noFill/>
+        </p:spPr>
+        <p:txBody>
+          <a:bodyPr wrap="square" rtlCol="0">
+            <a:spAutoFit/>
+          </a:bodyPr>
+          <a:lstStyle/>
+          <a:p>
+            <a:r>
+              <a:rPr lang="en-US" dirty="0"/>
+              <a:t>Web Client</a:t>
+            </a:r>
+          </a:p>
+        </p:txBody>
+      </p:sp>
+      <p:sp>
+        <p:nvSpPr>
+          <p:cNvPr id="55" name="TextBox 54">
+            <a:extLst>
+              <a:ext uri="{FF2B5EF4-FFF2-40B4-BE49-F238E27FC236}">
+                <a16:creationId xmlns:a16="http://schemas.microsoft.com/office/drawing/2014/main" id="{3D5156F8-5EBA-479E-BDD1-F851A0B743C5}"/>
+              </a:ext>
+            </a:extLst>
+          </p:cNvPr>
+          <p:cNvSpPr txBox="1"/>
+          <p:nvPr/>
+        </p:nvSpPr>
+        <p:spPr>
+          <a:xfrm>
+            <a:off x="6240871" y="3385430"/>
+            <a:ext cx="1330728" cy="369332"/>
+          </a:xfrm>
+          <a:prstGeom prst="rect">
+            <a:avLst/>
+          </a:prstGeom>
+          <a:noFill/>
+        </p:spPr>
+        <p:txBody>
+          <a:bodyPr wrap="square" rtlCol="0">
+            <a:spAutoFit/>
+          </a:bodyPr>
+          <a:lstStyle/>
+          <a:p>
+            <a:r>
+              <a:rPr lang="en-US" dirty="0"/>
+              <a:t>PowerShell</a:t>
+            </a:r>
+          </a:p>
+        </p:txBody>
+      </p:sp>
+      <p:sp>
+        <p:nvSpPr>
+          <p:cNvPr id="56" name="Oval 55">
+            <a:extLst>
+              <a:ext uri="{FF2B5EF4-FFF2-40B4-BE49-F238E27FC236}">
+                <a16:creationId xmlns:a16="http://schemas.microsoft.com/office/drawing/2014/main" id="{037F07E2-E92C-4DC5-97EC-A663ABC8B477}"/>
+              </a:ext>
+            </a:extLst>
+          </p:cNvPr>
+          <p:cNvSpPr>
+            <a:spLocks noChangeAspect="1"/>
+          </p:cNvSpPr>
+          <p:nvPr/>
+        </p:nvSpPr>
+        <p:spPr>
+          <a:xfrm>
+            <a:off x="5942666" y="2824601"/>
+            <a:ext cx="301752" cy="301752"/>
+          </a:xfrm>
+          <a:prstGeom prst="ellipse">
+            <a:avLst/>
+          </a:prstGeom>
+          <a:solidFill>
+            <a:schemeClr val="bg1">
+              <a:lumMod val="65000"/>
+            </a:schemeClr>
+          </a:solidFill>
+        </p:spPr>
+        <p:style>
+          <a:lnRef idx="1">
+            <a:schemeClr val="accent1"/>
+          </a:lnRef>
+          <a:fillRef idx="3">
+            <a:schemeClr val="accent1"/>
+          </a:fillRef>
+          <a:effectRef idx="2">
+            <a:schemeClr val="accent1"/>
+          </a:effectRef>
+          <a:fontRef idx="minor">
+            <a:schemeClr val="lt1"/>
+          </a:fontRef>
+        </p:style>
+        <p:txBody>
+          <a:bodyPr rtlCol="0" anchor="ctr"/>
+          <a:lstStyle/>
+          <a:p>
+            <a:pPr algn="ctr"/>
+            <a:endParaRPr lang="en-US" dirty="0"/>
+          </a:p>
+        </p:txBody>
+      </p:sp>
+      <p:sp>
+        <p:nvSpPr>
+          <p:cNvPr id="57" name="TextBox 56">
+            <a:extLst>
+              <a:ext uri="{FF2B5EF4-FFF2-40B4-BE49-F238E27FC236}">
+                <a16:creationId xmlns:a16="http://schemas.microsoft.com/office/drawing/2014/main" id="{BCD5ED65-E47C-4010-81AE-8CC7F752A599}"/>
+              </a:ext>
+            </a:extLst>
+          </p:cNvPr>
+          <p:cNvSpPr txBox="1"/>
+          <p:nvPr/>
+        </p:nvSpPr>
+        <p:spPr>
+          <a:xfrm>
+            <a:off x="6250662" y="2785835"/>
+            <a:ext cx="919205" cy="369332"/>
+          </a:xfrm>
+          <a:prstGeom prst="rect">
+            <a:avLst/>
+          </a:prstGeom>
+          <a:noFill/>
+        </p:spPr>
+        <p:txBody>
+          <a:bodyPr wrap="square" rtlCol="0">
+            <a:spAutoFit/>
+          </a:bodyPr>
+          <a:lstStyle/>
+          <a:p>
+            <a:pPr algn="ctr"/>
+            <a:r>
+              <a:rPr lang="en-US" dirty="0"/>
+              <a:t>Ansible</a:t>
+            </a:r>
+          </a:p>
+        </p:txBody>
+      </p:sp>
+      <p:cxnSp>
+        <p:nvCxnSpPr>
+          <p:cNvPr id="58" name="Straight Arrow Connector 57">
+            <a:extLst>
+              <a:ext uri="{FF2B5EF4-FFF2-40B4-BE49-F238E27FC236}">
+                <a16:creationId xmlns:a16="http://schemas.microsoft.com/office/drawing/2014/main" id="{40FB8314-7498-4003-A506-191B131B3DE5}"/>
+              </a:ext>
+            </a:extLst>
+          </p:cNvPr>
+          <p:cNvCxnSpPr>
+            <a:cxnSpLocks/>
+            <a:stCxn id="56" idx="2"/>
+          </p:cNvCxnSpPr>
+          <p:nvPr/>
+        </p:nvCxnSpPr>
+        <p:spPr>
+          <a:xfrm flipH="1">
+            <a:off x="4902358" y="2975477"/>
+            <a:ext cx="1040308" cy="1980"/>
+          </a:xfrm>
+          <a:prstGeom prst="straightConnector1">
+            <a:avLst/>
+          </a:prstGeom>
+          <a:ln>
+            <a:tailEnd type="triangle"/>
+          </a:ln>
+        </p:spPr>
+        <p:style>
+          <a:lnRef idx="2">
+            <a:schemeClr val="accent1"/>
+          </a:lnRef>
+          <a:fillRef idx="0">
+            <a:schemeClr val="accent1"/>
+          </a:fillRef>
+          <a:effectRef idx="1">
+            <a:schemeClr val="accent1"/>
+          </a:effectRef>
+          <a:fontRef idx="minor">
+            <a:schemeClr val="tx1"/>
+          </a:fontRef>
+        </p:style>
+      </p:cxnSp>
     </p:spTree>
     <p:extLst>
       <p:ext uri="{BB962C8B-B14F-4D97-AF65-F5344CB8AC3E}">
@@ -26869,10 +28284,10 @@
       </p:sp>
       <p:sp>
         <p:nvSpPr>
-          <p:cNvPr id="22" name="Cube 21">
+          <p:cNvPr id="57" name="Oval 56">
             <a:extLst>
               <a:ext uri="{FF2B5EF4-FFF2-40B4-BE49-F238E27FC236}">
-                <a16:creationId xmlns:a16="http://schemas.microsoft.com/office/drawing/2014/main" id="{A31C5942-9560-4787-85C5-77443EC837E8}"/>
+                <a16:creationId xmlns:a16="http://schemas.microsoft.com/office/drawing/2014/main" id="{D4636161-E52C-45A8-86AE-FCDF400EF532}"/>
               </a:ext>
             </a:extLst>
           </p:cNvPr>
@@ -26883,27 +28298,17 @@
         </p:nvSpPr>
         <p:spPr>
           <a:xfrm>
-            <a:off x="944381" y="1370527"/>
-            <a:ext cx="801974" cy="797583"/>
-          </a:xfrm>
-          <a:prstGeom prst="cube">
-            <a:avLst/>
-          </a:prstGeom>
-          <a:gradFill>
-            <a:gsLst>
-              <a:gs pos="0">
-                <a:schemeClr val="accent5">
-                  <a:lumMod val="75000"/>
-                </a:schemeClr>
-              </a:gs>
-              <a:gs pos="100000">
-                <a:schemeClr val="accent5">
-                  <a:lumMod val="40000"/>
-                  <a:lumOff val="60000"/>
-                </a:schemeClr>
-              </a:gs>
-            </a:gsLst>
-          </a:gradFill>
+            <a:off x="7668290" y="4192124"/>
+            <a:ext cx="301752" cy="301752"/>
+          </a:xfrm>
+          <a:prstGeom prst="ellipse">
+            <a:avLst/>
+          </a:prstGeom>
+          <a:solidFill>
+            <a:schemeClr val="bg1">
+              <a:lumMod val="65000"/>
+            </a:schemeClr>
+          </a:solidFill>
         </p:spPr>
         <p:style>
           <a:lnRef idx="1">
@@ -26920,23 +28325,55 @@
           </a:fontRef>
         </p:style>
         <p:txBody>
-          <a:bodyPr lIns="45720" rIns="45720" rtlCol="0" anchor="ctr"/>
+          <a:bodyPr rtlCol="0" anchor="ctr"/>
           <a:lstStyle/>
           <a:p>
             <a:pPr algn="ctr"/>
-            <a:r>
-              <a:rPr lang="en-US" sz="1400" dirty="0"/>
-              <a:t>IPAM</a:t>
-            </a:r>
-          </a:p>
-        </p:txBody>
-      </p:sp>
-      <p:sp>
-        <p:nvSpPr>
-          <p:cNvPr id="23" name="Cube 22">
+            <a:endParaRPr lang="en-US"/>
+          </a:p>
+        </p:txBody>
+      </p:sp>
+      <p:sp>
+        <p:nvSpPr>
+          <p:cNvPr id="58" name="TextBox 57">
             <a:extLst>
               <a:ext uri="{FF2B5EF4-FFF2-40B4-BE49-F238E27FC236}">
-                <a16:creationId xmlns:a16="http://schemas.microsoft.com/office/drawing/2014/main" id="{E22A9B9A-76BB-481C-9D78-A11C541B27C0}"/>
+                <a16:creationId xmlns:a16="http://schemas.microsoft.com/office/drawing/2014/main" id="{35B0EC61-589B-407D-8CC6-BE058BBB673B}"/>
+              </a:ext>
+            </a:extLst>
+          </p:cNvPr>
+          <p:cNvSpPr txBox="1"/>
+          <p:nvPr/>
+        </p:nvSpPr>
+        <p:spPr>
+          <a:xfrm>
+            <a:off x="8007162" y="4158334"/>
+            <a:ext cx="1191842" cy="369332"/>
+          </a:xfrm>
+          <a:prstGeom prst="rect">
+            <a:avLst/>
+          </a:prstGeom>
+          <a:noFill/>
+        </p:spPr>
+        <p:txBody>
+          <a:bodyPr wrap="square" rtlCol="0">
+            <a:spAutoFit/>
+          </a:bodyPr>
+          <a:lstStyle/>
+          <a:p>
+            <a:r>
+              <a:rPr lang="en-US" dirty="0"/>
+              <a:t>Consumer</a:t>
+            </a:r>
+          </a:p>
+        </p:txBody>
+      </p:sp>
+      <p:sp>
+        <p:nvSpPr>
+          <p:cNvPr id="59" name="Flowchart: Collate 58">
+            <a:extLst>
+              <a:ext uri="{FF2B5EF4-FFF2-40B4-BE49-F238E27FC236}">
+                <a16:creationId xmlns:a16="http://schemas.microsoft.com/office/drawing/2014/main" id="{07646C47-36CB-4995-9659-E33018EEAF76}"/>
               </a:ext>
             </a:extLst>
           </p:cNvPr>
@@ -26946,28 +28383,16 @@
           <p:nvPr/>
         </p:nvSpPr>
         <p:spPr>
-          <a:xfrm>
-            <a:off x="944381" y="2364875"/>
-            <a:ext cx="801974" cy="797583"/>
-          </a:xfrm>
-          <a:prstGeom prst="cube">
-            <a:avLst/>
-          </a:prstGeom>
-          <a:gradFill>
-            <a:gsLst>
-              <a:gs pos="0">
-                <a:schemeClr val="accent5">
-                  <a:lumMod val="75000"/>
-                </a:schemeClr>
-              </a:gs>
-              <a:gs pos="100000">
-                <a:schemeClr val="accent5">
-                  <a:lumMod val="40000"/>
-                  <a:lumOff val="60000"/>
-                </a:schemeClr>
-              </a:gs>
-            </a:gsLst>
-          </a:gradFill>
+          <a:xfrm rot="5400000">
+            <a:off x="7654977" y="4609013"/>
+            <a:ext cx="328377" cy="301752"/>
+          </a:xfrm>
+          <a:prstGeom prst="flowChartCollate">
+            <a:avLst/>
+          </a:prstGeom>
+          <a:solidFill>
+            <a:srgbClr val="FF0000"/>
+          </a:solidFill>
         </p:spPr>
         <p:style>
           <a:lnRef idx="1">
@@ -26984,23 +28409,188 @@
           </a:fontRef>
         </p:style>
         <p:txBody>
-          <a:bodyPr lIns="45720" rIns="45720" rtlCol="0" anchor="ctr"/>
+          <a:bodyPr rtlCol="0" anchor="ctr"/>
           <a:lstStyle/>
           <a:p>
             <a:pPr algn="ctr"/>
-            <a:r>
-              <a:rPr lang="en-US" sz="1400" dirty="0"/>
-              <a:t>CUCM</a:t>
-            </a:r>
-          </a:p>
-        </p:txBody>
-      </p:sp>
-      <p:sp>
-        <p:nvSpPr>
-          <p:cNvPr id="24" name="Cube 23">
+            <a:endParaRPr lang="en-US">
+              <a:solidFill>
+                <a:schemeClr val="tx1"/>
+              </a:solidFill>
+            </a:endParaRPr>
+          </a:p>
+        </p:txBody>
+      </p:sp>
+      <p:sp>
+        <p:nvSpPr>
+          <p:cNvPr id="60" name="TextBox 59">
             <a:extLst>
               <a:ext uri="{FF2B5EF4-FFF2-40B4-BE49-F238E27FC236}">
-                <a16:creationId xmlns:a16="http://schemas.microsoft.com/office/drawing/2014/main" id="{9B47A778-16BA-41FF-AB59-FBCCE428B8DB}"/>
+                <a16:creationId xmlns:a16="http://schemas.microsoft.com/office/drawing/2014/main" id="{B3538A22-93BF-4EA4-9B74-8FCDDE4D5AF6}"/>
+              </a:ext>
+            </a:extLst>
+          </p:cNvPr>
+          <p:cNvSpPr txBox="1"/>
+          <p:nvPr/>
+        </p:nvSpPr>
+        <p:spPr>
+          <a:xfrm>
+            <a:off x="8015396" y="4590815"/>
+            <a:ext cx="1191842" cy="369332"/>
+          </a:xfrm>
+          <a:prstGeom prst="rect">
+            <a:avLst/>
+          </a:prstGeom>
+          <a:noFill/>
+        </p:spPr>
+        <p:txBody>
+          <a:bodyPr wrap="square" rtlCol="0">
+            <a:spAutoFit/>
+          </a:bodyPr>
+          <a:lstStyle/>
+          <a:p>
+            <a:r>
+              <a:rPr lang="en-US" dirty="0"/>
+              <a:t>Native</a:t>
+            </a:r>
+          </a:p>
+        </p:txBody>
+      </p:sp>
+      <p:cxnSp>
+        <p:nvCxnSpPr>
+          <p:cNvPr id="92" name="Straight Arrow Connector 91">
+            <a:extLst>
+              <a:ext uri="{FF2B5EF4-FFF2-40B4-BE49-F238E27FC236}">
+                <a16:creationId xmlns:a16="http://schemas.microsoft.com/office/drawing/2014/main" id="{5B165958-4458-482D-9BE8-7BF4C1A3BB21}"/>
+              </a:ext>
+            </a:extLst>
+          </p:cNvPr>
+          <p:cNvCxnSpPr>
+            <a:cxnSpLocks/>
+            <a:stCxn id="18" idx="2"/>
+            <a:endCxn id="104" idx="0"/>
+          </p:cNvCxnSpPr>
+          <p:nvPr/>
+        </p:nvCxnSpPr>
+        <p:spPr>
+          <a:xfrm flipH="1">
+            <a:off x="2236241" y="2975477"/>
+            <a:ext cx="3706425" cy="0"/>
+          </a:xfrm>
+          <a:prstGeom prst="straightConnector1">
+            <a:avLst/>
+          </a:prstGeom>
+          <a:ln>
+            <a:tailEnd type="triangle"/>
+          </a:ln>
+        </p:spPr>
+        <p:style>
+          <a:lnRef idx="2">
+            <a:schemeClr val="accent1"/>
+          </a:lnRef>
+          <a:fillRef idx="0">
+            <a:schemeClr val="accent1"/>
+          </a:fillRef>
+          <a:effectRef idx="1">
+            <a:schemeClr val="accent1"/>
+          </a:effectRef>
+          <a:fontRef idx="minor">
+            <a:schemeClr val="tx1"/>
+          </a:fontRef>
+        </p:style>
+      </p:cxnSp>
+      <p:cxnSp>
+        <p:nvCxnSpPr>
+          <p:cNvPr id="93" name="Straight Arrow Connector 92">
+            <a:extLst>
+              <a:ext uri="{FF2B5EF4-FFF2-40B4-BE49-F238E27FC236}">
+                <a16:creationId xmlns:a16="http://schemas.microsoft.com/office/drawing/2014/main" id="{0EF09664-BCD7-40D6-AD8E-BE92604748B9}"/>
+              </a:ext>
+            </a:extLst>
+          </p:cNvPr>
+          <p:cNvCxnSpPr>
+            <a:cxnSpLocks/>
+            <a:stCxn id="18" idx="3"/>
+            <a:endCxn id="105" idx="0"/>
+          </p:cNvCxnSpPr>
+          <p:nvPr/>
+        </p:nvCxnSpPr>
+        <p:spPr>
+          <a:xfrm flipH="1">
+            <a:off x="2237765" y="3082162"/>
+            <a:ext cx="3749092" cy="461001"/>
+          </a:xfrm>
+          <a:prstGeom prst="straightConnector1">
+            <a:avLst/>
+          </a:prstGeom>
+          <a:ln>
+            <a:tailEnd type="triangle"/>
+          </a:ln>
+        </p:spPr>
+        <p:style>
+          <a:lnRef idx="2">
+            <a:schemeClr val="accent1"/>
+          </a:lnRef>
+          <a:fillRef idx="0">
+            <a:schemeClr val="accent1"/>
+          </a:fillRef>
+          <a:effectRef idx="1">
+            <a:schemeClr val="accent1"/>
+          </a:effectRef>
+          <a:fontRef idx="minor">
+            <a:schemeClr val="tx1"/>
+          </a:fontRef>
+        </p:style>
+      </p:cxnSp>
+      <p:cxnSp>
+        <p:nvCxnSpPr>
+          <p:cNvPr id="95" name="Straight Arrow Connector 94">
+            <a:extLst>
+              <a:ext uri="{FF2B5EF4-FFF2-40B4-BE49-F238E27FC236}">
+                <a16:creationId xmlns:a16="http://schemas.microsoft.com/office/drawing/2014/main" id="{BDEA6DA5-7C46-4DA5-9F24-AC27BBBAB015}"/>
+              </a:ext>
+            </a:extLst>
+          </p:cNvPr>
+          <p:cNvCxnSpPr>
+            <a:cxnSpLocks/>
+            <a:stCxn id="18" idx="1"/>
+            <a:endCxn id="103" idx="0"/>
+          </p:cNvCxnSpPr>
+          <p:nvPr/>
+        </p:nvCxnSpPr>
+        <p:spPr>
+          <a:xfrm flipH="1" flipV="1">
+            <a:off x="2236242" y="2407791"/>
+            <a:ext cx="3750615" cy="461001"/>
+          </a:xfrm>
+          <a:prstGeom prst="straightConnector1">
+            <a:avLst/>
+          </a:prstGeom>
+          <a:ln>
+            <a:tailEnd type="triangle"/>
+          </a:ln>
+        </p:spPr>
+        <p:style>
+          <a:lnRef idx="2">
+            <a:schemeClr val="accent1"/>
+          </a:lnRef>
+          <a:fillRef idx="0">
+            <a:schemeClr val="accent1"/>
+          </a:fillRef>
+          <a:effectRef idx="1">
+            <a:schemeClr val="accent1"/>
+          </a:effectRef>
+          <a:fontRef idx="minor">
+            <a:schemeClr val="tx1"/>
+          </a:fontRef>
+        </p:style>
+      </p:cxnSp>
+      <p:sp>
+        <p:nvSpPr>
+          <p:cNvPr id="103" name="Flowchart: Collate 102">
+            <a:extLst>
+              <a:ext uri="{FF2B5EF4-FFF2-40B4-BE49-F238E27FC236}">
+                <a16:creationId xmlns:a16="http://schemas.microsoft.com/office/drawing/2014/main" id="{49E4BC8D-B29F-4D08-BBD3-D685B945AF4A}"/>
               </a:ext>
             </a:extLst>
           </p:cNvPr>
@@ -27010,28 +28600,16 @@
           <p:nvPr/>
         </p:nvSpPr>
         <p:spPr>
-          <a:xfrm>
-            <a:off x="944381" y="3359223"/>
-            <a:ext cx="801974" cy="797583"/>
-          </a:xfrm>
-          <a:prstGeom prst="cube">
-            <a:avLst/>
-          </a:prstGeom>
-          <a:gradFill>
-            <a:gsLst>
-              <a:gs pos="0">
-                <a:schemeClr val="accent5">
-                  <a:lumMod val="75000"/>
-                </a:schemeClr>
-              </a:gs>
-              <a:gs pos="100000">
-                <a:schemeClr val="accent5">
-                  <a:lumMod val="40000"/>
-                  <a:lumOff val="60000"/>
-                </a:schemeClr>
-              </a:gs>
-            </a:gsLst>
-          </a:gradFill>
+          <a:xfrm rot="5400000">
+            <a:off x="1921177" y="2256914"/>
+            <a:ext cx="328377" cy="301752"/>
+          </a:xfrm>
+          <a:prstGeom prst="flowChartCollate">
+            <a:avLst/>
+          </a:prstGeom>
+          <a:solidFill>
+            <a:srgbClr val="FF0000"/>
+          </a:solidFill>
         </p:spPr>
         <p:style>
           <a:lnRef idx="1">
@@ -27048,23 +28626,24 @@
           </a:fontRef>
         </p:style>
         <p:txBody>
-          <a:bodyPr lIns="45720" rIns="45720" rtlCol="0" anchor="ctr"/>
+          <a:bodyPr rtlCol="0" anchor="ctr"/>
           <a:lstStyle/>
           <a:p>
             <a:pPr algn="ctr"/>
-            <a:r>
-              <a:rPr lang="en-US" sz="1400" dirty="0"/>
-              <a:t>LB</a:t>
-            </a:r>
-          </a:p>
-        </p:txBody>
-      </p:sp>
-      <p:sp>
-        <p:nvSpPr>
-          <p:cNvPr id="25" name="Cube 24">
+            <a:endParaRPr lang="en-US" dirty="0">
+              <a:solidFill>
+                <a:schemeClr val="tx1"/>
+              </a:solidFill>
+            </a:endParaRPr>
+          </a:p>
+        </p:txBody>
+      </p:sp>
+      <p:sp>
+        <p:nvSpPr>
+          <p:cNvPr id="104" name="Flowchart: Collate 103">
             <a:extLst>
               <a:ext uri="{FF2B5EF4-FFF2-40B4-BE49-F238E27FC236}">
-                <a16:creationId xmlns:a16="http://schemas.microsoft.com/office/drawing/2014/main" id="{D6AE05E7-414F-4FD8-B169-91B35512DC37}"/>
+                <a16:creationId xmlns:a16="http://schemas.microsoft.com/office/drawing/2014/main" id="{7112BDA1-07CB-4045-858E-0AAD6BA5CC85}"/>
               </a:ext>
             </a:extLst>
           </p:cNvPr>
@@ -27074,28 +28653,16 @@
           <p:nvPr/>
         </p:nvSpPr>
         <p:spPr>
-          <a:xfrm>
-            <a:off x="7047876" y="1370527"/>
-            <a:ext cx="801974" cy="797583"/>
-          </a:xfrm>
-          <a:prstGeom prst="cube">
-            <a:avLst/>
-          </a:prstGeom>
-          <a:gradFill>
-            <a:gsLst>
-              <a:gs pos="0">
-                <a:schemeClr val="accent2">
-                  <a:lumMod val="75000"/>
-                </a:schemeClr>
-              </a:gs>
-              <a:gs pos="100000">
-                <a:schemeClr val="accent2">
-                  <a:lumMod val="60000"/>
-                  <a:lumOff val="40000"/>
-                </a:schemeClr>
-              </a:gs>
-            </a:gsLst>
-          </a:gradFill>
+          <a:xfrm rot="5400000">
+            <a:off x="1921176" y="2824600"/>
+            <a:ext cx="328377" cy="301752"/>
+          </a:xfrm>
+          <a:prstGeom prst="flowChartCollate">
+            <a:avLst/>
+          </a:prstGeom>
+          <a:solidFill>
+            <a:srgbClr val="FF0000"/>
+          </a:solidFill>
         </p:spPr>
         <p:style>
           <a:lnRef idx="1">
@@ -27112,23 +28679,24 @@
           </a:fontRef>
         </p:style>
         <p:txBody>
-          <a:bodyPr lIns="45720" rIns="45720" rtlCol="0" anchor="ctr"/>
+          <a:bodyPr rtlCol="0" anchor="ctr"/>
           <a:lstStyle/>
           <a:p>
             <a:pPr algn="ctr"/>
-            <a:r>
-              <a:rPr lang="en-US" sz="1400" dirty="0"/>
-              <a:t>IPAM</a:t>
-            </a:r>
-          </a:p>
-        </p:txBody>
-      </p:sp>
-      <p:sp>
-        <p:nvSpPr>
-          <p:cNvPr id="29" name="Cube 28">
+            <a:endParaRPr lang="en-US" dirty="0">
+              <a:solidFill>
+                <a:schemeClr val="tx1"/>
+              </a:solidFill>
+            </a:endParaRPr>
+          </a:p>
+        </p:txBody>
+      </p:sp>
+      <p:sp>
+        <p:nvSpPr>
+          <p:cNvPr id="105" name="Flowchart: Collate 104">
             <a:extLst>
               <a:ext uri="{FF2B5EF4-FFF2-40B4-BE49-F238E27FC236}">
-                <a16:creationId xmlns:a16="http://schemas.microsoft.com/office/drawing/2014/main" id="{F6ED9C1C-8C55-4B73-94DD-3288F58D8D94}"/>
+                <a16:creationId xmlns:a16="http://schemas.microsoft.com/office/drawing/2014/main" id="{29F5506E-6507-4976-9374-62C1AD9B442E}"/>
               </a:ext>
             </a:extLst>
           </p:cNvPr>
@@ -27138,28 +28706,16 @@
           <p:nvPr/>
         </p:nvSpPr>
         <p:spPr>
-          <a:xfrm>
-            <a:off x="7047876" y="2364875"/>
-            <a:ext cx="801974" cy="797583"/>
-          </a:xfrm>
-          <a:prstGeom prst="cube">
-            <a:avLst/>
-          </a:prstGeom>
-          <a:gradFill>
-            <a:gsLst>
-              <a:gs pos="0">
-                <a:schemeClr val="accent2">
-                  <a:lumMod val="75000"/>
-                </a:schemeClr>
-              </a:gs>
-              <a:gs pos="100000">
-                <a:schemeClr val="accent2">
-                  <a:lumMod val="60000"/>
-                  <a:lumOff val="40000"/>
-                </a:schemeClr>
-              </a:gs>
-            </a:gsLst>
-          </a:gradFill>
+          <a:xfrm rot="5400000">
+            <a:off x="1922700" y="3392286"/>
+            <a:ext cx="328377" cy="301752"/>
+          </a:xfrm>
+          <a:prstGeom prst="flowChartCollate">
+            <a:avLst/>
+          </a:prstGeom>
+          <a:solidFill>
+            <a:srgbClr val="FF0000"/>
+          </a:solidFill>
         </p:spPr>
         <p:style>
           <a:lnRef idx="1">
@@ -27176,23 +28732,130 @@
           </a:fontRef>
         </p:style>
         <p:txBody>
-          <a:bodyPr lIns="45720" rIns="45720" rtlCol="0" anchor="ctr"/>
+          <a:bodyPr rtlCol="0" anchor="ctr"/>
           <a:lstStyle/>
           <a:p>
             <a:pPr algn="ctr"/>
-            <a:r>
-              <a:rPr lang="en-US" sz="1400" dirty="0"/>
-              <a:t>CUCM</a:t>
-            </a:r>
-          </a:p>
-        </p:txBody>
-      </p:sp>
-      <p:sp>
-        <p:nvSpPr>
-          <p:cNvPr id="30" name="Cube 29">
+            <a:endParaRPr lang="en-US" dirty="0">
+              <a:solidFill>
+                <a:schemeClr val="tx1"/>
+              </a:solidFill>
+            </a:endParaRPr>
+          </a:p>
+        </p:txBody>
+      </p:sp>
+      <p:sp>
+        <p:nvSpPr>
+          <p:cNvPr id="106" name="TextBox 105">
             <a:extLst>
               <a:ext uri="{FF2B5EF4-FFF2-40B4-BE49-F238E27FC236}">
-                <a16:creationId xmlns:a16="http://schemas.microsoft.com/office/drawing/2014/main" id="{BF0E45CB-F5A6-4266-A62B-DAC0534710BE}"/>
+                <a16:creationId xmlns:a16="http://schemas.microsoft.com/office/drawing/2014/main" id="{CA5954FA-21BC-4227-A3A4-890A94A63231}"/>
+              </a:ext>
+            </a:extLst>
+          </p:cNvPr>
+          <p:cNvSpPr txBox="1"/>
+          <p:nvPr/>
+        </p:nvSpPr>
+        <p:spPr>
+          <a:xfrm>
+            <a:off x="804154" y="2218836"/>
+            <a:ext cx="1005017" cy="369332"/>
+          </a:xfrm>
+          <a:prstGeom prst="rect">
+            <a:avLst/>
+          </a:prstGeom>
+          <a:noFill/>
+        </p:spPr>
+        <p:txBody>
+          <a:bodyPr wrap="square" rtlCol="0">
+            <a:spAutoFit/>
+          </a:bodyPr>
+          <a:lstStyle/>
+          <a:p>
+            <a:r>
+              <a:rPr lang="en-US" dirty="0" err="1"/>
+              <a:t>BlueCat</a:t>
+            </a:r>
+            <a:endParaRPr lang="en-US" dirty="0"/>
+          </a:p>
+        </p:txBody>
+      </p:sp>
+      <p:sp>
+        <p:nvSpPr>
+          <p:cNvPr id="107" name="TextBox 106">
+            <a:extLst>
+              <a:ext uri="{FF2B5EF4-FFF2-40B4-BE49-F238E27FC236}">
+                <a16:creationId xmlns:a16="http://schemas.microsoft.com/office/drawing/2014/main" id="{036407E9-4582-4F92-9542-F268CCB7708A}"/>
+              </a:ext>
+            </a:extLst>
+          </p:cNvPr>
+          <p:cNvSpPr txBox="1"/>
+          <p:nvPr/>
+        </p:nvSpPr>
+        <p:spPr>
+          <a:xfrm>
+            <a:off x="804153" y="2770783"/>
+            <a:ext cx="1005017" cy="369332"/>
+          </a:xfrm>
+          <a:prstGeom prst="rect">
+            <a:avLst/>
+          </a:prstGeom>
+          <a:noFill/>
+        </p:spPr>
+        <p:txBody>
+          <a:bodyPr wrap="square" rtlCol="0">
+            <a:spAutoFit/>
+          </a:bodyPr>
+          <a:lstStyle/>
+          <a:p>
+            <a:r>
+              <a:rPr lang="en-US" dirty="0"/>
+              <a:t>CUCM</a:t>
+            </a:r>
+          </a:p>
+        </p:txBody>
+      </p:sp>
+      <p:sp>
+        <p:nvSpPr>
+          <p:cNvPr id="108" name="TextBox 107">
+            <a:extLst>
+              <a:ext uri="{FF2B5EF4-FFF2-40B4-BE49-F238E27FC236}">
+                <a16:creationId xmlns:a16="http://schemas.microsoft.com/office/drawing/2014/main" id="{4B18B47E-93D4-4A00-B0F8-471F54209ADD}"/>
+              </a:ext>
+            </a:extLst>
+          </p:cNvPr>
+          <p:cNvSpPr txBox="1"/>
+          <p:nvPr/>
+        </p:nvSpPr>
+        <p:spPr>
+          <a:xfrm>
+            <a:off x="804154" y="3352525"/>
+            <a:ext cx="1125908" cy="369332"/>
+          </a:xfrm>
+          <a:prstGeom prst="rect">
+            <a:avLst/>
+          </a:prstGeom>
+          <a:noFill/>
+        </p:spPr>
+        <p:txBody>
+          <a:bodyPr wrap="square" rtlCol="0">
+            <a:spAutoFit/>
+          </a:bodyPr>
+          <a:lstStyle/>
+          <a:p>
+            <a:r>
+              <a:rPr lang="en-US" dirty="0"/>
+              <a:t>NetScaler</a:t>
+            </a:r>
+          </a:p>
+        </p:txBody>
+      </p:sp>
+      <p:sp>
+        <p:nvSpPr>
+          <p:cNvPr id="18" name="Oval 17">
+            <a:extLst>
+              <a:ext uri="{FF2B5EF4-FFF2-40B4-BE49-F238E27FC236}">
+                <a16:creationId xmlns:a16="http://schemas.microsoft.com/office/drawing/2014/main" id="{5ABF84DF-A25A-4CD5-9DB5-42FF426F266C}"/>
               </a:ext>
             </a:extLst>
           </p:cNvPr>
@@ -27203,27 +28866,17 @@
         </p:nvSpPr>
         <p:spPr>
           <a:xfrm>
-            <a:off x="7047876" y="3359223"/>
-            <a:ext cx="801974" cy="797583"/>
-          </a:xfrm>
-          <a:prstGeom prst="cube">
-            <a:avLst/>
-          </a:prstGeom>
-          <a:gradFill>
-            <a:gsLst>
-              <a:gs pos="0">
-                <a:schemeClr val="accent2">
-                  <a:lumMod val="75000"/>
-                </a:schemeClr>
-              </a:gs>
-              <a:gs pos="100000">
-                <a:schemeClr val="accent2">
-                  <a:lumMod val="60000"/>
-                  <a:lumOff val="40000"/>
-                </a:schemeClr>
-              </a:gs>
-            </a:gsLst>
-          </a:gradFill>
+            <a:off x="5942666" y="2824601"/>
+            <a:ext cx="301752" cy="301752"/>
+          </a:xfrm>
+          <a:prstGeom prst="ellipse">
+            <a:avLst/>
+          </a:prstGeom>
+          <a:solidFill>
+            <a:schemeClr val="bg1">
+              <a:lumMod val="65000"/>
+            </a:schemeClr>
+          </a:solidFill>
         </p:spPr>
         <p:style>
           <a:lnRef idx="1">
@@ -27240,363 +28893,47 @@
           </a:fontRef>
         </p:style>
         <p:txBody>
-          <a:bodyPr lIns="45720" rIns="45720" rtlCol="0" anchor="ctr"/>
+          <a:bodyPr rtlCol="0" anchor="ctr"/>
           <a:lstStyle/>
           <a:p>
             <a:pPr algn="ctr"/>
-            <a:r>
-              <a:rPr lang="en-US" sz="1400" dirty="0"/>
-              <a:t>LB</a:t>
-            </a:r>
-          </a:p>
-        </p:txBody>
-      </p:sp>
-      <p:sp>
-        <p:nvSpPr>
-          <p:cNvPr id="31" name="Star: 10 Points 30">
+            <a:endParaRPr lang="en-US" dirty="0"/>
+          </a:p>
+        </p:txBody>
+      </p:sp>
+      <p:sp>
+        <p:nvSpPr>
+          <p:cNvPr id="19" name="TextBox 18">
             <a:extLst>
               <a:ext uri="{FF2B5EF4-FFF2-40B4-BE49-F238E27FC236}">
-                <a16:creationId xmlns:a16="http://schemas.microsoft.com/office/drawing/2014/main" id="{19C3F6E1-FE07-45CA-BD53-3DE1CB589B68}"/>
+                <a16:creationId xmlns:a16="http://schemas.microsoft.com/office/drawing/2014/main" id="{807D07A2-0C9D-4B65-BBAD-453A55E5BA60}"/>
               </a:ext>
             </a:extLst>
           </p:cNvPr>
-          <p:cNvSpPr>
-            <a:spLocks noChangeAspect="1"/>
-          </p:cNvSpPr>
+          <p:cNvSpPr txBox="1"/>
           <p:nvPr/>
         </p:nvSpPr>
         <p:spPr>
           <a:xfrm>
-            <a:off x="3852473" y="2164059"/>
-            <a:ext cx="1199214" cy="1199214"/>
-          </a:xfrm>
-          <a:prstGeom prst="star10">
-            <a:avLst/>
-          </a:prstGeom>
-          <a:solidFill>
-            <a:schemeClr val="accent4">
-              <a:lumMod val="60000"/>
-              <a:lumOff val="40000"/>
-            </a:schemeClr>
-          </a:solidFill>
-        </p:spPr>
-        <p:style>
-          <a:lnRef idx="1">
-            <a:schemeClr val="accent1"/>
-          </a:lnRef>
-          <a:fillRef idx="3">
-            <a:schemeClr val="accent1"/>
-          </a:fillRef>
-          <a:effectRef idx="2">
-            <a:schemeClr val="accent1"/>
-          </a:effectRef>
-          <a:fontRef idx="minor">
-            <a:schemeClr val="lt1"/>
-          </a:fontRef>
-        </p:style>
-        <p:txBody>
-          <a:bodyPr lIns="45720" rIns="45720" rtlCol="0" anchor="ctr"/>
+            <a:off x="6250662" y="2785835"/>
+            <a:ext cx="919205" cy="369332"/>
+          </a:xfrm>
+          <a:prstGeom prst="rect">
+            <a:avLst/>
+          </a:prstGeom>
+          <a:noFill/>
+        </p:spPr>
+        <p:txBody>
+          <a:bodyPr wrap="square" rtlCol="0">
+            <a:spAutoFit/>
+          </a:bodyPr>
           <a:lstStyle/>
           <a:p>
             <a:pPr algn="ctr"/>
             <a:r>
               <a:rPr lang="en-US" dirty="0"/>
-              <a:t>Your Script</a:t>
-            </a:r>
-          </a:p>
-        </p:txBody>
-      </p:sp>
-      <p:sp>
-        <p:nvSpPr>
-          <p:cNvPr id="2" name="Arrow: Right 1">
-            <a:extLst>
-              <a:ext uri="{FF2B5EF4-FFF2-40B4-BE49-F238E27FC236}">
-                <a16:creationId xmlns:a16="http://schemas.microsoft.com/office/drawing/2014/main" id="{7A82A033-5F4A-4AD6-93F1-F989C1569FA6}"/>
-              </a:ext>
-            </a:extLst>
-          </p:cNvPr>
-          <p:cNvSpPr/>
-          <p:nvPr/>
-        </p:nvSpPr>
-        <p:spPr>
-          <a:xfrm rot="11874169">
-            <a:off x="2117621" y="2070370"/>
-            <a:ext cx="1446550" cy="187377"/>
-          </a:xfrm>
-          <a:prstGeom prst="rightArrow">
-            <a:avLst/>
-          </a:prstGeom>
-          <a:solidFill>
-            <a:schemeClr val="bg1">
-              <a:lumMod val="85000"/>
-            </a:schemeClr>
-          </a:solidFill>
-        </p:spPr>
-        <p:style>
-          <a:lnRef idx="1">
-            <a:schemeClr val="accent1"/>
-          </a:lnRef>
-          <a:fillRef idx="3">
-            <a:schemeClr val="accent1"/>
-          </a:fillRef>
-          <a:effectRef idx="2">
-            <a:schemeClr val="accent1"/>
-          </a:effectRef>
-          <a:fontRef idx="minor">
-            <a:schemeClr val="lt1"/>
-          </a:fontRef>
-        </p:style>
-        <p:txBody>
-          <a:bodyPr rtlCol="0" anchor="ctr"/>
-          <a:lstStyle/>
-          <a:p>
-            <a:pPr algn="ctr"/>
-            <a:endParaRPr lang="en-US"/>
-          </a:p>
-        </p:txBody>
-      </p:sp>
-      <p:sp>
-        <p:nvSpPr>
-          <p:cNvPr id="40" name="Arrow: Right 39">
-            <a:extLst>
-              <a:ext uri="{FF2B5EF4-FFF2-40B4-BE49-F238E27FC236}">
-                <a16:creationId xmlns:a16="http://schemas.microsoft.com/office/drawing/2014/main" id="{727B7C1E-301A-4B77-8077-8121FFB806D1}"/>
-              </a:ext>
-            </a:extLst>
-          </p:cNvPr>
-          <p:cNvSpPr/>
-          <p:nvPr/>
-        </p:nvSpPr>
-        <p:spPr>
-          <a:xfrm rot="10800000">
-            <a:off x="2062374" y="2676364"/>
-            <a:ext cx="1446550" cy="187377"/>
-          </a:xfrm>
-          <a:prstGeom prst="rightArrow">
-            <a:avLst/>
-          </a:prstGeom>
-          <a:solidFill>
-            <a:schemeClr val="bg1">
-              <a:lumMod val="85000"/>
-            </a:schemeClr>
-          </a:solidFill>
-        </p:spPr>
-        <p:style>
-          <a:lnRef idx="1">
-            <a:schemeClr val="accent1"/>
-          </a:lnRef>
-          <a:fillRef idx="3">
-            <a:schemeClr val="accent1"/>
-          </a:fillRef>
-          <a:effectRef idx="2">
-            <a:schemeClr val="accent1"/>
-          </a:effectRef>
-          <a:fontRef idx="minor">
-            <a:schemeClr val="lt1"/>
-          </a:fontRef>
-        </p:style>
-        <p:txBody>
-          <a:bodyPr rtlCol="0" anchor="ctr"/>
-          <a:lstStyle/>
-          <a:p>
-            <a:pPr algn="ctr"/>
-            <a:endParaRPr lang="en-US"/>
-          </a:p>
-        </p:txBody>
-      </p:sp>
-      <p:sp>
-        <p:nvSpPr>
-          <p:cNvPr id="41" name="Arrow: Right 40">
-            <a:extLst>
-              <a:ext uri="{FF2B5EF4-FFF2-40B4-BE49-F238E27FC236}">
-                <a16:creationId xmlns:a16="http://schemas.microsoft.com/office/drawing/2014/main" id="{1BF96878-8938-49D5-BE29-7C4705B51B03}"/>
-              </a:ext>
-            </a:extLst>
-          </p:cNvPr>
-          <p:cNvSpPr/>
-          <p:nvPr/>
-        </p:nvSpPr>
-        <p:spPr>
-          <a:xfrm rot="10011384">
-            <a:off x="2109043" y="3324471"/>
-            <a:ext cx="1446550" cy="187377"/>
-          </a:xfrm>
-          <a:prstGeom prst="rightArrow">
-            <a:avLst/>
-          </a:prstGeom>
-          <a:solidFill>
-            <a:schemeClr val="bg1">
-              <a:lumMod val="85000"/>
-            </a:schemeClr>
-          </a:solidFill>
-        </p:spPr>
-        <p:style>
-          <a:lnRef idx="1">
-            <a:schemeClr val="accent1"/>
-          </a:lnRef>
-          <a:fillRef idx="3">
-            <a:schemeClr val="accent1"/>
-          </a:fillRef>
-          <a:effectRef idx="2">
-            <a:schemeClr val="accent1"/>
-          </a:effectRef>
-          <a:fontRef idx="minor">
-            <a:schemeClr val="lt1"/>
-          </a:fontRef>
-        </p:style>
-        <p:txBody>
-          <a:bodyPr rtlCol="0" anchor="ctr"/>
-          <a:lstStyle/>
-          <a:p>
-            <a:pPr algn="ctr"/>
-            <a:endParaRPr lang="en-US"/>
-          </a:p>
-        </p:txBody>
-      </p:sp>
-      <p:sp>
-        <p:nvSpPr>
-          <p:cNvPr id="43" name="Arrow: Right 42">
-            <a:extLst>
-              <a:ext uri="{FF2B5EF4-FFF2-40B4-BE49-F238E27FC236}">
-                <a16:creationId xmlns:a16="http://schemas.microsoft.com/office/drawing/2014/main" id="{2C0F724D-FF08-4D58-BF6B-AFE0E5834AA3}"/>
-              </a:ext>
-            </a:extLst>
-          </p:cNvPr>
-          <p:cNvSpPr/>
-          <p:nvPr/>
-        </p:nvSpPr>
-        <p:spPr>
-          <a:xfrm rot="20693093">
-            <a:off x="5266546" y="2050897"/>
-            <a:ext cx="1446550" cy="187377"/>
-          </a:xfrm>
-          <a:prstGeom prst="rightArrow">
-            <a:avLst/>
-          </a:prstGeom>
-          <a:solidFill>
-            <a:schemeClr val="bg1">
-              <a:lumMod val="85000"/>
-            </a:schemeClr>
-          </a:solidFill>
-        </p:spPr>
-        <p:style>
-          <a:lnRef idx="1">
-            <a:schemeClr val="accent1"/>
-          </a:lnRef>
-          <a:fillRef idx="3">
-            <a:schemeClr val="accent1"/>
-          </a:fillRef>
-          <a:effectRef idx="2">
-            <a:schemeClr val="accent1"/>
-          </a:effectRef>
-          <a:fontRef idx="minor">
-            <a:schemeClr val="lt1"/>
-          </a:fontRef>
-        </p:style>
-        <p:txBody>
-          <a:bodyPr rtlCol="0" anchor="ctr"/>
-          <a:lstStyle/>
-          <a:p>
-            <a:pPr algn="ctr"/>
-            <a:endParaRPr lang="en-US"/>
-          </a:p>
-        </p:txBody>
-      </p:sp>
-      <p:sp>
-        <p:nvSpPr>
-          <p:cNvPr id="44" name="Arrow: Right 43">
-            <a:extLst>
-              <a:ext uri="{FF2B5EF4-FFF2-40B4-BE49-F238E27FC236}">
-                <a16:creationId xmlns:a16="http://schemas.microsoft.com/office/drawing/2014/main" id="{3DFED635-CB2A-40C1-BF12-33FBEE2B11D9}"/>
-              </a:ext>
-            </a:extLst>
-          </p:cNvPr>
-          <p:cNvSpPr/>
-          <p:nvPr/>
-        </p:nvSpPr>
-        <p:spPr>
-          <a:xfrm>
-            <a:off x="5315896" y="2669977"/>
-            <a:ext cx="1446550" cy="187377"/>
-          </a:xfrm>
-          <a:prstGeom prst="rightArrow">
-            <a:avLst/>
-          </a:prstGeom>
-          <a:solidFill>
-            <a:schemeClr val="bg1">
-              <a:lumMod val="85000"/>
-            </a:schemeClr>
-          </a:solidFill>
-        </p:spPr>
-        <p:style>
-          <a:lnRef idx="1">
-            <a:schemeClr val="accent1"/>
-          </a:lnRef>
-          <a:fillRef idx="3">
-            <a:schemeClr val="accent1"/>
-          </a:fillRef>
-          <a:effectRef idx="2">
-            <a:schemeClr val="accent1"/>
-          </a:effectRef>
-          <a:fontRef idx="minor">
-            <a:schemeClr val="lt1"/>
-          </a:fontRef>
-        </p:style>
-        <p:txBody>
-          <a:bodyPr rtlCol="0" anchor="ctr"/>
-          <a:lstStyle/>
-          <a:p>
-            <a:pPr algn="ctr"/>
-            <a:endParaRPr lang="en-US"/>
-          </a:p>
-        </p:txBody>
-      </p:sp>
-      <p:sp>
-        <p:nvSpPr>
-          <p:cNvPr id="47" name="Arrow: Right 46">
-            <a:extLst>
-              <a:ext uri="{FF2B5EF4-FFF2-40B4-BE49-F238E27FC236}">
-                <a16:creationId xmlns:a16="http://schemas.microsoft.com/office/drawing/2014/main" id="{13CCC024-D0C4-4D3E-9EBC-30C4A1592BB2}"/>
-              </a:ext>
-            </a:extLst>
-          </p:cNvPr>
-          <p:cNvSpPr/>
-          <p:nvPr/>
-        </p:nvSpPr>
-        <p:spPr>
-          <a:xfrm rot="1148665">
-            <a:off x="5306621" y="3397531"/>
-            <a:ext cx="1446550" cy="187377"/>
-          </a:xfrm>
-          <a:prstGeom prst="rightArrow">
-            <a:avLst/>
-          </a:prstGeom>
-          <a:solidFill>
-            <a:schemeClr val="bg1">
-              <a:lumMod val="85000"/>
-            </a:schemeClr>
-          </a:solidFill>
-        </p:spPr>
-        <p:style>
-          <a:lnRef idx="1">
-            <a:schemeClr val="accent1"/>
-          </a:lnRef>
-          <a:fillRef idx="3">
-            <a:schemeClr val="accent1"/>
-          </a:fillRef>
-          <a:effectRef idx="2">
-            <a:schemeClr val="accent1"/>
-          </a:effectRef>
-          <a:fontRef idx="minor">
-            <a:schemeClr val="lt1"/>
-          </a:fontRef>
-        </p:style>
-        <p:txBody>
-          <a:bodyPr rtlCol="0" anchor="ctr"/>
-          <a:lstStyle/>
-          <a:p>
-            <a:pPr algn="ctr"/>
-            <a:endParaRPr lang="en-US"/>
+              <a:t>Ansible</a:t>
+            </a:r>
           </a:p>
         </p:txBody>
       </p:sp>
